--- a/temp/NNAPI.pptx
+++ b/temp/NNAPI.pptx
@@ -5,16 +5,40 @@
     <p:sldMasterId id="2147483648" r:id="rId1"/>
   </p:sldMasterIdLst>
   <p:notesMasterIdLst>
-    <p:notesMasterId r:id="rId9"/>
+    <p:notesMasterId r:id="rId33"/>
   </p:notesMasterIdLst>
   <p:sldIdLst>
     <p:sldId id="256" r:id="rId2"/>
-    <p:sldId id="258" r:id="rId3"/>
-    <p:sldId id="260" r:id="rId4"/>
-    <p:sldId id="261" r:id="rId5"/>
-    <p:sldId id="262" r:id="rId6"/>
-    <p:sldId id="257" r:id="rId7"/>
-    <p:sldId id="259" r:id="rId8"/>
+    <p:sldId id="270" r:id="rId3"/>
+    <p:sldId id="277" r:id="rId4"/>
+    <p:sldId id="272" r:id="rId5"/>
+    <p:sldId id="278" r:id="rId6"/>
+    <p:sldId id="279" r:id="rId7"/>
+    <p:sldId id="288" r:id="rId8"/>
+    <p:sldId id="291" r:id="rId9"/>
+    <p:sldId id="293" r:id="rId10"/>
+    <p:sldId id="294" r:id="rId11"/>
+    <p:sldId id="292" r:id="rId12"/>
+    <p:sldId id="295" r:id="rId13"/>
+    <p:sldId id="280" r:id="rId14"/>
+    <p:sldId id="273" r:id="rId15"/>
+    <p:sldId id="271" r:id="rId16"/>
+    <p:sldId id="275" r:id="rId17"/>
+    <p:sldId id="274" r:id="rId18"/>
+    <p:sldId id="265" r:id="rId19"/>
+    <p:sldId id="269" r:id="rId20"/>
+    <p:sldId id="268" r:id="rId21"/>
+    <p:sldId id="267" r:id="rId22"/>
+    <p:sldId id="266" r:id="rId23"/>
+    <p:sldId id="264" r:id="rId24"/>
+    <p:sldId id="261" r:id="rId25"/>
+    <p:sldId id="262" r:id="rId26"/>
+    <p:sldId id="257" r:id="rId27"/>
+    <p:sldId id="259" r:id="rId28"/>
+    <p:sldId id="282" r:id="rId29"/>
+    <p:sldId id="283" r:id="rId30"/>
+    <p:sldId id="284" r:id="rId31"/>
+    <p:sldId id="285" r:id="rId32"/>
   </p:sldIdLst>
   <p:sldSz cx="9144000" cy="6858000" type="screen4x3"/>
   <p:notesSz cx="6858000" cy="9144000"/>
@@ -198,7 +222,7 @@
           <a:p>
             <a:fld id="{EABBA1B7-47AE-46BC-83AA-538C52BEC2BA}" type="datetimeFigureOut">
               <a:rPr lang="zh-CN" altLang="en-US" smtClean="0"/>
-              <a:t>2019/2/19</a:t>
+              <a:t>2019/2/22</a:t>
             </a:fld>
             <a:endParaRPr lang="zh-CN" altLang="en-US"/>
           </a:p>
@@ -619,7 +643,7 @@
           <a:p>
             <a:fld id="{ABD29AB3-2A59-42CD-8E3D-DEFCD979F626}" type="slidenum">
               <a:rPr lang="zh-CN" altLang="en-US" smtClean="0"/>
-              <a:t>3</a:t>
+              <a:t>4</a:t>
             </a:fld>
             <a:endParaRPr lang="zh-CN" altLang="en-US"/>
           </a:p>
@@ -628,7 +652,95 @@
     </p:spTree>
     <p:extLst>
       <p:ext uri="{BB962C8B-B14F-4D97-AF65-F5344CB8AC3E}">
-        <p14:creationId xmlns:p14="http://schemas.microsoft.com/office/powerpoint/2010/main" val="319899052"/>
+        <p14:creationId xmlns:p14="http://schemas.microsoft.com/office/powerpoint/2010/main" val="2585543620"/>
+      </p:ext>
+    </p:extLst>
+  </p:cSld>
+  <p:clrMapOvr>
+    <a:masterClrMapping/>
+  </p:clrMapOvr>
+</p:notes>
+</file>
+
+<file path=ppt/notesSlides/notesSlide3.xml><?xml version="1.0" encoding="utf-8"?>
+<p:notes xmlns:a="http://schemas.openxmlformats.org/drawingml/2006/main" xmlns:r="http://schemas.openxmlformats.org/officeDocument/2006/relationships" xmlns:p="http://schemas.openxmlformats.org/presentationml/2006/main">
+  <p:cSld>
+    <p:spTree>
+      <p:nvGrpSpPr>
+        <p:cNvPr id="1" name=""/>
+        <p:cNvGrpSpPr/>
+        <p:nvPr/>
+      </p:nvGrpSpPr>
+      <p:grpSpPr>
+        <a:xfrm>
+          <a:off x="0" y="0"/>
+          <a:ext cx="0" cy="0"/>
+          <a:chOff x="0" y="0"/>
+          <a:chExt cx="0" cy="0"/>
+        </a:xfrm>
+      </p:grpSpPr>
+      <p:sp>
+        <p:nvSpPr>
+          <p:cNvPr id="2" name="幻灯片图像占位符 1"/>
+          <p:cNvSpPr>
+            <a:spLocks noGrp="1" noRot="1" noChangeAspect="1"/>
+          </p:cNvSpPr>
+          <p:nvPr>
+            <p:ph type="sldImg"/>
+          </p:nvPr>
+        </p:nvSpPr>
+        <p:spPr/>
+      </p:sp>
+      <p:sp>
+        <p:nvSpPr>
+          <p:cNvPr id="3" name="备注占位符 2"/>
+          <p:cNvSpPr>
+            <a:spLocks noGrp="1"/>
+          </p:cNvSpPr>
+          <p:nvPr>
+            <p:ph type="body" idx="1"/>
+          </p:nvPr>
+        </p:nvSpPr>
+        <p:spPr/>
+        <p:txBody>
+          <a:bodyPr/>
+          <a:lstStyle/>
+          <a:p>
+            <a:r>
+              <a:rPr lang="en-US" altLang="zh-CN" smtClean="0"/>
+              <a:t>https://www.zybuluo.com/hanbingtao/note/433855</a:t>
+            </a:r>
+            <a:endParaRPr lang="zh-CN" altLang="en-US"/>
+          </a:p>
+        </p:txBody>
+      </p:sp>
+      <p:sp>
+        <p:nvSpPr>
+          <p:cNvPr id="4" name="灯片编号占位符 3"/>
+          <p:cNvSpPr>
+            <a:spLocks noGrp="1"/>
+          </p:cNvSpPr>
+          <p:nvPr>
+            <p:ph type="sldNum" sz="quarter" idx="10"/>
+          </p:nvPr>
+        </p:nvSpPr>
+        <p:spPr/>
+        <p:txBody>
+          <a:bodyPr/>
+          <a:lstStyle/>
+          <a:p>
+            <a:fld id="{ABD29AB3-2A59-42CD-8E3D-DEFCD979F626}" type="slidenum">
+              <a:rPr lang="zh-CN" altLang="en-US" smtClean="0"/>
+              <a:t>16</a:t>
+            </a:fld>
+            <a:endParaRPr lang="zh-CN" altLang="en-US"/>
+          </a:p>
+        </p:txBody>
+      </p:sp>
+    </p:spTree>
+    <p:extLst>
+      <p:ext uri="{BB962C8B-B14F-4D97-AF65-F5344CB8AC3E}">
+        <p14:creationId xmlns:p14="http://schemas.microsoft.com/office/powerpoint/2010/main" val="182482160"/>
       </p:ext>
     </p:extLst>
   </p:cSld>
@@ -819,7 +931,7 @@
           <a:p>
             <a:fld id="{23D91640-A206-46E2-B6BE-621BAD24775D}" type="datetimeFigureOut">
               <a:rPr lang="zh-CN" altLang="en-US" smtClean="0"/>
-              <a:t>2019/2/19</a:t>
+              <a:t>2019/2/22</a:t>
             </a:fld>
             <a:endParaRPr lang="zh-CN" altLang="en-US"/>
           </a:p>
@@ -989,7 +1101,7 @@
           <a:p>
             <a:fld id="{23D91640-A206-46E2-B6BE-621BAD24775D}" type="datetimeFigureOut">
               <a:rPr lang="zh-CN" altLang="en-US" smtClean="0"/>
-              <a:t>2019/2/19</a:t>
+              <a:t>2019/2/22</a:t>
             </a:fld>
             <a:endParaRPr lang="zh-CN" altLang="en-US"/>
           </a:p>
@@ -1169,7 +1281,7 @@
           <a:p>
             <a:fld id="{23D91640-A206-46E2-B6BE-621BAD24775D}" type="datetimeFigureOut">
               <a:rPr lang="zh-CN" altLang="en-US" smtClean="0"/>
-              <a:t>2019/2/19</a:t>
+              <a:t>2019/2/22</a:t>
             </a:fld>
             <a:endParaRPr lang="zh-CN" altLang="en-US"/>
           </a:p>
@@ -1339,7 +1451,7 @@
           <a:p>
             <a:fld id="{23D91640-A206-46E2-B6BE-621BAD24775D}" type="datetimeFigureOut">
               <a:rPr lang="zh-CN" altLang="en-US" smtClean="0"/>
-              <a:t>2019/2/19</a:t>
+              <a:t>2019/2/22</a:t>
             </a:fld>
             <a:endParaRPr lang="zh-CN" altLang="en-US"/>
           </a:p>
@@ -1585,7 +1697,7 @@
           <a:p>
             <a:fld id="{23D91640-A206-46E2-B6BE-621BAD24775D}" type="datetimeFigureOut">
               <a:rPr lang="zh-CN" altLang="en-US" smtClean="0"/>
-              <a:t>2019/2/19</a:t>
+              <a:t>2019/2/22</a:t>
             </a:fld>
             <a:endParaRPr lang="zh-CN" altLang="en-US"/>
           </a:p>
@@ -1873,7 +1985,7 @@
           <a:p>
             <a:fld id="{23D91640-A206-46E2-B6BE-621BAD24775D}" type="datetimeFigureOut">
               <a:rPr lang="zh-CN" altLang="en-US" smtClean="0"/>
-              <a:t>2019/2/19</a:t>
+              <a:t>2019/2/22</a:t>
             </a:fld>
             <a:endParaRPr lang="zh-CN" altLang="en-US"/>
           </a:p>
@@ -2295,7 +2407,7 @@
           <a:p>
             <a:fld id="{23D91640-A206-46E2-B6BE-621BAD24775D}" type="datetimeFigureOut">
               <a:rPr lang="zh-CN" altLang="en-US" smtClean="0"/>
-              <a:t>2019/2/19</a:t>
+              <a:t>2019/2/22</a:t>
             </a:fld>
             <a:endParaRPr lang="zh-CN" altLang="en-US"/>
           </a:p>
@@ -2413,7 +2525,7 @@
           <a:p>
             <a:fld id="{23D91640-A206-46E2-B6BE-621BAD24775D}" type="datetimeFigureOut">
               <a:rPr lang="zh-CN" altLang="en-US" smtClean="0"/>
-              <a:t>2019/2/19</a:t>
+              <a:t>2019/2/22</a:t>
             </a:fld>
             <a:endParaRPr lang="zh-CN" altLang="en-US"/>
           </a:p>
@@ -2508,7 +2620,7 @@
           <a:p>
             <a:fld id="{23D91640-A206-46E2-B6BE-621BAD24775D}" type="datetimeFigureOut">
               <a:rPr lang="zh-CN" altLang="en-US" smtClean="0"/>
-              <a:t>2019/2/19</a:t>
+              <a:t>2019/2/22</a:t>
             </a:fld>
             <a:endParaRPr lang="zh-CN" altLang="en-US"/>
           </a:p>
@@ -2785,7 +2897,7 @@
           <a:p>
             <a:fld id="{23D91640-A206-46E2-B6BE-621BAD24775D}" type="datetimeFigureOut">
               <a:rPr lang="zh-CN" altLang="en-US" smtClean="0"/>
-              <a:t>2019/2/19</a:t>
+              <a:t>2019/2/22</a:t>
             </a:fld>
             <a:endParaRPr lang="zh-CN" altLang="en-US"/>
           </a:p>
@@ -3038,7 +3150,7 @@
           <a:p>
             <a:fld id="{23D91640-A206-46E2-B6BE-621BAD24775D}" type="datetimeFigureOut">
               <a:rPr lang="zh-CN" altLang="en-US" smtClean="0"/>
-              <a:t>2019/2/19</a:t>
+              <a:t>2019/2/22</a:t>
             </a:fld>
             <a:endParaRPr lang="zh-CN" altLang="en-US"/>
           </a:p>
@@ -3251,7 +3363,7 @@
           <a:p>
             <a:fld id="{23D91640-A206-46E2-B6BE-621BAD24775D}" type="datetimeFigureOut">
               <a:rPr lang="zh-CN" altLang="en-US" smtClean="0"/>
-              <a:t>2019/2/19</a:t>
+              <a:t>2019/2/22</a:t>
             </a:fld>
             <a:endParaRPr lang="zh-CN" altLang="en-US"/>
           </a:p>
@@ -3628,14 +3740,54 @@
       </p:grpSpPr>
       <p:sp>
         <p:nvSpPr>
+          <p:cNvPr id="2" name="矩形 1"/>
+          <p:cNvSpPr/>
+          <p:nvPr/>
+        </p:nvSpPr>
+        <p:spPr>
+          <a:xfrm>
+            <a:off x="0" y="0"/>
+            <a:ext cx="9144000" cy="4365104"/>
+          </a:xfrm>
+          <a:prstGeom prst="rect">
+            <a:avLst/>
+          </a:prstGeom>
+        </p:spPr>
+        <p:style>
+          <a:lnRef idx="2">
+            <a:schemeClr val="accent1">
+              <a:shade val="50000"/>
+            </a:schemeClr>
+          </a:lnRef>
+          <a:fillRef idx="1">
+            <a:schemeClr val="accent1"/>
+          </a:fillRef>
+          <a:effectRef idx="0">
+            <a:schemeClr val="accent1"/>
+          </a:effectRef>
+          <a:fontRef idx="minor">
+            <a:schemeClr val="lt1"/>
+          </a:fontRef>
+        </p:style>
+        <p:txBody>
+          <a:bodyPr rtlCol="0" anchor="ctr"/>
+          <a:lstStyle/>
+          <a:p>
+            <a:pPr algn="ctr"/>
+            <a:endParaRPr lang="zh-CN" altLang="en-US"/>
+          </a:p>
+        </p:txBody>
+      </p:sp>
+      <p:sp>
+        <p:nvSpPr>
           <p:cNvPr id="4" name="TextBox 3"/>
           <p:cNvSpPr txBox="1"/>
           <p:nvPr/>
         </p:nvSpPr>
         <p:spPr>
           <a:xfrm>
-            <a:off x="2121732" y="1879630"/>
-            <a:ext cx="5256584" cy="523220"/>
+            <a:off x="1547664" y="1879630"/>
+            <a:ext cx="6011670" cy="646331"/>
           </a:xfrm>
           <a:prstGeom prst="rect">
             <a:avLst/>
@@ -3649,14 +3801,26 @@
           <a:lstStyle/>
           <a:p>
             <a:r>
-              <a:rPr lang="en-US" altLang="zh-CN" sz="2800" b="1" dirty="0" smtClean="0"/>
+              <a:rPr lang="en-US" altLang="zh-CN" sz="3600" b="1" dirty="0" smtClean="0">
+                <a:solidFill>
+                  <a:schemeClr val="bg1"/>
+                </a:solidFill>
+              </a:rPr>
               <a:t>Android NNAPI </a:t>
             </a:r>
             <a:r>
-              <a:rPr lang="zh-CN" altLang="en-US" sz="2800" b="1" dirty="0" smtClean="0"/>
+              <a:rPr lang="zh-CN" altLang="en-US" sz="3600" b="1" dirty="0" smtClean="0">
+                <a:solidFill>
+                  <a:schemeClr val="bg1"/>
+                </a:solidFill>
+              </a:rPr>
               <a:t>及其相关介绍</a:t>
             </a:r>
-            <a:endParaRPr lang="zh-CN" altLang="en-US" sz="2800" b="1" dirty="0"/>
+            <a:endParaRPr lang="zh-CN" altLang="en-US" sz="3600" b="1" dirty="0">
+              <a:solidFill>
+                <a:schemeClr val="bg1"/>
+              </a:solidFill>
+            </a:endParaRPr>
           </a:p>
         </p:txBody>
       </p:sp>
@@ -3668,8 +3832,8 @@
         </p:nvSpPr>
         <p:spPr>
           <a:xfrm>
-            <a:off x="2769804" y="3212976"/>
-            <a:ext cx="3960440" cy="923330"/>
+            <a:off x="5600001" y="5236695"/>
+            <a:ext cx="3231051" cy="923330"/>
           </a:xfrm>
           <a:prstGeom prst="rect">
             <a:avLst/>
@@ -3683,46 +3847,46 @@
           <a:lstStyle/>
           <a:p>
             <a:r>
-              <a:rPr lang="en-US" altLang="zh-CN" dirty="0" smtClean="0"/>
+              <a:rPr lang="en-US" altLang="zh-CN" b="1" dirty="0" smtClean="0"/>
               <a:t>Name : </a:t>
             </a:r>
             <a:r>
-              <a:rPr lang="zh-CN" altLang="en-US" dirty="0" smtClean="0"/>
+              <a:rPr lang="zh-CN" altLang="en-US" b="1" dirty="0" smtClean="0"/>
               <a:t>李    强</a:t>
             </a:r>
             <a:r>
-              <a:rPr lang="en-US" altLang="zh-CN" dirty="0" smtClean="0"/>
+              <a:rPr lang="en-US" altLang="zh-CN" b="1" dirty="0" smtClean="0"/>
               <a:t/>
             </a:r>
             <a:br>
-              <a:rPr lang="en-US" altLang="zh-CN" dirty="0" smtClean="0"/>
+              <a:rPr lang="en-US" altLang="zh-CN" b="1" dirty="0" smtClean="0"/>
             </a:br>
             <a:r>
-              <a:rPr lang="en-US" altLang="zh-CN" dirty="0" smtClean="0"/>
+              <a:rPr lang="en-US" altLang="zh-CN" b="1" dirty="0" smtClean="0"/>
               <a:t>Email </a:t>
             </a:r>
             <a:r>
-              <a:rPr lang="zh-CN" altLang="en-US" dirty="0" smtClean="0"/>
+              <a:rPr lang="zh-CN" altLang="en-US" b="1" dirty="0" smtClean="0"/>
               <a:t>： </a:t>
             </a:r>
             <a:r>
-              <a:rPr lang="en-US" altLang="zh-CN" dirty="0" smtClean="0">
+              <a:rPr lang="en-US" altLang="zh-CN" b="1" dirty="0" smtClean="0">
                 <a:hlinkClick r:id="rId3"/>
               </a:rPr>
               <a:t>qli3@tcl.com</a:t>
             </a:r>
             <a:r>
-              <a:rPr lang="en-US" altLang="zh-CN" dirty="0" smtClean="0"/>
+              <a:rPr lang="en-US" altLang="zh-CN" b="1" dirty="0" smtClean="0"/>
               <a:t/>
             </a:r>
             <a:br>
-              <a:rPr lang="en-US" altLang="zh-CN" dirty="0" smtClean="0"/>
+              <a:rPr lang="en-US" altLang="zh-CN" b="1" dirty="0" smtClean="0"/>
             </a:br>
             <a:r>
-              <a:rPr lang="en-US" altLang="zh-CN" dirty="0" smtClean="0"/>
+              <a:rPr lang="en-US" altLang="zh-CN" b="1" dirty="0" smtClean="0"/>
               <a:t>Date :  2019-02</a:t>
             </a:r>
-            <a:endParaRPr lang="zh-CN" altLang="en-US" dirty="0"/>
+            <a:endParaRPr lang="zh-CN" altLang="en-US" b="1" dirty="0"/>
           </a:p>
         </p:txBody>
       </p:sp>
@@ -3736,10 +3900,17 @@
   <p:clrMapOvr>
     <a:masterClrMapping/>
   </p:clrMapOvr>
+  <p:timing>
+    <p:tnLst>
+      <p:par>
+        <p:cTn id="1" dur="indefinite" restart="never" nodeType="tmRoot"/>
+      </p:par>
+    </p:tnLst>
+  </p:timing>
 </p:sld>
 </file>
 
-<file path=ppt/slides/slide2.xml><?xml version="1.0" encoding="utf-8"?>
+<file path=ppt/slides/slide10.xml><?xml version="1.0" encoding="utf-8"?>
 <p:sld xmlns:a="http://schemas.openxmlformats.org/drawingml/2006/main" xmlns:r="http://schemas.openxmlformats.org/officeDocument/2006/relationships" xmlns:p="http://schemas.openxmlformats.org/presentationml/2006/main">
   <p:cSld>
     <p:spTree>
@@ -3758,14 +3929,494 @@
       </p:grpSpPr>
       <p:sp>
         <p:nvSpPr>
-          <p:cNvPr id="4" name="TextBox 3"/>
+          <p:cNvPr id="4" name="矩形 3"/>
+          <p:cNvSpPr/>
+          <p:nvPr/>
+        </p:nvSpPr>
+        <p:spPr>
+          <a:xfrm>
+            <a:off x="611560" y="364523"/>
+            <a:ext cx="1619354" cy="369332"/>
+          </a:xfrm>
+          <a:prstGeom prst="rect">
+            <a:avLst/>
+          </a:prstGeom>
+        </p:spPr>
+        <p:txBody>
+          <a:bodyPr wrap="none">
+            <a:spAutoFit/>
+          </a:bodyPr>
+          <a:lstStyle/>
+          <a:p>
+            <a:pPr marL="285750" indent="-285750">
+              <a:buFont typeface="Wingdings" pitchFamily="2" charset="2"/>
+              <a:buChar char="Ø"/>
+            </a:pPr>
+            <a:r>
+              <a:rPr lang="en-US" altLang="zh-CN" b="1" dirty="0">
+                <a:solidFill>
+                  <a:schemeClr val="accent1">
+                    <a:lumMod val="75000"/>
+                  </a:schemeClr>
+                </a:solidFill>
+              </a:rPr>
+              <a:t>NNAPI </a:t>
+            </a:r>
+            <a:r>
+              <a:rPr lang="zh-CN" altLang="en-US" b="1" dirty="0" smtClean="0">
+                <a:solidFill>
+                  <a:schemeClr val="accent1">
+                    <a:lumMod val="75000"/>
+                  </a:schemeClr>
+                </a:solidFill>
+              </a:rPr>
+              <a:t>使用</a:t>
+            </a:r>
+            <a:endParaRPr lang="zh-CN" altLang="en-US" b="1" dirty="0">
+              <a:solidFill>
+                <a:schemeClr val="accent1">
+                  <a:lumMod val="75000"/>
+                </a:schemeClr>
+              </a:solidFill>
+            </a:endParaRPr>
+          </a:p>
+        </p:txBody>
+      </p:sp>
+      <p:sp>
+        <p:nvSpPr>
+          <p:cNvPr id="5" name="圆角矩形 4"/>
+          <p:cNvSpPr/>
+          <p:nvPr/>
+        </p:nvSpPr>
+        <p:spPr>
+          <a:xfrm>
+            <a:off x="251520" y="1124744"/>
+            <a:ext cx="1440160" cy="936104"/>
+          </a:xfrm>
+          <a:prstGeom prst="roundRect">
+            <a:avLst/>
+          </a:prstGeom>
+          <a:solidFill>
+            <a:schemeClr val="tx2">
+              <a:lumMod val="20000"/>
+              <a:lumOff val="80000"/>
+            </a:schemeClr>
+          </a:solidFill>
+        </p:spPr>
+        <p:style>
+          <a:lnRef idx="2">
+            <a:schemeClr val="accent1">
+              <a:shade val="50000"/>
+            </a:schemeClr>
+          </a:lnRef>
+          <a:fillRef idx="1">
+            <a:schemeClr val="accent1"/>
+          </a:fillRef>
+          <a:effectRef idx="0">
+            <a:schemeClr val="accent1"/>
+          </a:effectRef>
+          <a:fontRef idx="minor">
+            <a:schemeClr val="lt1"/>
+          </a:fontRef>
+        </p:style>
+        <p:txBody>
+          <a:bodyPr rtlCol="0" anchor="ctr"/>
+          <a:lstStyle/>
+          <a:p>
+            <a:pPr algn="ctr"/>
+            <a:r>
+              <a:rPr lang="zh-CN" altLang="en-US" sz="2000" b="1" dirty="0" smtClean="0">
+                <a:solidFill>
+                  <a:schemeClr val="tx1"/>
+                </a:solidFill>
+              </a:rPr>
+              <a:t>创建执行实例</a:t>
+            </a:r>
+            <a:endParaRPr lang="zh-CN" altLang="en-US" sz="2000" b="1" dirty="0">
+              <a:solidFill>
+                <a:schemeClr val="tx1"/>
+              </a:solidFill>
+            </a:endParaRPr>
+          </a:p>
+        </p:txBody>
+      </p:sp>
+      <p:sp>
+        <p:nvSpPr>
+          <p:cNvPr id="6" name="圆角矩形 5"/>
+          <p:cNvSpPr/>
+          <p:nvPr/>
+        </p:nvSpPr>
+        <p:spPr>
+          <a:xfrm>
+            <a:off x="2051720" y="1124744"/>
+            <a:ext cx="1440160" cy="936104"/>
+          </a:xfrm>
+          <a:prstGeom prst="roundRect">
+            <a:avLst/>
+          </a:prstGeom>
+          <a:solidFill>
+            <a:schemeClr val="tx2">
+              <a:lumMod val="20000"/>
+              <a:lumOff val="80000"/>
+            </a:schemeClr>
+          </a:solidFill>
+        </p:spPr>
+        <p:style>
+          <a:lnRef idx="2">
+            <a:schemeClr val="accent1">
+              <a:shade val="50000"/>
+            </a:schemeClr>
+          </a:lnRef>
+          <a:fillRef idx="1">
+            <a:schemeClr val="accent1"/>
+          </a:fillRef>
+          <a:effectRef idx="0">
+            <a:schemeClr val="accent1"/>
+          </a:effectRef>
+          <a:fontRef idx="minor">
+            <a:schemeClr val="lt1"/>
+          </a:fontRef>
+        </p:style>
+        <p:txBody>
+          <a:bodyPr rtlCol="0" anchor="ctr"/>
+          <a:lstStyle/>
+          <a:p>
+            <a:pPr algn="ctr"/>
+            <a:r>
+              <a:rPr lang="zh-CN" altLang="en-US" sz="2000" b="1" dirty="0" smtClean="0">
+                <a:solidFill>
+                  <a:schemeClr val="tx1"/>
+                </a:solidFill>
+              </a:rPr>
+              <a:t>指定输入的位置</a:t>
+            </a:r>
+            <a:endParaRPr lang="zh-CN" altLang="en-US" sz="2000" b="1" dirty="0">
+              <a:solidFill>
+                <a:schemeClr val="tx1"/>
+              </a:solidFill>
+            </a:endParaRPr>
+          </a:p>
+        </p:txBody>
+      </p:sp>
+      <p:sp>
+        <p:nvSpPr>
+          <p:cNvPr id="7" name="圆角矩形 6"/>
+          <p:cNvSpPr/>
+          <p:nvPr/>
+        </p:nvSpPr>
+        <p:spPr>
+          <a:xfrm>
+            <a:off x="3851920" y="1124744"/>
+            <a:ext cx="1440160" cy="936104"/>
+          </a:xfrm>
+          <a:prstGeom prst="roundRect">
+            <a:avLst/>
+          </a:prstGeom>
+          <a:solidFill>
+            <a:schemeClr val="tx2">
+              <a:lumMod val="20000"/>
+              <a:lumOff val="80000"/>
+            </a:schemeClr>
+          </a:solidFill>
+        </p:spPr>
+        <p:style>
+          <a:lnRef idx="2">
+            <a:schemeClr val="accent1">
+              <a:shade val="50000"/>
+            </a:schemeClr>
+          </a:lnRef>
+          <a:fillRef idx="1">
+            <a:schemeClr val="accent1"/>
+          </a:fillRef>
+          <a:effectRef idx="0">
+            <a:schemeClr val="accent1"/>
+          </a:effectRef>
+          <a:fontRef idx="minor">
+            <a:schemeClr val="lt1"/>
+          </a:fontRef>
+        </p:style>
+        <p:txBody>
+          <a:bodyPr rtlCol="0" anchor="ctr"/>
+          <a:lstStyle/>
+          <a:p>
+            <a:pPr algn="ctr"/>
+            <a:r>
+              <a:rPr lang="zh-CN" altLang="en-US" sz="2000" b="1" dirty="0" smtClean="0">
+                <a:solidFill>
+                  <a:schemeClr val="tx1"/>
+                </a:solidFill>
+              </a:rPr>
+              <a:t>指定输出的位置</a:t>
+            </a:r>
+            <a:endParaRPr lang="zh-CN" altLang="en-US" sz="2000" b="1" dirty="0">
+              <a:solidFill>
+                <a:schemeClr val="tx1"/>
+              </a:solidFill>
+            </a:endParaRPr>
+          </a:p>
+        </p:txBody>
+      </p:sp>
+      <p:sp>
+        <p:nvSpPr>
+          <p:cNvPr id="8" name="圆角矩形 7"/>
+          <p:cNvSpPr/>
+          <p:nvPr/>
+        </p:nvSpPr>
+        <p:spPr>
+          <a:xfrm>
+            <a:off x="5652120" y="1139316"/>
+            <a:ext cx="1440160" cy="936104"/>
+          </a:xfrm>
+          <a:prstGeom prst="roundRect">
+            <a:avLst/>
+          </a:prstGeom>
+          <a:solidFill>
+            <a:schemeClr val="tx2">
+              <a:lumMod val="20000"/>
+              <a:lumOff val="80000"/>
+            </a:schemeClr>
+          </a:solidFill>
+        </p:spPr>
+        <p:style>
+          <a:lnRef idx="2">
+            <a:schemeClr val="accent1">
+              <a:shade val="50000"/>
+            </a:schemeClr>
+          </a:lnRef>
+          <a:fillRef idx="1">
+            <a:schemeClr val="accent1"/>
+          </a:fillRef>
+          <a:effectRef idx="0">
+            <a:schemeClr val="accent1"/>
+          </a:effectRef>
+          <a:fontRef idx="minor">
+            <a:schemeClr val="lt1"/>
+          </a:fontRef>
+        </p:style>
+        <p:txBody>
+          <a:bodyPr rtlCol="0" anchor="ctr"/>
+          <a:lstStyle/>
+          <a:p>
+            <a:pPr algn="ctr"/>
+            <a:r>
+              <a:rPr lang="zh-CN" altLang="en-US" sz="2000" b="1" dirty="0" smtClean="0">
+                <a:solidFill>
+                  <a:schemeClr val="tx1"/>
+                </a:solidFill>
+              </a:rPr>
+              <a:t>开始执行</a:t>
+            </a:r>
+            <a:endParaRPr lang="zh-CN" altLang="en-US" sz="2000" b="1" dirty="0">
+              <a:solidFill>
+                <a:schemeClr val="tx1"/>
+              </a:solidFill>
+            </a:endParaRPr>
+          </a:p>
+        </p:txBody>
+      </p:sp>
+      <p:cxnSp>
+        <p:nvCxnSpPr>
+          <p:cNvPr id="9" name="直接箭头连接符 8"/>
+          <p:cNvCxnSpPr>
+            <a:stCxn id="5" idx="3"/>
+            <a:endCxn id="6" idx="1"/>
+          </p:cNvCxnSpPr>
+          <p:nvPr/>
+        </p:nvCxnSpPr>
+        <p:spPr>
+          <a:xfrm>
+            <a:off x="1691680" y="1592796"/>
+            <a:ext cx="360040" cy="0"/>
+          </a:xfrm>
+          <a:prstGeom prst="straightConnector1">
+            <a:avLst/>
+          </a:prstGeom>
+          <a:ln w="38100">
+            <a:tailEnd type="arrow"/>
+          </a:ln>
+        </p:spPr>
+        <p:style>
+          <a:lnRef idx="1">
+            <a:schemeClr val="accent1"/>
+          </a:lnRef>
+          <a:fillRef idx="0">
+            <a:schemeClr val="accent1"/>
+          </a:fillRef>
+          <a:effectRef idx="0">
+            <a:schemeClr val="accent1"/>
+          </a:effectRef>
+          <a:fontRef idx="minor">
+            <a:schemeClr val="tx1"/>
+          </a:fontRef>
+        </p:style>
+      </p:cxnSp>
+      <p:cxnSp>
+        <p:nvCxnSpPr>
+          <p:cNvPr id="10" name="直接箭头连接符 9"/>
+          <p:cNvCxnSpPr/>
+          <p:nvPr/>
+        </p:nvCxnSpPr>
+        <p:spPr>
+          <a:xfrm>
+            <a:off x="3491880" y="1592796"/>
+            <a:ext cx="360040" cy="0"/>
+          </a:xfrm>
+          <a:prstGeom prst="straightConnector1">
+            <a:avLst/>
+          </a:prstGeom>
+          <a:ln w="38100">
+            <a:tailEnd type="arrow"/>
+          </a:ln>
+        </p:spPr>
+        <p:style>
+          <a:lnRef idx="1">
+            <a:schemeClr val="accent1"/>
+          </a:lnRef>
+          <a:fillRef idx="0">
+            <a:schemeClr val="accent1"/>
+          </a:fillRef>
+          <a:effectRef idx="0">
+            <a:schemeClr val="accent1"/>
+          </a:effectRef>
+          <a:fontRef idx="minor">
+            <a:schemeClr val="tx1"/>
+          </a:fontRef>
+        </p:style>
+      </p:cxnSp>
+      <p:cxnSp>
+        <p:nvCxnSpPr>
+          <p:cNvPr id="11" name="直接箭头连接符 10"/>
+          <p:cNvCxnSpPr/>
+          <p:nvPr/>
+        </p:nvCxnSpPr>
+        <p:spPr>
+          <a:xfrm>
+            <a:off x="7092280" y="1607368"/>
+            <a:ext cx="360040" cy="0"/>
+          </a:xfrm>
+          <a:prstGeom prst="straightConnector1">
+            <a:avLst/>
+          </a:prstGeom>
+          <a:ln w="38100">
+            <a:tailEnd type="arrow"/>
+          </a:ln>
+        </p:spPr>
+        <p:style>
+          <a:lnRef idx="1">
+            <a:schemeClr val="accent1"/>
+          </a:lnRef>
+          <a:fillRef idx="0">
+            <a:schemeClr val="accent1"/>
+          </a:fillRef>
+          <a:effectRef idx="0">
+            <a:schemeClr val="accent1"/>
+          </a:effectRef>
+          <a:fontRef idx="minor">
+            <a:schemeClr val="tx1"/>
+          </a:fontRef>
+        </p:style>
+      </p:cxnSp>
+      <p:sp>
+        <p:nvSpPr>
+          <p:cNvPr id="12" name="圆角矩形 11"/>
+          <p:cNvSpPr/>
+          <p:nvPr/>
+        </p:nvSpPr>
+        <p:spPr>
+          <a:xfrm>
+            <a:off x="7452320" y="1139316"/>
+            <a:ext cx="1440160" cy="936104"/>
+          </a:xfrm>
+          <a:prstGeom prst="roundRect">
+            <a:avLst/>
+          </a:prstGeom>
+          <a:solidFill>
+            <a:schemeClr val="tx2">
+              <a:lumMod val="20000"/>
+              <a:lumOff val="80000"/>
+            </a:schemeClr>
+          </a:solidFill>
+        </p:spPr>
+        <p:style>
+          <a:lnRef idx="2">
+            <a:schemeClr val="accent1">
+              <a:shade val="50000"/>
+            </a:schemeClr>
+          </a:lnRef>
+          <a:fillRef idx="1">
+            <a:schemeClr val="accent1"/>
+          </a:fillRef>
+          <a:effectRef idx="0">
+            <a:schemeClr val="accent1"/>
+          </a:effectRef>
+          <a:fontRef idx="minor">
+            <a:schemeClr val="lt1"/>
+          </a:fontRef>
+        </p:style>
+        <p:txBody>
+          <a:bodyPr rtlCol="0" anchor="ctr"/>
+          <a:lstStyle/>
+          <a:p>
+            <a:pPr algn="ctr"/>
+            <a:r>
+              <a:rPr lang="zh-CN" altLang="en-US" sz="2000" b="1" dirty="0" smtClean="0">
+                <a:solidFill>
+                  <a:schemeClr val="tx1"/>
+                </a:solidFill>
+              </a:rPr>
+              <a:t>等待执行</a:t>
+            </a:r>
+            <a:endParaRPr lang="zh-CN" altLang="en-US" sz="2000" b="1" dirty="0">
+              <a:solidFill>
+                <a:schemeClr val="tx1"/>
+              </a:solidFill>
+            </a:endParaRPr>
+          </a:p>
+        </p:txBody>
+      </p:sp>
+      <p:cxnSp>
+        <p:nvCxnSpPr>
+          <p:cNvPr id="13" name="直接箭头连接符 12"/>
+          <p:cNvCxnSpPr/>
+          <p:nvPr/>
+        </p:nvCxnSpPr>
+        <p:spPr>
+          <a:xfrm>
+            <a:off x="5292080" y="1607368"/>
+            <a:ext cx="360040" cy="0"/>
+          </a:xfrm>
+          <a:prstGeom prst="straightConnector1">
+            <a:avLst/>
+          </a:prstGeom>
+          <a:ln w="38100">
+            <a:tailEnd type="arrow"/>
+          </a:ln>
+        </p:spPr>
+        <p:style>
+          <a:lnRef idx="1">
+            <a:schemeClr val="accent1"/>
+          </a:lnRef>
+          <a:fillRef idx="0">
+            <a:schemeClr val="accent1"/>
+          </a:fillRef>
+          <a:effectRef idx="0">
+            <a:schemeClr val="accent1"/>
+          </a:effectRef>
+          <a:fontRef idx="minor">
+            <a:schemeClr val="tx1"/>
+          </a:fontRef>
+        </p:style>
+      </p:cxnSp>
+      <p:sp>
+        <p:nvSpPr>
+          <p:cNvPr id="3" name="TextBox 2"/>
           <p:cNvSpPr txBox="1"/>
           <p:nvPr/>
         </p:nvSpPr>
         <p:spPr>
           <a:xfrm>
-            <a:off x="611560" y="613176"/>
-            <a:ext cx="7776864" cy="1200329"/>
+            <a:off x="376917" y="2492895"/>
+            <a:ext cx="8280920" cy="1477328"/>
           </a:xfrm>
           <a:prstGeom prst="rect">
             <a:avLst/>
@@ -3778,110 +4429,83 @@
           </a:bodyPr>
           <a:lstStyle/>
           <a:p>
-            <a:pPr marL="342900" indent="-342900">
-              <a:buAutoNum type="arabicPeriod"/>
+            <a:pPr marL="285750" indent="-285750">
+              <a:buFont typeface="Wingdings" pitchFamily="2" charset="2"/>
+              <a:buChar char="l"/>
             </a:pPr>
             <a:r>
-              <a:rPr lang="zh-CN" altLang="en-US" dirty="0" smtClean="0"/>
-              <a:t>什么是</a:t>
-            </a:r>
-            <a:r>
-              <a:rPr lang="en-US" altLang="zh-CN" dirty="0" smtClean="0"/>
-              <a:t>NNAPI</a:t>
-            </a:r>
-            <a:r>
-              <a:rPr lang="zh-CN" altLang="en-US" dirty="0" smtClean="0"/>
-              <a:t>，优缺点，</a:t>
-            </a:r>
-            <a:r>
               <a:rPr lang="en-US" altLang="zh-CN" dirty="0" err="1" smtClean="0"/>
-              <a:t>api</a:t>
-            </a:r>
-            <a:r>
-              <a:rPr lang="zh-CN" altLang="en-US" dirty="0" smtClean="0"/>
-              <a:t>，构建流程</a:t>
+              <a:t>ANeuralNetworksExecution_create</a:t>
             </a:r>
             <a:endParaRPr lang="en-US" altLang="zh-CN" dirty="0" smtClean="0"/>
           </a:p>
           <a:p>
-            <a:pPr marL="342900" indent="-342900">
-              <a:buAutoNum type="arabicPeriod"/>
+            <a:pPr marL="285750" indent="-285750">
+              <a:buFont typeface="Wingdings" pitchFamily="2" charset="2"/>
+              <a:buChar char="l"/>
             </a:pPr>
             <a:r>
-              <a:rPr lang="zh-CN" altLang="en-US" dirty="0" smtClean="0"/>
-              <a:t>机器学习的基本模型</a:t>
+              <a:rPr lang="en-US" altLang="zh-CN" dirty="0" err="1"/>
+              <a:t>ANeuralNetworksExecution_setInput</a:t>
             </a:r>
             <a:endParaRPr lang="en-US" altLang="zh-CN" dirty="0" smtClean="0"/>
           </a:p>
           <a:p>
-            <a:pPr marL="342900" indent="-342900">
-              <a:buFontTx/>
-              <a:buAutoNum type="arabicPeriod"/>
+            <a:pPr marL="285750" indent="-285750">
+              <a:buFont typeface="Wingdings" pitchFamily="2" charset="2"/>
+              <a:buChar char="l"/>
             </a:pPr>
             <a:r>
-              <a:rPr lang="zh-CN" altLang="en-US" dirty="0" smtClean="0"/>
-              <a:t>什么是</a:t>
-            </a:r>
-            <a:r>
               <a:rPr lang="en-US" altLang="zh-CN" dirty="0" err="1" smtClean="0"/>
-              <a:t>tensorflow</a:t>
-            </a:r>
-            <a:r>
-              <a:rPr lang="en-US" altLang="zh-CN" dirty="0" smtClean="0"/>
-              <a:t> / </a:t>
-            </a:r>
+              <a:t>ANeuralNetworksExecution_setOutput</a:t>
+            </a:r>
+            <a:endParaRPr lang="en-US" altLang="zh-CN" dirty="0" smtClean="0"/>
+          </a:p>
+          <a:p>
+            <a:pPr marL="285750" indent="-285750">
+              <a:buFont typeface="Wingdings" pitchFamily="2" charset="2"/>
+              <a:buChar char="l"/>
+            </a:pPr>
             <a:r>
               <a:rPr lang="en-US" altLang="zh-CN" dirty="0" err="1" smtClean="0"/>
-              <a:t>tensorflow</a:t>
-            </a:r>
-            <a:r>
-              <a:rPr lang="en-US" altLang="zh-CN" dirty="0" smtClean="0"/>
-              <a:t> lite</a:t>
-            </a:r>
-          </a:p>
-          <a:p>
-            <a:pPr marL="342900" indent="-342900">
-              <a:buFontTx/>
-              <a:buAutoNum type="arabicPeriod"/>
+              <a:t>ANeuralNetworksExecution_startCompute</a:t>
+            </a:r>
+            <a:endParaRPr lang="en-US" altLang="zh-CN" dirty="0" smtClean="0"/>
+          </a:p>
+          <a:p>
+            <a:pPr marL="285750" indent="-285750">
+              <a:buFont typeface="Wingdings" pitchFamily="2" charset="2"/>
+              <a:buChar char="l"/>
             </a:pPr>
             <a:r>
-              <a:rPr lang="en-US" altLang="zh-CN" dirty="0" err="1" smtClean="0"/>
-              <a:t>TensorFlow</a:t>
-            </a:r>
-            <a:r>
-              <a:rPr lang="en-US" altLang="zh-CN" dirty="0" smtClean="0"/>
-              <a:t> </a:t>
-            </a:r>
-            <a:r>
-              <a:rPr lang="zh-CN" altLang="en-US" dirty="0" smtClean="0"/>
-              <a:t>与</a:t>
-            </a:r>
-            <a:r>
-              <a:rPr lang="en-US" altLang="zh-CN" dirty="0" smtClean="0"/>
-              <a:t>Android</a:t>
-            </a:r>
-            <a:r>
-              <a:rPr lang="zh-CN" altLang="en-US" dirty="0" smtClean="0"/>
-              <a:t>的如何结合</a:t>
-            </a:r>
-            <a:endParaRPr lang="en-US" altLang="zh-CN" dirty="0" smtClean="0"/>
+              <a:rPr lang="en-US" altLang="zh-CN" dirty="0" err="1"/>
+              <a:t>ANeuralNetworksEvent_wait</a:t>
+            </a:r>
+            <a:endParaRPr lang="zh-CN" altLang="en-US" dirty="0"/>
           </a:p>
         </p:txBody>
       </p:sp>
     </p:spTree>
     <p:extLst>
       <p:ext uri="{BB962C8B-B14F-4D97-AF65-F5344CB8AC3E}">
-        <p14:creationId xmlns:p14="http://schemas.microsoft.com/office/powerpoint/2010/main" val="2339747170"/>
+        <p14:creationId xmlns:p14="http://schemas.microsoft.com/office/powerpoint/2010/main" val="63164811"/>
       </p:ext>
     </p:extLst>
   </p:cSld>
   <p:clrMapOvr>
     <a:masterClrMapping/>
   </p:clrMapOvr>
+  <p:timing>
+    <p:tnLst>
+      <p:par>
+        <p:cTn id="1" dur="indefinite" restart="never" nodeType="tmRoot"/>
+      </p:par>
+    </p:tnLst>
+  </p:timing>
 </p:sld>
 </file>
 
-<file path=ppt/slides/slide3.xml><?xml version="1.0" encoding="utf-8"?>
+<file path=ppt/slides/slide11.xml><?xml version="1.0" encoding="utf-8"?>
 <p:sld xmlns:a="http://schemas.openxmlformats.org/drawingml/2006/main" xmlns:r="http://schemas.openxmlformats.org/officeDocument/2006/relationships" xmlns:p="http://schemas.openxmlformats.org/presentationml/2006/main">
   <p:cSld>
     <p:spTree>
@@ -3900,160 +4524,178 @@
       </p:grpSpPr>
       <p:sp>
         <p:nvSpPr>
-          <p:cNvPr id="5" name="TextBox 4"/>
-          <p:cNvSpPr txBox="1"/>
+          <p:cNvPr id="4" name="矩形 3"/>
+          <p:cNvSpPr/>
           <p:nvPr/>
         </p:nvSpPr>
         <p:spPr>
           <a:xfrm>
-            <a:off x="683568" y="692696"/>
-            <a:ext cx="3096344" cy="369332"/>
+            <a:off x="611560" y="364523"/>
+            <a:ext cx="1619354" cy="369332"/>
           </a:xfrm>
           <a:prstGeom prst="rect">
             <a:avLst/>
           </a:prstGeom>
-          <a:noFill/>
-        </p:spPr>
-        <p:txBody>
-          <a:bodyPr wrap="square" rtlCol="0">
+        </p:spPr>
+        <p:txBody>
+          <a:bodyPr wrap="none">
             <a:spAutoFit/>
           </a:bodyPr>
           <a:lstStyle/>
           <a:p>
-            <a:r>
-              <a:rPr lang="en-US" altLang="zh-CN" dirty="0" smtClean="0"/>
+            <a:pPr marL="285750" indent="-285750">
+              <a:buFont typeface="Wingdings" pitchFamily="2" charset="2"/>
+              <a:buChar char="Ø"/>
+            </a:pPr>
+            <a:r>
+              <a:rPr lang="en-US" altLang="zh-CN" b="1" dirty="0">
+                <a:solidFill>
+                  <a:schemeClr val="accent1">
+                    <a:lumMod val="75000"/>
+                  </a:schemeClr>
+                </a:solidFill>
+              </a:rPr>
               <a:t>NNAPI </a:t>
             </a:r>
             <a:r>
-              <a:rPr lang="zh-CN" altLang="en-US" dirty="0" smtClean="0"/>
-              <a:t>简介</a:t>
-            </a:r>
-            <a:endParaRPr lang="zh-CN" altLang="en-US" dirty="0"/>
-          </a:p>
-        </p:txBody>
-      </p:sp>
-      <p:sp>
-        <p:nvSpPr>
-          <p:cNvPr id="6" name="TextBox 5"/>
-          <p:cNvSpPr txBox="1"/>
+              <a:rPr lang="zh-CN" altLang="en-US" b="1" dirty="0" smtClean="0">
+                <a:solidFill>
+                  <a:schemeClr val="accent1">
+                    <a:lumMod val="75000"/>
+                  </a:schemeClr>
+                </a:solidFill>
+              </a:rPr>
+              <a:t>使用</a:t>
+            </a:r>
+            <a:endParaRPr lang="zh-CN" altLang="en-US" b="1" dirty="0">
+              <a:solidFill>
+                <a:schemeClr val="accent1">
+                  <a:lumMod val="75000"/>
+                </a:schemeClr>
+              </a:solidFill>
+            </a:endParaRPr>
+          </a:p>
+        </p:txBody>
+      </p:sp>
+      <p:sp>
+        <p:nvSpPr>
+          <p:cNvPr id="3" name="圆角矩形 2"/>
+          <p:cNvSpPr/>
           <p:nvPr/>
         </p:nvSpPr>
         <p:spPr>
           <a:xfrm>
-            <a:off x="725561" y="1268760"/>
-            <a:ext cx="7776864" cy="2585323"/>
+            <a:off x="3563888" y="908720"/>
+            <a:ext cx="1440160" cy="936104"/>
+          </a:xfrm>
+          <a:prstGeom prst="roundRect">
+            <a:avLst/>
+          </a:prstGeom>
+          <a:solidFill>
+            <a:schemeClr val="tx2">
+              <a:lumMod val="20000"/>
+              <a:lumOff val="80000"/>
+            </a:schemeClr>
+          </a:solidFill>
+        </p:spPr>
+        <p:style>
+          <a:lnRef idx="2">
+            <a:schemeClr val="accent1">
+              <a:shade val="50000"/>
+            </a:schemeClr>
+          </a:lnRef>
+          <a:fillRef idx="1">
+            <a:schemeClr val="accent1"/>
+          </a:fillRef>
+          <a:effectRef idx="0">
+            <a:schemeClr val="accent1"/>
+          </a:effectRef>
+          <a:fontRef idx="minor">
+            <a:schemeClr val="lt1"/>
+          </a:fontRef>
+        </p:style>
+        <p:txBody>
+          <a:bodyPr rtlCol="0" anchor="ctr"/>
+          <a:lstStyle/>
+          <a:p>
+            <a:pPr algn="ctr"/>
+            <a:r>
+              <a:rPr lang="zh-CN" altLang="en-US" sz="2000" b="1" dirty="0" smtClean="0">
+                <a:solidFill>
+                  <a:schemeClr val="tx1"/>
+                </a:solidFill>
+              </a:rPr>
+              <a:t>清理</a:t>
+            </a:r>
+            <a:endParaRPr lang="zh-CN" altLang="en-US" sz="2000" b="1" dirty="0">
+              <a:solidFill>
+                <a:schemeClr val="tx1"/>
+              </a:solidFill>
+            </a:endParaRPr>
+          </a:p>
+        </p:txBody>
+      </p:sp>
+      <p:sp>
+        <p:nvSpPr>
+          <p:cNvPr id="2" name="矩形 1"/>
+          <p:cNvSpPr/>
+          <p:nvPr/>
+        </p:nvSpPr>
+        <p:spPr>
+          <a:xfrm>
+            <a:off x="1375651" y="2276872"/>
+            <a:ext cx="3761671" cy="1200329"/>
           </a:xfrm>
           <a:prstGeom prst="rect">
             <a:avLst/>
           </a:prstGeom>
-          <a:noFill/>
-        </p:spPr>
-        <p:txBody>
-          <a:bodyPr wrap="square" rtlCol="0">
+        </p:spPr>
+        <p:txBody>
+          <a:bodyPr wrap="none">
             <a:spAutoFit/>
           </a:bodyPr>
           <a:lstStyle/>
           <a:p>
-            <a:r>
-              <a:rPr lang="en-US" altLang="zh-CN" dirty="0" smtClean="0"/>
-              <a:t>Android Neural Networks API (NNAPI) </a:t>
-            </a:r>
-            <a:r>
-              <a:rPr lang="zh-CN" altLang="en-US" dirty="0" smtClean="0"/>
-              <a:t>是一个 </a:t>
-            </a:r>
-            <a:r>
-              <a:rPr lang="en-US" altLang="zh-CN" dirty="0" smtClean="0"/>
-              <a:t>Android C API</a:t>
-            </a:r>
-            <a:r>
-              <a:rPr lang="zh-CN" altLang="en-US" dirty="0" smtClean="0"/>
-              <a:t>。</a:t>
-            </a:r>
-            <a:r>
-              <a:rPr lang="en-US" altLang="zh-CN" dirty="0" smtClean="0"/>
-              <a:t/>
-            </a:r>
-            <a:br>
-              <a:rPr lang="en-US" altLang="zh-CN" dirty="0" smtClean="0"/>
-            </a:br>
-            <a:r>
-              <a:rPr lang="en-US" altLang="zh-CN" dirty="0" smtClean="0"/>
-              <a:t/>
-            </a:r>
-            <a:br>
-              <a:rPr lang="en-US" altLang="zh-CN" dirty="0" smtClean="0"/>
-            </a:br>
-            <a:r>
-              <a:rPr lang="en-US" altLang="zh-CN" dirty="0" smtClean="0"/>
-              <a:t>NNAPI </a:t>
-            </a:r>
-            <a:r>
-              <a:rPr lang="zh-CN" altLang="en-US" dirty="0" smtClean="0"/>
-              <a:t>的作用就是为构建和训练神经网络的更高级机器学习框架（例如 </a:t>
-            </a:r>
+            <a:pPr marL="285750" indent="-285750">
+              <a:buFont typeface="Wingdings" pitchFamily="2" charset="2"/>
+              <a:buChar char="l"/>
+            </a:pPr>
             <a:r>
               <a:rPr lang="en-US" altLang="zh-CN" dirty="0" err="1" smtClean="0"/>
-              <a:t>TensorFlow</a:t>
-            </a:r>
-            <a:r>
-              <a:rPr lang="en-US" altLang="zh-CN" dirty="0" smtClean="0"/>
-              <a:t> Lite</a:t>
-            </a:r>
-            <a:r>
-              <a:rPr lang="zh-CN" altLang="en-US" dirty="0" smtClean="0"/>
-              <a:t>、</a:t>
-            </a:r>
-            <a:r>
-              <a:rPr lang="en-US" altLang="zh-CN" dirty="0" smtClean="0"/>
-              <a:t>Caffe2 </a:t>
-            </a:r>
-            <a:r>
-              <a:rPr lang="zh-CN" altLang="en-US" dirty="0" smtClean="0"/>
-              <a:t>或其他）提供一个基础的功能层。</a:t>
-            </a:r>
-            <a:r>
-              <a:rPr lang="en-US" altLang="zh-CN" dirty="0" smtClean="0"/>
-              <a:t/>
-            </a:r>
-            <a:br>
-              <a:rPr lang="en-US" altLang="zh-CN" dirty="0" smtClean="0"/>
-            </a:br>
-            <a:r>
-              <a:rPr lang="en-US" altLang="zh-CN" dirty="0" smtClean="0"/>
-              <a:t/>
-            </a:r>
-            <a:br>
-              <a:rPr lang="en-US" altLang="zh-CN" dirty="0" smtClean="0"/>
-            </a:br>
-            <a:r>
-              <a:rPr lang="zh-CN" altLang="en-US" b="1" dirty="0" smtClean="0"/>
-              <a:t>优点：</a:t>
-            </a:r>
-            <a:endParaRPr lang="en-US" altLang="zh-CN" b="1" dirty="0" smtClean="0"/>
-          </a:p>
-          <a:p>
-            <a:r>
-              <a:rPr lang="zh-CN" altLang="en-US" dirty="0" smtClean="0"/>
-              <a:t>延时小，隐私保护，无需网络</a:t>
-            </a:r>
-            <a:r>
-              <a:rPr lang="en-US" altLang="zh-CN" dirty="0" smtClean="0"/>
-              <a:t/>
-            </a:r>
-            <a:br>
-              <a:rPr lang="en-US" altLang="zh-CN" dirty="0" smtClean="0"/>
-            </a:br>
-            <a:r>
-              <a:rPr lang="zh-CN" altLang="en-US" b="1" dirty="0" smtClean="0"/>
-              <a:t>缺点：</a:t>
-            </a:r>
-            <a:endParaRPr lang="en-US" altLang="zh-CN" b="1" dirty="0" smtClean="0"/>
-          </a:p>
-          <a:p>
-            <a:r>
-              <a:rPr lang="zh-CN" altLang="en-US" dirty="0" smtClean="0"/>
-              <a:t>占存储空间大，耗电</a:t>
+              <a:t>ANeuralNetworksEvent_free</a:t>
+            </a:r>
+            <a:endParaRPr lang="en-US" altLang="zh-CN" dirty="0" smtClean="0"/>
+          </a:p>
+          <a:p>
+            <a:pPr marL="285750" indent="-285750">
+              <a:buFont typeface="Wingdings" pitchFamily="2" charset="2"/>
+              <a:buChar char="l"/>
+            </a:pPr>
+            <a:r>
+              <a:rPr lang="en-US" altLang="zh-CN" dirty="0" err="1" smtClean="0"/>
+              <a:t>ANeuralNetworksCompilation_free</a:t>
+            </a:r>
+            <a:endParaRPr lang="en-US" altLang="zh-CN" dirty="0" smtClean="0"/>
+          </a:p>
+          <a:p>
+            <a:pPr marL="285750" indent="-285750">
+              <a:buFont typeface="Wingdings" pitchFamily="2" charset="2"/>
+              <a:buChar char="l"/>
+            </a:pPr>
+            <a:r>
+              <a:rPr lang="en-US" altLang="zh-CN" dirty="0" err="1" smtClean="0"/>
+              <a:t>ANeuralNetworksModel_free</a:t>
+            </a:r>
+            <a:endParaRPr lang="en-US" altLang="zh-CN" dirty="0" smtClean="0"/>
+          </a:p>
+          <a:p>
+            <a:pPr marL="285750" indent="-285750">
+              <a:buFont typeface="Wingdings" pitchFamily="2" charset="2"/>
+              <a:buChar char="l"/>
+            </a:pPr>
+            <a:r>
+              <a:rPr lang="en-US" altLang="zh-CN" dirty="0" err="1"/>
+              <a:t>ANeuralNetworksMemory_free</a:t>
             </a:r>
             <a:endParaRPr lang="zh-CN" altLang="en-US" dirty="0"/>
           </a:p>
@@ -4062,17 +4704,757 @@
     </p:spTree>
     <p:extLst>
       <p:ext uri="{BB962C8B-B14F-4D97-AF65-F5344CB8AC3E}">
-        <p14:creationId xmlns:p14="http://schemas.microsoft.com/office/powerpoint/2010/main" val="1806992679"/>
+        <p14:creationId xmlns:p14="http://schemas.microsoft.com/office/powerpoint/2010/main" val="1987700057"/>
       </p:ext>
     </p:extLst>
   </p:cSld>
   <p:clrMapOvr>
     <a:masterClrMapping/>
   </p:clrMapOvr>
+  <p:timing>
+    <p:tnLst>
+      <p:par>
+        <p:cTn id="1" dur="indefinite" restart="never" nodeType="tmRoot"/>
+      </p:par>
+    </p:tnLst>
+  </p:timing>
 </p:sld>
 </file>
 
-<file path=ppt/slides/slide4.xml><?xml version="1.0" encoding="utf-8"?>
+<file path=ppt/slides/slide12.xml><?xml version="1.0" encoding="utf-8"?>
+<p:sld xmlns:a="http://schemas.openxmlformats.org/drawingml/2006/main" xmlns:r="http://schemas.openxmlformats.org/officeDocument/2006/relationships" xmlns:p="http://schemas.openxmlformats.org/presentationml/2006/main">
+  <p:cSld>
+    <p:spTree>
+      <p:nvGrpSpPr>
+        <p:cNvPr id="1" name=""/>
+        <p:cNvGrpSpPr/>
+        <p:nvPr/>
+      </p:nvGrpSpPr>
+      <p:grpSpPr>
+        <a:xfrm>
+          <a:off x="0" y="0"/>
+          <a:ext cx="0" cy="0"/>
+          <a:chOff x="0" y="0"/>
+          <a:chExt cx="0" cy="0"/>
+        </a:xfrm>
+      </p:grpSpPr>
+      <p:sp>
+        <p:nvSpPr>
+          <p:cNvPr id="4" name="矩形 3"/>
+          <p:cNvSpPr/>
+          <p:nvPr/>
+        </p:nvSpPr>
+        <p:spPr>
+          <a:xfrm>
+            <a:off x="611560" y="364523"/>
+            <a:ext cx="1619354" cy="369332"/>
+          </a:xfrm>
+          <a:prstGeom prst="rect">
+            <a:avLst/>
+          </a:prstGeom>
+        </p:spPr>
+        <p:txBody>
+          <a:bodyPr wrap="none">
+            <a:spAutoFit/>
+          </a:bodyPr>
+          <a:lstStyle/>
+          <a:p>
+            <a:pPr marL="285750" indent="-285750">
+              <a:buFont typeface="Wingdings" pitchFamily="2" charset="2"/>
+              <a:buChar char="Ø"/>
+            </a:pPr>
+            <a:r>
+              <a:rPr lang="en-US" altLang="zh-CN" b="1" dirty="0">
+                <a:solidFill>
+                  <a:schemeClr val="accent1">
+                    <a:lumMod val="75000"/>
+                  </a:schemeClr>
+                </a:solidFill>
+              </a:rPr>
+              <a:t>NNAPI </a:t>
+            </a:r>
+            <a:r>
+              <a:rPr lang="zh-CN" altLang="en-US" b="1" dirty="0" smtClean="0">
+                <a:solidFill>
+                  <a:schemeClr val="accent1">
+                    <a:lumMod val="75000"/>
+                  </a:schemeClr>
+                </a:solidFill>
+              </a:rPr>
+              <a:t>使用</a:t>
+            </a:r>
+            <a:endParaRPr lang="zh-CN" altLang="en-US" b="1" dirty="0">
+              <a:solidFill>
+                <a:schemeClr val="accent1">
+                  <a:lumMod val="75000"/>
+                </a:schemeClr>
+              </a:solidFill>
+            </a:endParaRPr>
+          </a:p>
+        </p:txBody>
+      </p:sp>
+      <p:pic>
+        <p:nvPicPr>
+          <p:cNvPr id="5" name="Picture 2"/>
+          <p:cNvPicPr>
+            <a:picLocks noChangeAspect="1" noChangeArrowheads="1"/>
+          </p:cNvPicPr>
+          <p:nvPr/>
+        </p:nvPicPr>
+        <p:blipFill>
+          <a:blip r:embed="rId2">
+            <a:extLst>
+              <a:ext uri="{28A0092B-C50C-407E-A947-70E740481C1C}">
+                <a14:useLocalDpi xmlns:a14="http://schemas.microsoft.com/office/drawing/2010/main" val="0"/>
+              </a:ext>
+            </a:extLst>
+          </a:blip>
+          <a:srcRect/>
+          <a:stretch>
+            <a:fillRect/>
+          </a:stretch>
+        </p:blipFill>
+        <p:spPr bwMode="auto">
+          <a:xfrm>
+            <a:off x="328613" y="1366838"/>
+            <a:ext cx="8486775" cy="4124325"/>
+          </a:xfrm>
+          <a:prstGeom prst="rect">
+            <a:avLst/>
+          </a:prstGeom>
+          <a:noFill/>
+          <a:ln>
+            <a:noFill/>
+          </a:ln>
+          <a:effectLst/>
+          <a:extLst>
+            <a:ext uri="{909E8E84-426E-40DD-AFC4-6F175D3DCCD1}">
+              <a14:hiddenFill xmlns:a14="http://schemas.microsoft.com/office/drawing/2010/main">
+                <a:solidFill>
+                  <a:schemeClr val="accent1"/>
+                </a:solidFill>
+              </a14:hiddenFill>
+            </a:ext>
+            <a:ext uri="{91240B29-F687-4F45-9708-019B960494DF}">
+              <a14:hiddenLine xmlns:a14="http://schemas.microsoft.com/office/drawing/2010/main" w="9525">
+                <a:solidFill>
+                  <a:schemeClr val="tx1"/>
+                </a:solidFill>
+                <a:miter lim="800000"/>
+                <a:headEnd/>
+                <a:tailEnd/>
+              </a14:hiddenLine>
+            </a:ext>
+            <a:ext uri="{AF507438-7753-43E0-B8FC-AC1667EBCBE1}">
+              <a14:hiddenEffects xmlns:a14="http://schemas.microsoft.com/office/drawing/2010/main">
+                <a:effectLst>
+                  <a:outerShdw dist="35921" dir="2700000" algn="ctr" rotWithShape="0">
+                    <a:schemeClr val="bg2"/>
+                  </a:outerShdw>
+                </a:effectLst>
+              </a14:hiddenEffects>
+            </a:ext>
+          </a:extLst>
+        </p:spPr>
+      </p:pic>
+    </p:spTree>
+    <p:extLst>
+      <p:ext uri="{BB962C8B-B14F-4D97-AF65-F5344CB8AC3E}">
+        <p14:creationId xmlns:p14="http://schemas.microsoft.com/office/powerpoint/2010/main" val="1770443074"/>
+      </p:ext>
+    </p:extLst>
+  </p:cSld>
+  <p:clrMapOvr>
+    <a:masterClrMapping/>
+  </p:clrMapOvr>
+  <p:timing>
+    <p:tnLst>
+      <p:par>
+        <p:cTn id="1" dur="indefinite" restart="never" nodeType="tmRoot"/>
+      </p:par>
+    </p:tnLst>
+  </p:timing>
+</p:sld>
+</file>
+
+<file path=ppt/slides/slide13.xml><?xml version="1.0" encoding="utf-8"?>
+<p:sld xmlns:a="http://schemas.openxmlformats.org/drawingml/2006/main" xmlns:r="http://schemas.openxmlformats.org/officeDocument/2006/relationships" xmlns:p="http://schemas.openxmlformats.org/presentationml/2006/main">
+  <p:cSld>
+    <p:spTree>
+      <p:nvGrpSpPr>
+        <p:cNvPr id="1" name=""/>
+        <p:cNvGrpSpPr/>
+        <p:nvPr/>
+      </p:nvGrpSpPr>
+      <p:grpSpPr>
+        <a:xfrm>
+          <a:off x="0" y="0"/>
+          <a:ext cx="0" cy="0"/>
+          <a:chOff x="0" y="0"/>
+          <a:chExt cx="0" cy="0"/>
+        </a:xfrm>
+      </p:grpSpPr>
+      <p:sp>
+        <p:nvSpPr>
+          <p:cNvPr id="4" name="矩形 3"/>
+          <p:cNvSpPr/>
+          <p:nvPr/>
+        </p:nvSpPr>
+        <p:spPr>
+          <a:xfrm>
+            <a:off x="611560" y="364523"/>
+            <a:ext cx="1832553" cy="369332"/>
+          </a:xfrm>
+          <a:prstGeom prst="rect">
+            <a:avLst/>
+          </a:prstGeom>
+        </p:spPr>
+        <p:txBody>
+          <a:bodyPr wrap="none">
+            <a:spAutoFit/>
+          </a:bodyPr>
+          <a:lstStyle/>
+          <a:p>
+            <a:pPr marL="285750" indent="-285750">
+              <a:buFont typeface="Wingdings" pitchFamily="2" charset="2"/>
+              <a:buChar char="Ø"/>
+            </a:pPr>
+            <a:r>
+              <a:rPr lang="en-US" altLang="zh-CN" b="1" dirty="0">
+                <a:solidFill>
+                  <a:schemeClr val="accent1">
+                    <a:lumMod val="75000"/>
+                  </a:schemeClr>
+                </a:solidFill>
+              </a:rPr>
+              <a:t>NNAPI </a:t>
+            </a:r>
+            <a:r>
+              <a:rPr lang="en-US" altLang="zh-CN" b="1" dirty="0" smtClean="0">
+                <a:solidFill>
+                  <a:schemeClr val="accent1">
+                    <a:lumMod val="75000"/>
+                  </a:schemeClr>
+                </a:solidFill>
+              </a:rPr>
+              <a:t> Demo</a:t>
+            </a:r>
+            <a:endParaRPr lang="zh-CN" altLang="en-US" b="1" dirty="0">
+              <a:solidFill>
+                <a:schemeClr val="accent1">
+                  <a:lumMod val="75000"/>
+                </a:schemeClr>
+              </a:solidFill>
+            </a:endParaRPr>
+          </a:p>
+        </p:txBody>
+      </p:sp>
+    </p:spTree>
+    <p:extLst>
+      <p:ext uri="{BB962C8B-B14F-4D97-AF65-F5344CB8AC3E}">
+        <p14:creationId xmlns:p14="http://schemas.microsoft.com/office/powerpoint/2010/main" val="1711491064"/>
+      </p:ext>
+    </p:extLst>
+  </p:cSld>
+  <p:clrMapOvr>
+    <a:masterClrMapping/>
+  </p:clrMapOvr>
+  <p:timing>
+    <p:tnLst>
+      <p:par>
+        <p:cTn id="1" dur="indefinite" restart="never" nodeType="tmRoot"/>
+      </p:par>
+    </p:tnLst>
+  </p:timing>
+</p:sld>
+</file>
+
+<file path=ppt/slides/slide14.xml><?xml version="1.0" encoding="utf-8"?>
+<p:sld xmlns:a="http://schemas.openxmlformats.org/drawingml/2006/main" xmlns:r="http://schemas.openxmlformats.org/officeDocument/2006/relationships" xmlns:p="http://schemas.openxmlformats.org/presentationml/2006/main">
+  <p:cSld>
+    <p:spTree>
+      <p:nvGrpSpPr>
+        <p:cNvPr id="1" name=""/>
+        <p:cNvGrpSpPr/>
+        <p:nvPr/>
+      </p:nvGrpSpPr>
+      <p:grpSpPr>
+        <a:xfrm>
+          <a:off x="0" y="0"/>
+          <a:ext cx="0" cy="0"/>
+          <a:chOff x="0" y="0"/>
+          <a:chExt cx="0" cy="0"/>
+        </a:xfrm>
+      </p:grpSpPr>
+      <p:sp>
+        <p:nvSpPr>
+          <p:cNvPr id="7" name="矩形 6"/>
+          <p:cNvSpPr/>
+          <p:nvPr/>
+        </p:nvSpPr>
+        <p:spPr>
+          <a:xfrm>
+            <a:off x="0" y="0"/>
+            <a:ext cx="3419872" cy="6858000"/>
+          </a:xfrm>
+          <a:prstGeom prst="rect">
+            <a:avLst/>
+          </a:prstGeom>
+        </p:spPr>
+        <p:style>
+          <a:lnRef idx="2">
+            <a:schemeClr val="accent1">
+              <a:shade val="50000"/>
+            </a:schemeClr>
+          </a:lnRef>
+          <a:fillRef idx="1">
+            <a:schemeClr val="accent1"/>
+          </a:fillRef>
+          <a:effectRef idx="0">
+            <a:schemeClr val="accent1"/>
+          </a:effectRef>
+          <a:fontRef idx="minor">
+            <a:schemeClr val="lt1"/>
+          </a:fontRef>
+        </p:style>
+        <p:txBody>
+          <a:bodyPr rtlCol="0" anchor="ctr"/>
+          <a:lstStyle/>
+          <a:p>
+            <a:pPr algn="ctr"/>
+            <a:endParaRPr lang="zh-CN" altLang="en-US"/>
+          </a:p>
+        </p:txBody>
+      </p:sp>
+      <p:sp>
+        <p:nvSpPr>
+          <p:cNvPr id="14" name="TextBox 13"/>
+          <p:cNvSpPr txBox="1"/>
+          <p:nvPr/>
+        </p:nvSpPr>
+        <p:spPr>
+          <a:xfrm>
+            <a:off x="611560" y="2132855"/>
+            <a:ext cx="1944216" cy="461665"/>
+          </a:xfrm>
+          <a:prstGeom prst="rect">
+            <a:avLst/>
+          </a:prstGeom>
+          <a:noFill/>
+        </p:spPr>
+        <p:txBody>
+          <a:bodyPr wrap="square" rtlCol="0">
+            <a:spAutoFit/>
+          </a:bodyPr>
+          <a:lstStyle/>
+          <a:p>
+            <a:r>
+              <a:rPr lang="en-US" altLang="zh-CN" sz="2400" b="1" dirty="0" smtClean="0">
+                <a:solidFill>
+                  <a:schemeClr val="bg1"/>
+                </a:solidFill>
+              </a:rPr>
+              <a:t>TensorFlow</a:t>
+            </a:r>
+            <a:endParaRPr lang="zh-CN" altLang="en-US" sz="2400" b="1" dirty="0">
+              <a:solidFill>
+                <a:schemeClr val="bg1"/>
+              </a:solidFill>
+            </a:endParaRPr>
+          </a:p>
+        </p:txBody>
+      </p:sp>
+      <p:sp>
+        <p:nvSpPr>
+          <p:cNvPr id="15" name="TextBox 14"/>
+          <p:cNvSpPr txBox="1"/>
+          <p:nvPr/>
+        </p:nvSpPr>
+        <p:spPr>
+          <a:xfrm>
+            <a:off x="3851920" y="1267253"/>
+            <a:ext cx="4032448" cy="461665"/>
+          </a:xfrm>
+          <a:prstGeom prst="rect">
+            <a:avLst/>
+          </a:prstGeom>
+          <a:noFill/>
+        </p:spPr>
+        <p:txBody>
+          <a:bodyPr wrap="square" rtlCol="0">
+            <a:spAutoFit/>
+          </a:bodyPr>
+          <a:lstStyle/>
+          <a:p>
+            <a:pPr marL="285750" indent="-285750">
+              <a:buFont typeface="Wingdings" pitchFamily="2" charset="2"/>
+              <a:buChar char="l"/>
+            </a:pPr>
+            <a:r>
+              <a:rPr lang="en-US" altLang="zh-CN" sz="2400" b="1" dirty="0" err="1" smtClean="0">
+                <a:solidFill>
+                  <a:schemeClr val="accent1">
+                    <a:lumMod val="75000"/>
+                  </a:schemeClr>
+                </a:solidFill>
+              </a:rPr>
+              <a:t>Tensorflow</a:t>
+            </a:r>
+            <a:r>
+              <a:rPr lang="en-US" altLang="zh-CN" sz="2400" b="1" dirty="0">
+                <a:solidFill>
+                  <a:schemeClr val="accent1">
+                    <a:lumMod val="75000"/>
+                  </a:schemeClr>
+                </a:solidFill>
+              </a:rPr>
+              <a:t> </a:t>
+            </a:r>
+            <a:r>
+              <a:rPr lang="zh-CN" altLang="en-US" sz="2400" b="1" dirty="0" smtClean="0">
+                <a:solidFill>
+                  <a:schemeClr val="accent1">
+                    <a:lumMod val="75000"/>
+                  </a:schemeClr>
+                </a:solidFill>
+              </a:rPr>
+              <a:t>结构</a:t>
+            </a:r>
+            <a:endParaRPr lang="zh-CN" altLang="en-US" sz="2400" b="1" dirty="0">
+              <a:solidFill>
+                <a:schemeClr val="accent1">
+                  <a:lumMod val="75000"/>
+                </a:schemeClr>
+              </a:solidFill>
+            </a:endParaRPr>
+          </a:p>
+        </p:txBody>
+      </p:sp>
+      <p:sp>
+        <p:nvSpPr>
+          <p:cNvPr id="5" name="TextBox 4"/>
+          <p:cNvSpPr txBox="1"/>
+          <p:nvPr/>
+        </p:nvSpPr>
+        <p:spPr>
+          <a:xfrm>
+            <a:off x="3851920" y="2132856"/>
+            <a:ext cx="4032448" cy="461665"/>
+          </a:xfrm>
+          <a:prstGeom prst="rect">
+            <a:avLst/>
+          </a:prstGeom>
+          <a:noFill/>
+        </p:spPr>
+        <p:txBody>
+          <a:bodyPr wrap="square" rtlCol="0">
+            <a:spAutoFit/>
+          </a:bodyPr>
+          <a:lstStyle/>
+          <a:p>
+            <a:pPr marL="285750" indent="-285750">
+              <a:buFont typeface="Wingdings" pitchFamily="2" charset="2"/>
+              <a:buChar char="l"/>
+            </a:pPr>
+            <a:r>
+              <a:rPr lang="en-US" altLang="zh-CN" sz="2400" b="1" dirty="0" smtClean="0">
+                <a:solidFill>
+                  <a:schemeClr val="accent1">
+                    <a:lumMod val="75000"/>
+                  </a:schemeClr>
+                </a:solidFill>
+              </a:rPr>
+              <a:t>NNAPI </a:t>
+            </a:r>
+            <a:endParaRPr lang="zh-CN" altLang="en-US" sz="2400" b="1" dirty="0">
+              <a:solidFill>
+                <a:schemeClr val="accent1">
+                  <a:lumMod val="75000"/>
+                </a:schemeClr>
+              </a:solidFill>
+            </a:endParaRPr>
+          </a:p>
+        </p:txBody>
+      </p:sp>
+      <p:sp>
+        <p:nvSpPr>
+          <p:cNvPr id="6" name="TextBox 5"/>
+          <p:cNvSpPr txBox="1"/>
+          <p:nvPr/>
+        </p:nvSpPr>
+        <p:spPr>
+          <a:xfrm>
+            <a:off x="3887470" y="2967335"/>
+            <a:ext cx="4032448" cy="461665"/>
+          </a:xfrm>
+          <a:prstGeom prst="rect">
+            <a:avLst/>
+          </a:prstGeom>
+          <a:noFill/>
+        </p:spPr>
+        <p:txBody>
+          <a:bodyPr wrap="square" rtlCol="0">
+            <a:spAutoFit/>
+          </a:bodyPr>
+          <a:lstStyle/>
+          <a:p>
+            <a:pPr marL="285750" indent="-285750">
+              <a:buFont typeface="Wingdings" pitchFamily="2" charset="2"/>
+              <a:buChar char="l"/>
+            </a:pPr>
+            <a:r>
+              <a:rPr lang="en-US" altLang="zh-CN" sz="2400" b="1" dirty="0" err="1" smtClean="0">
+                <a:solidFill>
+                  <a:schemeClr val="accent1">
+                    <a:lumMod val="75000"/>
+                  </a:schemeClr>
+                </a:solidFill>
+              </a:rPr>
+              <a:t>Tensorflow</a:t>
+            </a:r>
+            <a:r>
+              <a:rPr lang="en-US" altLang="zh-CN" sz="2400" b="1" dirty="0" smtClean="0">
+                <a:solidFill>
+                  <a:schemeClr val="accent1">
+                    <a:lumMod val="75000"/>
+                  </a:schemeClr>
+                </a:solidFill>
+              </a:rPr>
+              <a:t> lite + android</a:t>
+            </a:r>
+            <a:endParaRPr lang="zh-CN" altLang="en-US" sz="2400" b="1" dirty="0">
+              <a:solidFill>
+                <a:schemeClr val="accent1">
+                  <a:lumMod val="75000"/>
+                </a:schemeClr>
+              </a:solidFill>
+            </a:endParaRPr>
+          </a:p>
+        </p:txBody>
+      </p:sp>
+    </p:spTree>
+    <p:extLst>
+      <p:ext uri="{BB962C8B-B14F-4D97-AF65-F5344CB8AC3E}">
+        <p14:creationId xmlns:p14="http://schemas.microsoft.com/office/powerpoint/2010/main" val="1859513230"/>
+      </p:ext>
+    </p:extLst>
+  </p:cSld>
+  <p:clrMapOvr>
+    <a:masterClrMapping/>
+  </p:clrMapOvr>
+  <p:timing>
+    <p:tnLst>
+      <p:par>
+        <p:cTn id="1" dur="indefinite" restart="never" nodeType="tmRoot"/>
+      </p:par>
+    </p:tnLst>
+  </p:timing>
+</p:sld>
+</file>
+
+<file path=ppt/slides/slide15.xml><?xml version="1.0" encoding="utf-8"?>
+<p:sld xmlns:a="http://schemas.openxmlformats.org/drawingml/2006/main" xmlns:r="http://schemas.openxmlformats.org/officeDocument/2006/relationships" xmlns:p="http://schemas.openxmlformats.org/presentationml/2006/main">
+  <p:cSld>
+    <p:spTree>
+      <p:nvGrpSpPr>
+        <p:cNvPr id="1" name=""/>
+        <p:cNvGrpSpPr/>
+        <p:nvPr/>
+      </p:nvGrpSpPr>
+      <p:grpSpPr>
+        <a:xfrm>
+          <a:off x="0" y="0"/>
+          <a:ext cx="0" cy="0"/>
+          <a:chOff x="0" y="0"/>
+          <a:chExt cx="0" cy="0"/>
+        </a:xfrm>
+      </p:grpSpPr>
+      <p:pic>
+        <p:nvPicPr>
+          <p:cNvPr id="2050" name="Picture 2"/>
+          <p:cNvPicPr>
+            <a:picLocks noChangeAspect="1" noChangeArrowheads="1"/>
+          </p:cNvPicPr>
+          <p:nvPr/>
+        </p:nvPicPr>
+        <p:blipFill>
+          <a:blip r:embed="rId2">
+            <a:extLst>
+              <a:ext uri="{28A0092B-C50C-407E-A947-70E740481C1C}">
+                <a14:useLocalDpi xmlns:a14="http://schemas.microsoft.com/office/drawing/2010/main" val="0"/>
+              </a:ext>
+            </a:extLst>
+          </a:blip>
+          <a:srcRect/>
+          <a:stretch>
+            <a:fillRect/>
+          </a:stretch>
+        </p:blipFill>
+        <p:spPr bwMode="auto">
+          <a:xfrm>
+            <a:off x="2699792" y="1593771"/>
+            <a:ext cx="3423725" cy="2278333"/>
+          </a:xfrm>
+          <a:prstGeom prst="rect">
+            <a:avLst/>
+          </a:prstGeom>
+          <a:noFill/>
+          <a:ln>
+            <a:noFill/>
+          </a:ln>
+          <a:effectLst/>
+          <a:extLst>
+            <a:ext uri="{909E8E84-426E-40DD-AFC4-6F175D3DCCD1}">
+              <a14:hiddenFill xmlns:a14="http://schemas.microsoft.com/office/drawing/2010/main">
+                <a:solidFill>
+                  <a:schemeClr val="accent1"/>
+                </a:solidFill>
+              </a14:hiddenFill>
+            </a:ext>
+            <a:ext uri="{91240B29-F687-4F45-9708-019B960494DF}">
+              <a14:hiddenLine xmlns:a14="http://schemas.microsoft.com/office/drawing/2010/main" w="9525">
+                <a:solidFill>
+                  <a:schemeClr val="tx1"/>
+                </a:solidFill>
+                <a:miter lim="800000"/>
+                <a:headEnd/>
+                <a:tailEnd/>
+              </a14:hiddenLine>
+            </a:ext>
+            <a:ext uri="{AF507438-7753-43E0-B8FC-AC1667EBCBE1}">
+              <a14:hiddenEffects xmlns:a14="http://schemas.microsoft.com/office/drawing/2010/main">
+                <a:effectLst>
+                  <a:outerShdw dist="35921" dir="2700000" algn="ctr" rotWithShape="0">
+                    <a:schemeClr val="bg2"/>
+                  </a:outerShdw>
+                </a:effectLst>
+              </a14:hiddenEffects>
+            </a:ext>
+          </a:extLst>
+        </p:spPr>
+      </p:pic>
+    </p:spTree>
+    <p:extLst>
+      <p:ext uri="{BB962C8B-B14F-4D97-AF65-F5344CB8AC3E}">
+        <p14:creationId xmlns:p14="http://schemas.microsoft.com/office/powerpoint/2010/main" val="3050396456"/>
+      </p:ext>
+    </p:extLst>
+  </p:cSld>
+  <p:clrMapOvr>
+    <a:masterClrMapping/>
+  </p:clrMapOvr>
+  <p:timing>
+    <p:tnLst>
+      <p:par>
+        <p:cTn id="1" dur="indefinite" restart="never" nodeType="tmRoot"/>
+      </p:par>
+    </p:tnLst>
+  </p:timing>
+</p:sld>
+</file>
+
+<file path=ppt/slides/slide16.xml><?xml version="1.0" encoding="utf-8"?>
+<p:sld xmlns:a="http://schemas.openxmlformats.org/drawingml/2006/main" xmlns:r="http://schemas.openxmlformats.org/officeDocument/2006/relationships" xmlns:p="http://schemas.openxmlformats.org/presentationml/2006/main">
+  <p:cSld>
+    <p:spTree>
+      <p:nvGrpSpPr>
+        <p:cNvPr id="1" name=""/>
+        <p:cNvGrpSpPr/>
+        <p:nvPr/>
+      </p:nvGrpSpPr>
+      <p:grpSpPr>
+        <a:xfrm>
+          <a:off x="0" y="0"/>
+          <a:ext cx="0" cy="0"/>
+          <a:chOff x="0" y="0"/>
+          <a:chExt cx="0" cy="0"/>
+        </a:xfrm>
+      </p:grpSpPr>
+      <p:pic>
+        <p:nvPicPr>
+          <p:cNvPr id="4099" name="Picture 3"/>
+          <p:cNvPicPr>
+            <a:picLocks noChangeAspect="1" noChangeArrowheads="1"/>
+          </p:cNvPicPr>
+          <p:nvPr/>
+        </p:nvPicPr>
+        <p:blipFill>
+          <a:blip r:embed="rId3">
+            <a:extLst>
+              <a:ext uri="{28A0092B-C50C-407E-A947-70E740481C1C}">
+                <a14:useLocalDpi xmlns:a14="http://schemas.microsoft.com/office/drawing/2010/main" val="0"/>
+              </a:ext>
+            </a:extLst>
+          </a:blip>
+          <a:srcRect/>
+          <a:stretch>
+            <a:fillRect/>
+          </a:stretch>
+        </p:blipFill>
+        <p:spPr bwMode="auto">
+          <a:xfrm>
+            <a:off x="319088" y="295275"/>
+            <a:ext cx="8505825" cy="6267450"/>
+          </a:xfrm>
+          <a:prstGeom prst="rect">
+            <a:avLst/>
+          </a:prstGeom>
+          <a:noFill/>
+          <a:ln>
+            <a:noFill/>
+          </a:ln>
+          <a:effectLst/>
+          <a:extLst>
+            <a:ext uri="{909E8E84-426E-40DD-AFC4-6F175D3DCCD1}">
+              <a14:hiddenFill xmlns:a14="http://schemas.microsoft.com/office/drawing/2010/main">
+                <a:solidFill>
+                  <a:schemeClr val="accent1"/>
+                </a:solidFill>
+              </a14:hiddenFill>
+            </a:ext>
+            <a:ext uri="{91240B29-F687-4F45-9708-019B960494DF}">
+              <a14:hiddenLine xmlns:a14="http://schemas.microsoft.com/office/drawing/2010/main" w="9525">
+                <a:solidFill>
+                  <a:schemeClr val="tx1"/>
+                </a:solidFill>
+                <a:miter lim="800000"/>
+                <a:headEnd/>
+                <a:tailEnd/>
+              </a14:hiddenLine>
+            </a:ext>
+            <a:ext uri="{AF507438-7753-43E0-B8FC-AC1667EBCBE1}">
+              <a14:hiddenEffects xmlns:a14="http://schemas.microsoft.com/office/drawing/2010/main">
+                <a:effectLst>
+                  <a:outerShdw dist="35921" dir="2700000" algn="ctr" rotWithShape="0">
+                    <a:schemeClr val="bg2"/>
+                  </a:outerShdw>
+                </a:effectLst>
+              </a14:hiddenEffects>
+            </a:ext>
+          </a:extLst>
+        </p:spPr>
+      </p:pic>
+    </p:spTree>
+    <p:extLst>
+      <p:ext uri="{BB962C8B-B14F-4D97-AF65-F5344CB8AC3E}">
+        <p14:creationId xmlns:p14="http://schemas.microsoft.com/office/powerpoint/2010/main" val="3153919375"/>
+      </p:ext>
+    </p:extLst>
+  </p:cSld>
+  <p:clrMapOvr>
+    <a:masterClrMapping/>
+  </p:clrMapOvr>
+  <p:timing>
+    <p:tnLst>
+      <p:par>
+        <p:cTn id="1" dur="indefinite" restart="never" nodeType="tmRoot"/>
+      </p:par>
+    </p:tnLst>
+  </p:timing>
+</p:sld>
+</file>
+
+<file path=ppt/slides/slide17.xml><?xml version="1.0" encoding="utf-8"?>
 <p:sld xmlns:a="http://schemas.openxmlformats.org/drawingml/2006/main" xmlns:r="http://schemas.openxmlformats.org/officeDocument/2006/relationships" xmlns:p="http://schemas.openxmlformats.org/presentationml/2006/main">
   <p:cSld>
     <p:spTree>
@@ -4112,8 +5494,8 @@
         </p:blipFill>
         <p:spPr bwMode="auto">
           <a:xfrm>
-            <a:off x="1657350" y="962025"/>
-            <a:ext cx="5829300" cy="4933950"/>
+            <a:off x="-24342" y="764704"/>
+            <a:ext cx="9168342" cy="5157192"/>
           </a:xfrm>
           <a:prstGeom prst="rect">
             <a:avLst/>
@@ -4156,278 +5538,24 @@
     </p:spTree>
     <p:extLst>
       <p:ext uri="{BB962C8B-B14F-4D97-AF65-F5344CB8AC3E}">
-        <p14:creationId xmlns:p14="http://schemas.microsoft.com/office/powerpoint/2010/main" val="4257305858"/>
+        <p14:creationId xmlns:p14="http://schemas.microsoft.com/office/powerpoint/2010/main" val="4201186579"/>
       </p:ext>
     </p:extLst>
   </p:cSld>
   <p:clrMapOvr>
     <a:masterClrMapping/>
   </p:clrMapOvr>
+  <p:timing>
+    <p:tnLst>
+      <p:par>
+        <p:cTn id="1" dur="indefinite" restart="never" nodeType="tmRoot"/>
+      </p:par>
+    </p:tnLst>
+  </p:timing>
 </p:sld>
 </file>
 
-<file path=ppt/slides/slide5.xml><?xml version="1.0" encoding="utf-8"?>
-<p:sld xmlns:a="http://schemas.openxmlformats.org/drawingml/2006/main" xmlns:r="http://schemas.openxmlformats.org/officeDocument/2006/relationships" xmlns:p="http://schemas.openxmlformats.org/presentationml/2006/main">
-  <p:cSld>
-    <p:spTree>
-      <p:nvGrpSpPr>
-        <p:cNvPr id="1" name=""/>
-        <p:cNvGrpSpPr/>
-        <p:nvPr/>
-      </p:nvGrpSpPr>
-      <p:grpSpPr>
-        <a:xfrm>
-          <a:off x="0" y="0"/>
-          <a:ext cx="0" cy="0"/>
-          <a:chOff x="0" y="0"/>
-          <a:chExt cx="0" cy="0"/>
-        </a:xfrm>
-      </p:grpSpPr>
-      <p:sp>
-        <p:nvSpPr>
-          <p:cNvPr id="4" name="TextBox 3"/>
-          <p:cNvSpPr txBox="1"/>
-          <p:nvPr/>
-        </p:nvSpPr>
-        <p:spPr>
-          <a:xfrm>
-            <a:off x="323528" y="692696"/>
-            <a:ext cx="8568952" cy="5078313"/>
-          </a:xfrm>
-          <a:prstGeom prst="rect">
-            <a:avLst/>
-          </a:prstGeom>
-          <a:noFill/>
-        </p:spPr>
-        <p:txBody>
-          <a:bodyPr wrap="square" rtlCol="0">
-            <a:spAutoFit/>
-          </a:bodyPr>
-          <a:lstStyle/>
-          <a:p>
-            <a:r>
-              <a:rPr lang="en-US" altLang="zh-CN" dirty="0" smtClean="0"/>
-              <a:t>NNAPI </a:t>
-            </a:r>
-            <a:r>
-              <a:rPr lang="zh-CN" altLang="en-US" dirty="0" smtClean="0"/>
-              <a:t>使用四种主要抽象：</a:t>
-            </a:r>
-          </a:p>
-          <a:p>
-            <a:endParaRPr lang="zh-CN" altLang="en-US" dirty="0" smtClean="0"/>
-          </a:p>
-          <a:p>
-            <a:r>
-              <a:rPr lang="zh-CN" altLang="en-US" dirty="0" smtClean="0"/>
-              <a:t>    </a:t>
-            </a:r>
-            <a:r>
-              <a:rPr lang="zh-CN" altLang="en-US" b="1" dirty="0" smtClean="0"/>
-              <a:t>模型</a:t>
-            </a:r>
-            <a:r>
-              <a:rPr lang="zh-CN" altLang="en-US" dirty="0" smtClean="0"/>
-              <a:t>：数学运算和通过训练过程学习的常量值的计算图。 这些运算特定于神经网络， 并且包括二维 </a:t>
-            </a:r>
-            <a:r>
-              <a:rPr lang="en-US" altLang="zh-CN" dirty="0" smtClean="0"/>
-              <a:t>(2D) </a:t>
-            </a:r>
-            <a:r>
-              <a:rPr lang="zh-CN" altLang="en-US" dirty="0" smtClean="0"/>
-              <a:t>卷积、逻辑 </a:t>
-            </a:r>
-            <a:r>
-              <a:rPr lang="en-US" altLang="zh-CN" dirty="0" smtClean="0"/>
-              <a:t>(sigmoid)) </a:t>
-            </a:r>
-            <a:r>
-              <a:rPr lang="zh-CN" altLang="en-US" dirty="0" smtClean="0"/>
-              <a:t>激活和整流线性 </a:t>
-            </a:r>
-            <a:r>
-              <a:rPr lang="en-US" altLang="zh-CN" dirty="0" smtClean="0"/>
-              <a:t>(</a:t>
-            </a:r>
-            <a:r>
-              <a:rPr lang="en-US" altLang="zh-CN" dirty="0" err="1" smtClean="0"/>
-              <a:t>ReLU</a:t>
-            </a:r>
-            <a:r>
-              <a:rPr lang="en-US" altLang="zh-CN" dirty="0" smtClean="0"/>
-              <a:t>) </a:t>
-            </a:r>
-            <a:r>
-              <a:rPr lang="zh-CN" altLang="en-US" dirty="0" smtClean="0"/>
-              <a:t>激活等。 创建模型是一个同步操作，但是一旦成功创建，就可以在线程和编译之间重用模型。 在 </a:t>
-            </a:r>
-            <a:r>
-              <a:rPr lang="en-US" altLang="zh-CN" dirty="0" smtClean="0"/>
-              <a:t>NNAPI </a:t>
-            </a:r>
-            <a:r>
-              <a:rPr lang="zh-CN" altLang="en-US" dirty="0" smtClean="0"/>
-              <a:t>中，一个模型表示为一个 </a:t>
-            </a:r>
-            <a:r>
-              <a:rPr lang="en-US" altLang="zh-CN" dirty="0" err="1" smtClean="0"/>
-              <a:t>ANeuralNetworksModel</a:t>
-            </a:r>
-            <a:r>
-              <a:rPr lang="en-US" altLang="zh-CN" dirty="0" smtClean="0"/>
-              <a:t> </a:t>
-            </a:r>
-            <a:r>
-              <a:rPr lang="zh-CN" altLang="en-US" dirty="0" smtClean="0"/>
-              <a:t>实例。</a:t>
-            </a:r>
-          </a:p>
-          <a:p>
-            <a:r>
-              <a:rPr lang="zh-CN" altLang="en-US" dirty="0" smtClean="0"/>
-              <a:t>    </a:t>
-            </a:r>
-            <a:r>
-              <a:rPr lang="zh-CN" altLang="en-US" b="1" dirty="0" smtClean="0"/>
-              <a:t>编译</a:t>
-            </a:r>
-            <a:r>
-              <a:rPr lang="zh-CN" altLang="en-US" dirty="0" smtClean="0"/>
-              <a:t>：表示用于将 </a:t>
-            </a:r>
-            <a:r>
-              <a:rPr lang="en-US" altLang="zh-CN" dirty="0" smtClean="0"/>
-              <a:t>NNAPI </a:t>
-            </a:r>
-            <a:r>
-              <a:rPr lang="zh-CN" altLang="en-US" dirty="0" smtClean="0"/>
-              <a:t>模型编译到更低级别代码中的配置。 创建编译是一个同步操作，但是一旦成功创建，就可以在线程和执行之间重用编译。 在 </a:t>
-            </a:r>
-            <a:r>
-              <a:rPr lang="en-US" altLang="zh-CN" dirty="0" smtClean="0"/>
-              <a:t>NNAPI </a:t>
-            </a:r>
-            <a:r>
-              <a:rPr lang="zh-CN" altLang="en-US" dirty="0" smtClean="0"/>
-              <a:t>中，每个编译表示为一个 </a:t>
-            </a:r>
-            <a:r>
-              <a:rPr lang="en-US" altLang="zh-CN" dirty="0" err="1" smtClean="0"/>
-              <a:t>ANeuralNetworksCompilation</a:t>
-            </a:r>
-            <a:r>
-              <a:rPr lang="en-US" altLang="zh-CN" dirty="0" smtClean="0"/>
-              <a:t> </a:t>
-            </a:r>
-            <a:r>
-              <a:rPr lang="zh-CN" altLang="en-US" dirty="0" smtClean="0"/>
-              <a:t>实例。</a:t>
-            </a:r>
-          </a:p>
-          <a:p>
-            <a:r>
-              <a:rPr lang="zh-CN" altLang="en-US" dirty="0" smtClean="0"/>
-              <a:t>    </a:t>
-            </a:r>
-            <a:r>
-              <a:rPr lang="zh-CN" altLang="en-US" b="1" dirty="0" smtClean="0"/>
-              <a:t>内存</a:t>
-            </a:r>
-            <a:r>
-              <a:rPr lang="zh-CN" altLang="en-US" dirty="0" smtClean="0"/>
-              <a:t>：表示共享内存、内存映射文件和类似的内存缓冲区。 使用内存缓冲区可以让 </a:t>
-            </a:r>
-            <a:r>
-              <a:rPr lang="en-US" altLang="zh-CN" dirty="0" smtClean="0"/>
-              <a:t>NNAPI </a:t>
-            </a:r>
-            <a:r>
-              <a:rPr lang="zh-CN" altLang="en-US" dirty="0" smtClean="0"/>
-              <a:t>运行时将数据更高效地传输到驱动程序。 一个应用一般会创建一个共享内存缓冲区，其中包含定义模型所需的每一个张量。 您还可以使用内存缓冲区存储执行实例的输入和输出。 在 </a:t>
-            </a:r>
-            <a:r>
-              <a:rPr lang="en-US" altLang="zh-CN" dirty="0" smtClean="0"/>
-              <a:t>NNAPI </a:t>
-            </a:r>
-            <a:r>
-              <a:rPr lang="zh-CN" altLang="en-US" dirty="0" smtClean="0"/>
-              <a:t>中，每个内存缓冲区表示为一个 </a:t>
-            </a:r>
-            <a:r>
-              <a:rPr lang="en-US" altLang="zh-CN" dirty="0" err="1" smtClean="0"/>
-              <a:t>ANeuralNetworksMemory</a:t>
-            </a:r>
-            <a:r>
-              <a:rPr lang="en-US" altLang="zh-CN" dirty="0" smtClean="0"/>
-              <a:t> </a:t>
-            </a:r>
-            <a:r>
-              <a:rPr lang="zh-CN" altLang="en-US" dirty="0" smtClean="0"/>
-              <a:t>实例。</a:t>
-            </a:r>
-          </a:p>
-          <a:p>
-            <a:r>
-              <a:rPr lang="zh-CN" altLang="en-US" dirty="0" smtClean="0"/>
-              <a:t>    </a:t>
-            </a:r>
-            <a:r>
-              <a:rPr lang="zh-CN" altLang="en-US" b="1" dirty="0" smtClean="0"/>
-              <a:t>执行</a:t>
-            </a:r>
-            <a:r>
-              <a:rPr lang="zh-CN" altLang="en-US" dirty="0" smtClean="0"/>
-              <a:t>：用于将 </a:t>
-            </a:r>
-            <a:r>
-              <a:rPr lang="en-US" altLang="zh-CN" dirty="0" smtClean="0"/>
-              <a:t>NNAPI </a:t>
-            </a:r>
-            <a:r>
-              <a:rPr lang="zh-CN" altLang="en-US" dirty="0" smtClean="0"/>
-              <a:t>模型应用到一组输入并采集结果的接口。 执行是一种异步操作。 多个线程可以在相同的执行上等待。 当执行完成时，所有的线程都将释放。 在 </a:t>
-            </a:r>
-            <a:r>
-              <a:rPr lang="en-US" altLang="zh-CN" dirty="0" smtClean="0"/>
-              <a:t>NNAPI </a:t>
-            </a:r>
-            <a:r>
-              <a:rPr lang="zh-CN" altLang="en-US" dirty="0" smtClean="0"/>
-              <a:t>中，每一个执行表示为一个 </a:t>
-            </a:r>
-            <a:r>
-              <a:rPr lang="en-US" altLang="zh-CN" dirty="0" err="1" smtClean="0"/>
-              <a:t>ANeuralNetworksExecution</a:t>
-            </a:r>
-            <a:r>
-              <a:rPr lang="en-US" altLang="zh-CN" dirty="0" smtClean="0"/>
-              <a:t> </a:t>
-            </a:r>
-            <a:r>
-              <a:rPr lang="zh-CN" altLang="en-US" dirty="0" smtClean="0"/>
-              <a:t>实例。</a:t>
-            </a:r>
-          </a:p>
-          <a:p>
-            <a:endParaRPr lang="zh-CN" altLang="en-US" dirty="0"/>
-          </a:p>
-        </p:txBody>
-      </p:sp>
-    </p:spTree>
-    <p:extLst>
-      <p:ext uri="{BB962C8B-B14F-4D97-AF65-F5344CB8AC3E}">
-        <p14:creationId xmlns:p14="http://schemas.microsoft.com/office/powerpoint/2010/main" val="2436918497"/>
-      </p:ext>
-    </p:extLst>
-  </p:cSld>
-  <p:clrMapOvr>
-    <a:masterClrMapping/>
-  </p:clrMapOvr>
-</p:sld>
-</file>
-
-<file path=ppt/slides/slide6.xml><?xml version="1.0" encoding="utf-8"?>
+<file path=ppt/slides/slide18.xml><?xml version="1.0" encoding="utf-8"?>
 <p:sld xmlns:a="http://schemas.openxmlformats.org/drawingml/2006/main" xmlns:r="http://schemas.openxmlformats.org/officeDocument/2006/relationships" xmlns:p="http://schemas.openxmlformats.org/presentationml/2006/main">
   <p:cSld>
     <p:spTree>
@@ -4467,8 +5595,8 @@
         </p:blipFill>
         <p:spPr bwMode="auto">
           <a:xfrm>
-            <a:off x="755576" y="440214"/>
-            <a:ext cx="7560840" cy="5365049"/>
+            <a:off x="328613" y="1366838"/>
+            <a:ext cx="8486775" cy="4124325"/>
           </a:xfrm>
           <a:prstGeom prst="rect">
             <a:avLst/>
@@ -4511,6 +5639,918 @@
     </p:spTree>
     <p:extLst>
       <p:ext uri="{BB962C8B-B14F-4D97-AF65-F5344CB8AC3E}">
+        <p14:creationId xmlns:p14="http://schemas.microsoft.com/office/powerpoint/2010/main" val="3566719911"/>
+      </p:ext>
+    </p:extLst>
+  </p:cSld>
+  <p:clrMapOvr>
+    <a:masterClrMapping/>
+  </p:clrMapOvr>
+  <p:timing>
+    <p:tnLst>
+      <p:par>
+        <p:cTn id="1" dur="indefinite" restart="never" nodeType="tmRoot"/>
+      </p:par>
+    </p:tnLst>
+  </p:timing>
+</p:sld>
+</file>
+
+<file path=ppt/slides/slide19.xml><?xml version="1.0" encoding="utf-8"?>
+<p:sld xmlns:a="http://schemas.openxmlformats.org/drawingml/2006/main" xmlns:r="http://schemas.openxmlformats.org/officeDocument/2006/relationships" xmlns:p="http://schemas.openxmlformats.org/presentationml/2006/main">
+  <p:cSld>
+    <p:spTree>
+      <p:nvGrpSpPr>
+        <p:cNvPr id="1" name=""/>
+        <p:cNvGrpSpPr/>
+        <p:nvPr/>
+      </p:nvGrpSpPr>
+      <p:grpSpPr>
+        <a:xfrm>
+          <a:off x="0" y="0"/>
+          <a:ext cx="0" cy="0"/>
+          <a:chOff x="0" y="0"/>
+          <a:chExt cx="0" cy="0"/>
+        </a:xfrm>
+      </p:grpSpPr>
+      <p:pic>
+        <p:nvPicPr>
+          <p:cNvPr id="5122" name="Picture 2"/>
+          <p:cNvPicPr>
+            <a:picLocks noChangeAspect="1" noChangeArrowheads="1"/>
+          </p:cNvPicPr>
+          <p:nvPr/>
+        </p:nvPicPr>
+        <p:blipFill>
+          <a:blip r:embed="rId2">
+            <a:extLst>
+              <a:ext uri="{28A0092B-C50C-407E-A947-70E740481C1C}">
+                <a14:useLocalDpi xmlns:a14="http://schemas.microsoft.com/office/drawing/2010/main" val="0"/>
+              </a:ext>
+            </a:extLst>
+          </a:blip>
+          <a:srcRect/>
+          <a:stretch>
+            <a:fillRect/>
+          </a:stretch>
+        </p:blipFill>
+        <p:spPr bwMode="auto">
+          <a:xfrm>
+            <a:off x="1233488" y="3276600"/>
+            <a:ext cx="6677025" cy="304800"/>
+          </a:xfrm>
+          <a:prstGeom prst="rect">
+            <a:avLst/>
+          </a:prstGeom>
+          <a:noFill/>
+          <a:ln>
+            <a:noFill/>
+          </a:ln>
+          <a:effectLst/>
+          <a:extLst>
+            <a:ext uri="{909E8E84-426E-40DD-AFC4-6F175D3DCCD1}">
+              <a14:hiddenFill xmlns:a14="http://schemas.microsoft.com/office/drawing/2010/main">
+                <a:solidFill>
+                  <a:schemeClr val="accent1"/>
+                </a:solidFill>
+              </a14:hiddenFill>
+            </a:ext>
+            <a:ext uri="{91240B29-F687-4F45-9708-019B960494DF}">
+              <a14:hiddenLine xmlns:a14="http://schemas.microsoft.com/office/drawing/2010/main" w="9525">
+                <a:solidFill>
+                  <a:schemeClr val="tx1"/>
+                </a:solidFill>
+                <a:miter lim="800000"/>
+                <a:headEnd/>
+                <a:tailEnd/>
+              </a14:hiddenLine>
+            </a:ext>
+            <a:ext uri="{AF507438-7753-43E0-B8FC-AC1667EBCBE1}">
+              <a14:hiddenEffects xmlns:a14="http://schemas.microsoft.com/office/drawing/2010/main">
+                <a:effectLst>
+                  <a:outerShdw dist="35921" dir="2700000" algn="ctr" rotWithShape="0">
+                    <a:schemeClr val="bg2"/>
+                  </a:outerShdw>
+                </a:effectLst>
+              </a14:hiddenEffects>
+            </a:ext>
+          </a:extLst>
+        </p:spPr>
+      </p:pic>
+    </p:spTree>
+    <p:extLst>
+      <p:ext uri="{BB962C8B-B14F-4D97-AF65-F5344CB8AC3E}">
+        <p14:creationId xmlns:p14="http://schemas.microsoft.com/office/powerpoint/2010/main" val="4137533394"/>
+      </p:ext>
+    </p:extLst>
+  </p:cSld>
+  <p:clrMapOvr>
+    <a:masterClrMapping/>
+  </p:clrMapOvr>
+  <p:timing>
+    <p:tnLst>
+      <p:par>
+        <p:cTn id="1" dur="indefinite" restart="never" nodeType="tmRoot"/>
+      </p:par>
+    </p:tnLst>
+  </p:timing>
+</p:sld>
+</file>
+
+<file path=ppt/slides/slide2.xml><?xml version="1.0" encoding="utf-8"?>
+<p:sld xmlns:a="http://schemas.openxmlformats.org/drawingml/2006/main" xmlns:r="http://schemas.openxmlformats.org/officeDocument/2006/relationships" xmlns:p="http://schemas.openxmlformats.org/presentationml/2006/main">
+  <p:cSld>
+    <p:spTree>
+      <p:nvGrpSpPr>
+        <p:cNvPr id="1" name=""/>
+        <p:cNvGrpSpPr/>
+        <p:nvPr/>
+      </p:nvGrpSpPr>
+      <p:grpSpPr>
+        <a:xfrm>
+          <a:off x="0" y="0"/>
+          <a:ext cx="0" cy="0"/>
+          <a:chOff x="0" y="0"/>
+          <a:chExt cx="0" cy="0"/>
+        </a:xfrm>
+      </p:grpSpPr>
+      <p:sp>
+        <p:nvSpPr>
+          <p:cNvPr id="14" name="TextBox 13"/>
+          <p:cNvSpPr txBox="1"/>
+          <p:nvPr/>
+        </p:nvSpPr>
+        <p:spPr>
+          <a:xfrm>
+            <a:off x="3923928" y="1844824"/>
+            <a:ext cx="4032448" cy="461665"/>
+          </a:xfrm>
+          <a:prstGeom prst="rect">
+            <a:avLst/>
+          </a:prstGeom>
+          <a:noFill/>
+        </p:spPr>
+        <p:txBody>
+          <a:bodyPr wrap="square" rtlCol="0">
+            <a:spAutoFit/>
+          </a:bodyPr>
+          <a:lstStyle/>
+          <a:p>
+            <a:pPr marL="285750" indent="-285750">
+              <a:buFont typeface="Wingdings" pitchFamily="2" charset="2"/>
+              <a:buChar char="l"/>
+            </a:pPr>
+            <a:r>
+              <a:rPr lang="en-US" altLang="zh-CN" sz="2400" b="1" dirty="0" smtClean="0">
+                <a:solidFill>
+                  <a:schemeClr val="accent1">
+                    <a:lumMod val="75000"/>
+                  </a:schemeClr>
+                </a:solidFill>
+              </a:rPr>
+              <a:t>NNAPI </a:t>
+            </a:r>
+            <a:r>
+              <a:rPr lang="zh-CN" altLang="en-US" sz="2400" b="1" dirty="0" smtClean="0">
+                <a:solidFill>
+                  <a:schemeClr val="accent1">
+                    <a:lumMod val="75000"/>
+                  </a:schemeClr>
+                </a:solidFill>
+              </a:rPr>
+              <a:t>介绍</a:t>
+            </a:r>
+            <a:endParaRPr lang="zh-CN" altLang="en-US" sz="2400" b="1" dirty="0">
+              <a:solidFill>
+                <a:schemeClr val="accent1">
+                  <a:lumMod val="75000"/>
+                </a:schemeClr>
+              </a:solidFill>
+            </a:endParaRPr>
+          </a:p>
+        </p:txBody>
+      </p:sp>
+      <p:sp>
+        <p:nvSpPr>
+          <p:cNvPr id="15" name="TextBox 14"/>
+          <p:cNvSpPr txBox="1"/>
+          <p:nvPr/>
+        </p:nvSpPr>
+        <p:spPr>
+          <a:xfrm>
+            <a:off x="3923928" y="2924944"/>
+            <a:ext cx="4032448" cy="461665"/>
+          </a:xfrm>
+          <a:prstGeom prst="rect">
+            <a:avLst/>
+          </a:prstGeom>
+          <a:noFill/>
+        </p:spPr>
+        <p:txBody>
+          <a:bodyPr wrap="square" rtlCol="0">
+            <a:spAutoFit/>
+          </a:bodyPr>
+          <a:lstStyle/>
+          <a:p>
+            <a:pPr marL="285750" indent="-285750">
+              <a:buFont typeface="Wingdings" pitchFamily="2" charset="2"/>
+              <a:buChar char="l"/>
+            </a:pPr>
+            <a:r>
+              <a:rPr lang="en-US" altLang="zh-CN" sz="2400" b="1" dirty="0" smtClean="0">
+                <a:solidFill>
+                  <a:schemeClr val="accent1">
+                    <a:lumMod val="75000"/>
+                  </a:schemeClr>
+                </a:solidFill>
+              </a:rPr>
+              <a:t>TensorFlow </a:t>
+            </a:r>
+            <a:r>
+              <a:rPr lang="zh-CN" altLang="en-US" sz="2400" b="1" dirty="0" smtClean="0">
+                <a:solidFill>
+                  <a:schemeClr val="accent1">
+                    <a:lumMod val="75000"/>
+                  </a:schemeClr>
+                </a:solidFill>
+              </a:rPr>
+              <a:t>介绍</a:t>
+            </a:r>
+            <a:endParaRPr lang="zh-CN" altLang="en-US" sz="2400" b="1" dirty="0">
+              <a:solidFill>
+                <a:schemeClr val="accent1">
+                  <a:lumMod val="75000"/>
+                </a:schemeClr>
+              </a:solidFill>
+            </a:endParaRPr>
+          </a:p>
+        </p:txBody>
+      </p:sp>
+      <p:sp>
+        <p:nvSpPr>
+          <p:cNvPr id="18" name="矩形 17"/>
+          <p:cNvSpPr/>
+          <p:nvPr/>
+        </p:nvSpPr>
+        <p:spPr>
+          <a:xfrm>
+            <a:off x="0" y="0"/>
+            <a:ext cx="3419872" cy="6858000"/>
+          </a:xfrm>
+          <a:prstGeom prst="rect">
+            <a:avLst/>
+          </a:prstGeom>
+        </p:spPr>
+        <p:style>
+          <a:lnRef idx="2">
+            <a:schemeClr val="accent1">
+              <a:shade val="50000"/>
+            </a:schemeClr>
+          </a:lnRef>
+          <a:fillRef idx="1">
+            <a:schemeClr val="accent1"/>
+          </a:fillRef>
+          <a:effectRef idx="0">
+            <a:schemeClr val="accent1"/>
+          </a:effectRef>
+          <a:fontRef idx="minor">
+            <a:schemeClr val="lt1"/>
+          </a:fontRef>
+        </p:style>
+        <p:txBody>
+          <a:bodyPr rtlCol="0" anchor="ctr"/>
+          <a:lstStyle/>
+          <a:p>
+            <a:pPr algn="ctr"/>
+            <a:endParaRPr lang="zh-CN" altLang="en-US"/>
+          </a:p>
+        </p:txBody>
+      </p:sp>
+      <p:sp>
+        <p:nvSpPr>
+          <p:cNvPr id="19" name="TextBox 18"/>
+          <p:cNvSpPr txBox="1"/>
+          <p:nvPr/>
+        </p:nvSpPr>
+        <p:spPr>
+          <a:xfrm>
+            <a:off x="150313" y="2081880"/>
+            <a:ext cx="2952328" cy="646331"/>
+          </a:xfrm>
+          <a:prstGeom prst="rect">
+            <a:avLst/>
+          </a:prstGeom>
+          <a:noFill/>
+        </p:spPr>
+        <p:txBody>
+          <a:bodyPr wrap="square" rtlCol="0">
+            <a:spAutoFit/>
+          </a:bodyPr>
+          <a:lstStyle/>
+          <a:p>
+            <a:pPr algn="ctr"/>
+            <a:r>
+              <a:rPr lang="zh-CN" altLang="en-US" sz="3600" b="1" dirty="0">
+                <a:solidFill>
+                  <a:schemeClr val="bg1"/>
+                </a:solidFill>
+              </a:rPr>
+              <a:t>目录</a:t>
+            </a:r>
+            <a:endParaRPr lang="zh-CN" altLang="en-US" b="1" dirty="0">
+              <a:solidFill>
+                <a:schemeClr val="bg1"/>
+              </a:solidFill>
+            </a:endParaRPr>
+          </a:p>
+        </p:txBody>
+      </p:sp>
+    </p:spTree>
+    <p:extLst>
+      <p:ext uri="{BB962C8B-B14F-4D97-AF65-F5344CB8AC3E}">
+        <p14:creationId xmlns:p14="http://schemas.microsoft.com/office/powerpoint/2010/main" val="2159264922"/>
+      </p:ext>
+    </p:extLst>
+  </p:cSld>
+  <p:clrMapOvr>
+    <a:masterClrMapping/>
+  </p:clrMapOvr>
+  <p:timing>
+    <p:tnLst>
+      <p:par>
+        <p:cTn id="1" dur="indefinite" restart="never" nodeType="tmRoot"/>
+      </p:par>
+    </p:tnLst>
+  </p:timing>
+</p:sld>
+</file>
+
+<file path=ppt/slides/slide20.xml><?xml version="1.0" encoding="utf-8"?>
+<p:sld xmlns:a="http://schemas.openxmlformats.org/drawingml/2006/main" xmlns:r="http://schemas.openxmlformats.org/officeDocument/2006/relationships" xmlns:p="http://schemas.openxmlformats.org/presentationml/2006/main">
+  <p:cSld>
+    <p:spTree>
+      <p:nvGrpSpPr>
+        <p:cNvPr id="1" name=""/>
+        <p:cNvGrpSpPr/>
+        <p:nvPr/>
+      </p:nvGrpSpPr>
+      <p:grpSpPr>
+        <a:xfrm>
+          <a:off x="0" y="0"/>
+          <a:ext cx="0" cy="0"/>
+          <a:chOff x="0" y="0"/>
+          <a:chExt cx="0" cy="0"/>
+        </a:xfrm>
+      </p:grpSpPr>
+    </p:spTree>
+    <p:extLst>
+      <p:ext uri="{BB962C8B-B14F-4D97-AF65-F5344CB8AC3E}">
+        <p14:creationId xmlns:p14="http://schemas.microsoft.com/office/powerpoint/2010/main" val="2009725475"/>
+      </p:ext>
+    </p:extLst>
+  </p:cSld>
+  <p:clrMapOvr>
+    <a:masterClrMapping/>
+  </p:clrMapOvr>
+</p:sld>
+</file>
+
+<file path=ppt/slides/slide21.xml><?xml version="1.0" encoding="utf-8"?>
+<p:sld xmlns:a="http://schemas.openxmlformats.org/drawingml/2006/main" xmlns:r="http://schemas.openxmlformats.org/officeDocument/2006/relationships" xmlns:p="http://schemas.openxmlformats.org/presentationml/2006/main">
+  <p:cSld>
+    <p:spTree>
+      <p:nvGrpSpPr>
+        <p:cNvPr id="1" name=""/>
+        <p:cNvGrpSpPr/>
+        <p:nvPr/>
+      </p:nvGrpSpPr>
+      <p:grpSpPr>
+        <a:xfrm>
+          <a:off x="0" y="0"/>
+          <a:ext cx="0" cy="0"/>
+          <a:chOff x="0" y="0"/>
+          <a:chExt cx="0" cy="0"/>
+        </a:xfrm>
+      </p:grpSpPr>
+    </p:spTree>
+    <p:extLst>
+      <p:ext uri="{BB962C8B-B14F-4D97-AF65-F5344CB8AC3E}">
+        <p14:creationId xmlns:p14="http://schemas.microsoft.com/office/powerpoint/2010/main" val="1522880128"/>
+      </p:ext>
+    </p:extLst>
+  </p:cSld>
+  <p:clrMapOvr>
+    <a:masterClrMapping/>
+  </p:clrMapOvr>
+</p:sld>
+</file>
+
+<file path=ppt/slides/slide22.xml><?xml version="1.0" encoding="utf-8"?>
+<p:sld xmlns:a="http://schemas.openxmlformats.org/drawingml/2006/main" xmlns:r="http://schemas.openxmlformats.org/officeDocument/2006/relationships" xmlns:p="http://schemas.openxmlformats.org/presentationml/2006/main">
+  <p:cSld>
+    <p:spTree>
+      <p:nvGrpSpPr>
+        <p:cNvPr id="1" name=""/>
+        <p:cNvGrpSpPr/>
+        <p:nvPr/>
+      </p:nvGrpSpPr>
+      <p:grpSpPr>
+        <a:xfrm>
+          <a:off x="0" y="0"/>
+          <a:ext cx="0" cy="0"/>
+          <a:chOff x="0" y="0"/>
+          <a:chExt cx="0" cy="0"/>
+        </a:xfrm>
+      </p:grpSpPr>
+    </p:spTree>
+    <p:extLst>
+      <p:ext uri="{BB962C8B-B14F-4D97-AF65-F5344CB8AC3E}">
+        <p14:creationId xmlns:p14="http://schemas.microsoft.com/office/powerpoint/2010/main" val="1941917686"/>
+      </p:ext>
+    </p:extLst>
+  </p:cSld>
+  <p:clrMapOvr>
+    <a:masterClrMapping/>
+  </p:clrMapOvr>
+</p:sld>
+</file>
+
+<file path=ppt/slides/slide23.xml><?xml version="1.0" encoding="utf-8"?>
+<p:sld xmlns:a="http://schemas.openxmlformats.org/drawingml/2006/main" xmlns:r="http://schemas.openxmlformats.org/officeDocument/2006/relationships" xmlns:p="http://schemas.openxmlformats.org/presentationml/2006/main">
+  <p:cSld>
+    <p:spTree>
+      <p:nvGrpSpPr>
+        <p:cNvPr id="1" name=""/>
+        <p:cNvGrpSpPr/>
+        <p:nvPr/>
+      </p:nvGrpSpPr>
+      <p:grpSpPr>
+        <a:xfrm>
+          <a:off x="0" y="0"/>
+          <a:ext cx="0" cy="0"/>
+          <a:chOff x="0" y="0"/>
+          <a:chExt cx="0" cy="0"/>
+        </a:xfrm>
+      </p:grpSpPr>
+    </p:spTree>
+    <p:extLst>
+      <p:ext uri="{BB962C8B-B14F-4D97-AF65-F5344CB8AC3E}">
+        <p14:creationId xmlns:p14="http://schemas.microsoft.com/office/powerpoint/2010/main" val="3881503093"/>
+      </p:ext>
+    </p:extLst>
+  </p:cSld>
+  <p:clrMapOvr>
+    <a:masterClrMapping/>
+  </p:clrMapOvr>
+</p:sld>
+</file>
+
+<file path=ppt/slides/slide24.xml><?xml version="1.0" encoding="utf-8"?>
+<p:sld xmlns:a="http://schemas.openxmlformats.org/drawingml/2006/main" xmlns:r="http://schemas.openxmlformats.org/officeDocument/2006/relationships" xmlns:p="http://schemas.openxmlformats.org/presentationml/2006/main">
+  <p:cSld>
+    <p:spTree>
+      <p:nvGrpSpPr>
+        <p:cNvPr id="1" name=""/>
+        <p:cNvGrpSpPr/>
+        <p:nvPr/>
+      </p:nvGrpSpPr>
+      <p:grpSpPr>
+        <a:xfrm>
+          <a:off x="0" y="0"/>
+          <a:ext cx="0" cy="0"/>
+          <a:chOff x="0" y="0"/>
+          <a:chExt cx="0" cy="0"/>
+        </a:xfrm>
+      </p:grpSpPr>
+      <p:pic>
+        <p:nvPicPr>
+          <p:cNvPr id="3074" name="Picture 2"/>
+          <p:cNvPicPr>
+            <a:picLocks noChangeAspect="1" noChangeArrowheads="1"/>
+          </p:cNvPicPr>
+          <p:nvPr/>
+        </p:nvPicPr>
+        <p:blipFill>
+          <a:blip r:embed="rId2">
+            <a:extLst>
+              <a:ext uri="{28A0092B-C50C-407E-A947-70E740481C1C}">
+                <a14:useLocalDpi xmlns:a14="http://schemas.microsoft.com/office/drawing/2010/main" val="0"/>
+              </a:ext>
+            </a:extLst>
+          </a:blip>
+          <a:srcRect/>
+          <a:stretch>
+            <a:fillRect/>
+          </a:stretch>
+        </p:blipFill>
+        <p:spPr bwMode="auto">
+          <a:xfrm>
+            <a:off x="1657350" y="962025"/>
+            <a:ext cx="5829300" cy="4933950"/>
+          </a:xfrm>
+          <a:prstGeom prst="rect">
+            <a:avLst/>
+          </a:prstGeom>
+          <a:noFill/>
+          <a:ln>
+            <a:noFill/>
+          </a:ln>
+          <a:effectLst/>
+          <a:extLst>
+            <a:ext uri="{909E8E84-426E-40DD-AFC4-6F175D3DCCD1}">
+              <a14:hiddenFill xmlns:a14="http://schemas.microsoft.com/office/drawing/2010/main">
+                <a:solidFill>
+                  <a:schemeClr val="accent1"/>
+                </a:solidFill>
+              </a14:hiddenFill>
+            </a:ext>
+            <a:ext uri="{91240B29-F687-4F45-9708-019B960494DF}">
+              <a14:hiddenLine xmlns:a14="http://schemas.microsoft.com/office/drawing/2010/main" w="9525">
+                <a:solidFill>
+                  <a:schemeClr val="tx1"/>
+                </a:solidFill>
+                <a:miter lim="800000"/>
+                <a:headEnd/>
+                <a:tailEnd/>
+              </a14:hiddenLine>
+            </a:ext>
+            <a:ext uri="{AF507438-7753-43E0-B8FC-AC1667EBCBE1}">
+              <a14:hiddenEffects xmlns:a14="http://schemas.microsoft.com/office/drawing/2010/main">
+                <a:effectLst>
+                  <a:outerShdw dist="35921" dir="2700000" algn="ctr" rotWithShape="0">
+                    <a:schemeClr val="bg2"/>
+                  </a:outerShdw>
+                </a:effectLst>
+              </a14:hiddenEffects>
+            </a:ext>
+          </a:extLst>
+        </p:spPr>
+      </p:pic>
+    </p:spTree>
+    <p:extLst>
+      <p:ext uri="{BB962C8B-B14F-4D97-AF65-F5344CB8AC3E}">
+        <p14:creationId xmlns:p14="http://schemas.microsoft.com/office/powerpoint/2010/main" val="4257305858"/>
+      </p:ext>
+    </p:extLst>
+  </p:cSld>
+  <p:clrMapOvr>
+    <a:masterClrMapping/>
+  </p:clrMapOvr>
+  <p:timing>
+    <p:tnLst>
+      <p:par>
+        <p:cTn id="1" dur="indefinite" restart="never" nodeType="tmRoot"/>
+      </p:par>
+    </p:tnLst>
+  </p:timing>
+</p:sld>
+</file>
+
+<file path=ppt/slides/slide25.xml><?xml version="1.0" encoding="utf-8"?>
+<p:sld xmlns:a="http://schemas.openxmlformats.org/drawingml/2006/main" xmlns:r="http://schemas.openxmlformats.org/officeDocument/2006/relationships" xmlns:p="http://schemas.openxmlformats.org/presentationml/2006/main">
+  <p:cSld>
+    <p:spTree>
+      <p:nvGrpSpPr>
+        <p:cNvPr id="1" name=""/>
+        <p:cNvGrpSpPr/>
+        <p:nvPr/>
+      </p:nvGrpSpPr>
+      <p:grpSpPr>
+        <a:xfrm>
+          <a:off x="0" y="0"/>
+          <a:ext cx="0" cy="0"/>
+          <a:chOff x="0" y="0"/>
+          <a:chExt cx="0" cy="0"/>
+        </a:xfrm>
+      </p:grpSpPr>
+      <p:sp>
+        <p:nvSpPr>
+          <p:cNvPr id="4" name="TextBox 3"/>
+          <p:cNvSpPr txBox="1"/>
+          <p:nvPr/>
+        </p:nvSpPr>
+        <p:spPr>
+          <a:xfrm>
+            <a:off x="323528" y="692696"/>
+            <a:ext cx="8568952" cy="5078313"/>
+          </a:xfrm>
+          <a:prstGeom prst="rect">
+            <a:avLst/>
+          </a:prstGeom>
+          <a:noFill/>
+        </p:spPr>
+        <p:txBody>
+          <a:bodyPr wrap="square" rtlCol="0">
+            <a:spAutoFit/>
+          </a:bodyPr>
+          <a:lstStyle/>
+          <a:p>
+            <a:r>
+              <a:rPr lang="en-US" altLang="zh-CN" dirty="0" smtClean="0"/>
+              <a:t>NNAPI </a:t>
+            </a:r>
+            <a:r>
+              <a:rPr lang="zh-CN" altLang="en-US" dirty="0" smtClean="0"/>
+              <a:t>使用四种主要抽象：</a:t>
+            </a:r>
+          </a:p>
+          <a:p>
+            <a:endParaRPr lang="zh-CN" altLang="en-US" dirty="0" smtClean="0"/>
+          </a:p>
+          <a:p>
+            <a:r>
+              <a:rPr lang="zh-CN" altLang="en-US" dirty="0" smtClean="0"/>
+              <a:t>    </a:t>
+            </a:r>
+            <a:r>
+              <a:rPr lang="zh-CN" altLang="en-US" b="1" dirty="0" smtClean="0"/>
+              <a:t>模型</a:t>
+            </a:r>
+            <a:r>
+              <a:rPr lang="zh-CN" altLang="en-US" dirty="0" smtClean="0"/>
+              <a:t>：数学运算和通过训练过程学习的常量值的计算图。 这些运算特定于神经网络， 并且包括二维 </a:t>
+            </a:r>
+            <a:r>
+              <a:rPr lang="en-US" altLang="zh-CN" dirty="0" smtClean="0"/>
+              <a:t>(2D) </a:t>
+            </a:r>
+            <a:r>
+              <a:rPr lang="zh-CN" altLang="en-US" dirty="0" smtClean="0"/>
+              <a:t>卷积、逻辑 </a:t>
+            </a:r>
+            <a:r>
+              <a:rPr lang="en-US" altLang="zh-CN" dirty="0" smtClean="0"/>
+              <a:t>(sigmoid)) </a:t>
+            </a:r>
+            <a:r>
+              <a:rPr lang="zh-CN" altLang="en-US" dirty="0" smtClean="0"/>
+              <a:t>激活和整流线性 </a:t>
+            </a:r>
+            <a:r>
+              <a:rPr lang="en-US" altLang="zh-CN" dirty="0" smtClean="0"/>
+              <a:t>(</a:t>
+            </a:r>
+            <a:r>
+              <a:rPr lang="en-US" altLang="zh-CN" dirty="0" err="1" smtClean="0"/>
+              <a:t>ReLU</a:t>
+            </a:r>
+            <a:r>
+              <a:rPr lang="en-US" altLang="zh-CN" dirty="0" smtClean="0"/>
+              <a:t>) </a:t>
+            </a:r>
+            <a:r>
+              <a:rPr lang="zh-CN" altLang="en-US" dirty="0" smtClean="0"/>
+              <a:t>激活等。 创建模型是一个同步操作，但是一旦成功创建，就可以在线程和编译之间重用模型。 在 </a:t>
+            </a:r>
+            <a:r>
+              <a:rPr lang="en-US" altLang="zh-CN" dirty="0" smtClean="0"/>
+              <a:t>NNAPI </a:t>
+            </a:r>
+            <a:r>
+              <a:rPr lang="zh-CN" altLang="en-US" dirty="0" smtClean="0"/>
+              <a:t>中，一个模型表示为一个 </a:t>
+            </a:r>
+            <a:r>
+              <a:rPr lang="en-US" altLang="zh-CN" dirty="0" err="1" smtClean="0"/>
+              <a:t>ANeuralNetworksModel</a:t>
+            </a:r>
+            <a:r>
+              <a:rPr lang="en-US" altLang="zh-CN" dirty="0" smtClean="0"/>
+              <a:t> </a:t>
+            </a:r>
+            <a:r>
+              <a:rPr lang="zh-CN" altLang="en-US" dirty="0" smtClean="0"/>
+              <a:t>实例。</a:t>
+            </a:r>
+          </a:p>
+          <a:p>
+            <a:r>
+              <a:rPr lang="zh-CN" altLang="en-US" dirty="0" smtClean="0"/>
+              <a:t>    </a:t>
+            </a:r>
+            <a:r>
+              <a:rPr lang="zh-CN" altLang="en-US" b="1" dirty="0" smtClean="0"/>
+              <a:t>编译</a:t>
+            </a:r>
+            <a:r>
+              <a:rPr lang="zh-CN" altLang="en-US" dirty="0" smtClean="0"/>
+              <a:t>：表示用于将 </a:t>
+            </a:r>
+            <a:r>
+              <a:rPr lang="en-US" altLang="zh-CN" dirty="0" smtClean="0"/>
+              <a:t>NNAPI </a:t>
+            </a:r>
+            <a:r>
+              <a:rPr lang="zh-CN" altLang="en-US" dirty="0" smtClean="0"/>
+              <a:t>模型编译到更低级别代码中的配置。 创建编译是一个同步操作，但是一旦成功创建，就可以在线程和执行之间重用编译。 在 </a:t>
+            </a:r>
+            <a:r>
+              <a:rPr lang="en-US" altLang="zh-CN" dirty="0" smtClean="0"/>
+              <a:t>NNAPI </a:t>
+            </a:r>
+            <a:r>
+              <a:rPr lang="zh-CN" altLang="en-US" dirty="0" smtClean="0"/>
+              <a:t>中，每个编译表示为一个 </a:t>
+            </a:r>
+            <a:r>
+              <a:rPr lang="en-US" altLang="zh-CN" dirty="0" err="1" smtClean="0"/>
+              <a:t>ANeuralNetworksCompilation</a:t>
+            </a:r>
+            <a:r>
+              <a:rPr lang="en-US" altLang="zh-CN" dirty="0" smtClean="0"/>
+              <a:t> </a:t>
+            </a:r>
+            <a:r>
+              <a:rPr lang="zh-CN" altLang="en-US" dirty="0" smtClean="0"/>
+              <a:t>实例。</a:t>
+            </a:r>
+          </a:p>
+          <a:p>
+            <a:r>
+              <a:rPr lang="zh-CN" altLang="en-US" dirty="0" smtClean="0"/>
+              <a:t>    </a:t>
+            </a:r>
+            <a:r>
+              <a:rPr lang="zh-CN" altLang="en-US" b="1" dirty="0" smtClean="0"/>
+              <a:t>内存</a:t>
+            </a:r>
+            <a:r>
+              <a:rPr lang="zh-CN" altLang="en-US" dirty="0" smtClean="0"/>
+              <a:t>：表示共享内存、内存映射文件和类似的内存缓冲区。 使用内存缓冲区可以让 </a:t>
+            </a:r>
+            <a:r>
+              <a:rPr lang="en-US" altLang="zh-CN" dirty="0" smtClean="0"/>
+              <a:t>NNAPI </a:t>
+            </a:r>
+            <a:r>
+              <a:rPr lang="zh-CN" altLang="en-US" dirty="0" smtClean="0"/>
+              <a:t>运行时将数据更高效地传输到驱动程序。 一个应用一般会创建一个共享内存缓冲区，其中包含定义模型所需的每一个张量。 您还可以使用内存缓冲区存储执行实例的输入和输出。 在 </a:t>
+            </a:r>
+            <a:r>
+              <a:rPr lang="en-US" altLang="zh-CN" dirty="0" smtClean="0"/>
+              <a:t>NNAPI </a:t>
+            </a:r>
+            <a:r>
+              <a:rPr lang="zh-CN" altLang="en-US" dirty="0" smtClean="0"/>
+              <a:t>中，每个内存缓冲区表示为一个 </a:t>
+            </a:r>
+            <a:r>
+              <a:rPr lang="en-US" altLang="zh-CN" dirty="0" err="1" smtClean="0"/>
+              <a:t>ANeuralNetworksMemory</a:t>
+            </a:r>
+            <a:r>
+              <a:rPr lang="en-US" altLang="zh-CN" dirty="0" smtClean="0"/>
+              <a:t> </a:t>
+            </a:r>
+            <a:r>
+              <a:rPr lang="zh-CN" altLang="en-US" dirty="0" smtClean="0"/>
+              <a:t>实例。</a:t>
+            </a:r>
+          </a:p>
+          <a:p>
+            <a:r>
+              <a:rPr lang="zh-CN" altLang="en-US" dirty="0" smtClean="0"/>
+              <a:t>    </a:t>
+            </a:r>
+            <a:r>
+              <a:rPr lang="zh-CN" altLang="en-US" b="1" dirty="0" smtClean="0"/>
+              <a:t>执行</a:t>
+            </a:r>
+            <a:r>
+              <a:rPr lang="zh-CN" altLang="en-US" dirty="0" smtClean="0"/>
+              <a:t>：用于将 </a:t>
+            </a:r>
+            <a:r>
+              <a:rPr lang="en-US" altLang="zh-CN" dirty="0" smtClean="0"/>
+              <a:t>NNAPI </a:t>
+            </a:r>
+            <a:r>
+              <a:rPr lang="zh-CN" altLang="en-US" dirty="0" smtClean="0"/>
+              <a:t>模型应用到一组输入并采集结果的接口。 执行是一种异步操作。 多个线程可以在相同的执行上等待。 当执行完成时，所有的线程都将释放。 在 </a:t>
+            </a:r>
+            <a:r>
+              <a:rPr lang="en-US" altLang="zh-CN" dirty="0" smtClean="0"/>
+              <a:t>NNAPI </a:t>
+            </a:r>
+            <a:r>
+              <a:rPr lang="zh-CN" altLang="en-US" dirty="0" smtClean="0"/>
+              <a:t>中，每一个执行表示为一个 </a:t>
+            </a:r>
+            <a:r>
+              <a:rPr lang="en-US" altLang="zh-CN" dirty="0" err="1" smtClean="0"/>
+              <a:t>ANeuralNetworksExecution</a:t>
+            </a:r>
+            <a:r>
+              <a:rPr lang="en-US" altLang="zh-CN" dirty="0" smtClean="0"/>
+              <a:t> </a:t>
+            </a:r>
+            <a:r>
+              <a:rPr lang="zh-CN" altLang="en-US" dirty="0" smtClean="0"/>
+              <a:t>实例。</a:t>
+            </a:r>
+          </a:p>
+          <a:p>
+            <a:endParaRPr lang="zh-CN" altLang="en-US" dirty="0"/>
+          </a:p>
+        </p:txBody>
+      </p:sp>
+    </p:spTree>
+    <p:extLst>
+      <p:ext uri="{BB962C8B-B14F-4D97-AF65-F5344CB8AC3E}">
+        <p14:creationId xmlns:p14="http://schemas.microsoft.com/office/powerpoint/2010/main" val="2436918497"/>
+      </p:ext>
+    </p:extLst>
+  </p:cSld>
+  <p:clrMapOvr>
+    <a:masterClrMapping/>
+  </p:clrMapOvr>
+</p:sld>
+</file>
+
+<file path=ppt/slides/slide26.xml><?xml version="1.0" encoding="utf-8"?>
+<p:sld xmlns:a="http://schemas.openxmlformats.org/drawingml/2006/main" xmlns:r="http://schemas.openxmlformats.org/officeDocument/2006/relationships" xmlns:p="http://schemas.openxmlformats.org/presentationml/2006/main">
+  <p:cSld>
+    <p:spTree>
+      <p:nvGrpSpPr>
+        <p:cNvPr id="1" name=""/>
+        <p:cNvGrpSpPr/>
+        <p:nvPr/>
+      </p:nvGrpSpPr>
+      <p:grpSpPr>
+        <a:xfrm>
+          <a:off x="0" y="0"/>
+          <a:ext cx="0" cy="0"/>
+          <a:chOff x="0" y="0"/>
+          <a:chExt cx="0" cy="0"/>
+        </a:xfrm>
+      </p:grpSpPr>
+      <p:pic>
+        <p:nvPicPr>
+          <p:cNvPr id="1026" name="Picture 2"/>
+          <p:cNvPicPr>
+            <a:picLocks noChangeAspect="1" noChangeArrowheads="1"/>
+          </p:cNvPicPr>
+          <p:nvPr/>
+        </p:nvPicPr>
+        <p:blipFill>
+          <a:blip r:embed="rId2">
+            <a:extLst>
+              <a:ext uri="{28A0092B-C50C-407E-A947-70E740481C1C}">
+                <a14:useLocalDpi xmlns:a14="http://schemas.microsoft.com/office/drawing/2010/main" val="0"/>
+              </a:ext>
+            </a:extLst>
+          </a:blip>
+          <a:srcRect/>
+          <a:stretch>
+            <a:fillRect/>
+          </a:stretch>
+        </p:blipFill>
+        <p:spPr bwMode="auto">
+          <a:xfrm>
+            <a:off x="755576" y="440214"/>
+            <a:ext cx="7560840" cy="5365049"/>
+          </a:xfrm>
+          <a:prstGeom prst="rect">
+            <a:avLst/>
+          </a:prstGeom>
+          <a:noFill/>
+          <a:ln>
+            <a:noFill/>
+          </a:ln>
+          <a:effectLst/>
+          <a:extLst>
+            <a:ext uri="{909E8E84-426E-40DD-AFC4-6F175D3DCCD1}">
+              <a14:hiddenFill xmlns:a14="http://schemas.microsoft.com/office/drawing/2010/main">
+                <a:solidFill>
+                  <a:schemeClr val="accent1"/>
+                </a:solidFill>
+              </a14:hiddenFill>
+            </a:ext>
+            <a:ext uri="{91240B29-F687-4F45-9708-019B960494DF}">
+              <a14:hiddenLine xmlns:a14="http://schemas.microsoft.com/office/drawing/2010/main" w="9525">
+                <a:solidFill>
+                  <a:schemeClr val="tx1"/>
+                </a:solidFill>
+                <a:miter lim="800000"/>
+                <a:headEnd/>
+                <a:tailEnd/>
+              </a14:hiddenLine>
+            </a:ext>
+            <a:ext uri="{AF507438-7753-43E0-B8FC-AC1667EBCBE1}">
+              <a14:hiddenEffects xmlns:a14="http://schemas.microsoft.com/office/drawing/2010/main">
+                <a:effectLst>
+                  <a:outerShdw dist="35921" dir="2700000" algn="ctr" rotWithShape="0">
+                    <a:schemeClr val="bg2"/>
+                  </a:outerShdw>
+                </a:effectLst>
+              </a14:hiddenEffects>
+            </a:ext>
+          </a:extLst>
+        </p:spPr>
+      </p:pic>
+    </p:spTree>
+    <p:extLst>
+      <p:ext uri="{BB962C8B-B14F-4D97-AF65-F5344CB8AC3E}">
         <p14:creationId xmlns:p14="http://schemas.microsoft.com/office/powerpoint/2010/main" val="3312724856"/>
       </p:ext>
     </p:extLst>
@@ -4521,7 +6561,7 @@
 </p:sld>
 </file>
 
-<file path=ppt/slides/slide7.xml><?xml version="1.0" encoding="utf-8"?>
+<file path=ppt/slides/slide27.xml><?xml version="1.0" encoding="utf-8"?>
 <p:sld xmlns:a="http://schemas.openxmlformats.org/drawingml/2006/main" xmlns:r="http://schemas.openxmlformats.org/officeDocument/2006/relationships" xmlns:p="http://schemas.openxmlformats.org/presentationml/2006/main">
   <p:cSld>
     <p:spTree>
@@ -4612,6 +6652,2758 @@
   <p:clrMapOvr>
     <a:masterClrMapping/>
   </p:clrMapOvr>
+  <p:timing>
+    <p:tnLst>
+      <p:par>
+        <p:cTn id="1" dur="indefinite" restart="never" nodeType="tmRoot"/>
+      </p:par>
+    </p:tnLst>
+  </p:timing>
+</p:sld>
+</file>
+
+<file path=ppt/slides/slide28.xml><?xml version="1.0" encoding="utf-8"?>
+<p:sld xmlns:a="http://schemas.openxmlformats.org/drawingml/2006/main" xmlns:r="http://schemas.openxmlformats.org/officeDocument/2006/relationships" xmlns:p="http://schemas.openxmlformats.org/presentationml/2006/main">
+  <p:cSld>
+    <p:spTree>
+      <p:nvGrpSpPr>
+        <p:cNvPr id="1" name=""/>
+        <p:cNvGrpSpPr/>
+        <p:nvPr/>
+      </p:nvGrpSpPr>
+      <p:grpSpPr>
+        <a:xfrm>
+          <a:off x="0" y="0"/>
+          <a:ext cx="0" cy="0"/>
+          <a:chOff x="0" y="0"/>
+          <a:chExt cx="0" cy="0"/>
+        </a:xfrm>
+      </p:grpSpPr>
+      <p:sp>
+        <p:nvSpPr>
+          <p:cNvPr id="4" name="矩形 3"/>
+          <p:cNvSpPr/>
+          <p:nvPr/>
+        </p:nvSpPr>
+        <p:spPr>
+          <a:xfrm>
+            <a:off x="611560" y="364523"/>
+            <a:ext cx="1619354" cy="369332"/>
+          </a:xfrm>
+          <a:prstGeom prst="rect">
+            <a:avLst/>
+          </a:prstGeom>
+        </p:spPr>
+        <p:txBody>
+          <a:bodyPr wrap="none">
+            <a:spAutoFit/>
+          </a:bodyPr>
+          <a:lstStyle/>
+          <a:p>
+            <a:pPr marL="285750" indent="-285750">
+              <a:buFont typeface="Wingdings" pitchFamily="2" charset="2"/>
+              <a:buChar char="Ø"/>
+            </a:pPr>
+            <a:r>
+              <a:rPr lang="en-US" altLang="zh-CN" b="1" dirty="0">
+                <a:solidFill>
+                  <a:schemeClr val="accent1">
+                    <a:lumMod val="75000"/>
+                  </a:schemeClr>
+                </a:solidFill>
+              </a:rPr>
+              <a:t>NNAPI </a:t>
+            </a:r>
+            <a:r>
+              <a:rPr lang="zh-CN" altLang="en-US" b="1" dirty="0" smtClean="0">
+                <a:solidFill>
+                  <a:schemeClr val="accent1">
+                    <a:lumMod val="75000"/>
+                  </a:schemeClr>
+                </a:solidFill>
+              </a:rPr>
+              <a:t>简介</a:t>
+            </a:r>
+            <a:endParaRPr lang="zh-CN" altLang="en-US" b="1" dirty="0">
+              <a:solidFill>
+                <a:schemeClr val="accent1">
+                  <a:lumMod val="75000"/>
+                </a:schemeClr>
+              </a:solidFill>
+            </a:endParaRPr>
+          </a:p>
+        </p:txBody>
+      </p:sp>
+    </p:spTree>
+    <p:extLst>
+      <p:ext uri="{BB962C8B-B14F-4D97-AF65-F5344CB8AC3E}">
+        <p14:creationId xmlns:p14="http://schemas.microsoft.com/office/powerpoint/2010/main" val="1941855724"/>
+      </p:ext>
+    </p:extLst>
+  </p:cSld>
+  <p:clrMapOvr>
+    <a:masterClrMapping/>
+  </p:clrMapOvr>
+  <p:timing>
+    <p:tnLst>
+      <p:par>
+        <p:cTn id="1" dur="indefinite" restart="never" nodeType="tmRoot"/>
+      </p:par>
+    </p:tnLst>
+  </p:timing>
+</p:sld>
+</file>
+
+<file path=ppt/slides/slide29.xml><?xml version="1.0" encoding="utf-8"?>
+<p:sld xmlns:a="http://schemas.openxmlformats.org/drawingml/2006/main" xmlns:r="http://schemas.openxmlformats.org/officeDocument/2006/relationships" xmlns:p="http://schemas.openxmlformats.org/presentationml/2006/main">
+  <p:cSld>
+    <p:spTree>
+      <p:nvGrpSpPr>
+        <p:cNvPr id="1" name=""/>
+        <p:cNvGrpSpPr/>
+        <p:nvPr/>
+      </p:nvGrpSpPr>
+      <p:grpSpPr>
+        <a:xfrm>
+          <a:off x="0" y="0"/>
+          <a:ext cx="0" cy="0"/>
+          <a:chOff x="0" y="0"/>
+          <a:chExt cx="0" cy="0"/>
+        </a:xfrm>
+      </p:grpSpPr>
+      <p:sp>
+        <p:nvSpPr>
+          <p:cNvPr id="4" name="矩形 3"/>
+          <p:cNvSpPr/>
+          <p:nvPr/>
+        </p:nvSpPr>
+        <p:spPr>
+          <a:xfrm>
+            <a:off x="611560" y="364523"/>
+            <a:ext cx="1619354" cy="369332"/>
+          </a:xfrm>
+          <a:prstGeom prst="rect">
+            <a:avLst/>
+          </a:prstGeom>
+        </p:spPr>
+        <p:txBody>
+          <a:bodyPr wrap="none">
+            <a:spAutoFit/>
+          </a:bodyPr>
+          <a:lstStyle/>
+          <a:p>
+            <a:pPr marL="285750" indent="-285750">
+              <a:buFont typeface="Wingdings" pitchFamily="2" charset="2"/>
+              <a:buChar char="Ø"/>
+            </a:pPr>
+            <a:r>
+              <a:rPr lang="en-US" altLang="zh-CN" b="1" dirty="0">
+                <a:solidFill>
+                  <a:schemeClr val="accent1">
+                    <a:lumMod val="75000"/>
+                  </a:schemeClr>
+                </a:solidFill>
+              </a:rPr>
+              <a:t>NNAPI </a:t>
+            </a:r>
+            <a:r>
+              <a:rPr lang="zh-CN" altLang="en-US" b="1" dirty="0" smtClean="0">
+                <a:solidFill>
+                  <a:schemeClr val="accent1">
+                    <a:lumMod val="75000"/>
+                  </a:schemeClr>
+                </a:solidFill>
+              </a:rPr>
+              <a:t>使用</a:t>
+            </a:r>
+            <a:endParaRPr lang="zh-CN" altLang="en-US" b="1" dirty="0">
+              <a:solidFill>
+                <a:schemeClr val="accent1">
+                  <a:lumMod val="75000"/>
+                </a:schemeClr>
+              </a:solidFill>
+            </a:endParaRPr>
+          </a:p>
+        </p:txBody>
+      </p:sp>
+    </p:spTree>
+    <p:extLst>
+      <p:ext uri="{BB962C8B-B14F-4D97-AF65-F5344CB8AC3E}">
+        <p14:creationId xmlns:p14="http://schemas.microsoft.com/office/powerpoint/2010/main" val="2187756441"/>
+      </p:ext>
+    </p:extLst>
+  </p:cSld>
+  <p:clrMapOvr>
+    <a:masterClrMapping/>
+  </p:clrMapOvr>
+  <p:timing>
+    <p:tnLst>
+      <p:par>
+        <p:cTn id="1" dur="indefinite" restart="never" nodeType="tmRoot"/>
+      </p:par>
+    </p:tnLst>
+  </p:timing>
+</p:sld>
+</file>
+
+<file path=ppt/slides/slide3.xml><?xml version="1.0" encoding="utf-8"?>
+<p:sld xmlns:a="http://schemas.openxmlformats.org/drawingml/2006/main" xmlns:r="http://schemas.openxmlformats.org/officeDocument/2006/relationships" xmlns:p="http://schemas.openxmlformats.org/presentationml/2006/main">
+  <p:cSld>
+    <p:spTree>
+      <p:nvGrpSpPr>
+        <p:cNvPr id="1" name=""/>
+        <p:cNvGrpSpPr/>
+        <p:nvPr/>
+      </p:nvGrpSpPr>
+      <p:grpSpPr>
+        <a:xfrm>
+          <a:off x="0" y="0"/>
+          <a:ext cx="0" cy="0"/>
+          <a:chOff x="0" y="0"/>
+          <a:chExt cx="0" cy="0"/>
+        </a:xfrm>
+      </p:grpSpPr>
+      <p:pic>
+        <p:nvPicPr>
+          <p:cNvPr id="3074" name="Picture 2"/>
+          <p:cNvPicPr>
+            <a:picLocks noChangeAspect="1" noChangeArrowheads="1"/>
+          </p:cNvPicPr>
+          <p:nvPr/>
+        </p:nvPicPr>
+        <p:blipFill>
+          <a:blip r:embed="rId2">
+            <a:extLst>
+              <a:ext uri="{28A0092B-C50C-407E-A947-70E740481C1C}">
+                <a14:useLocalDpi xmlns:a14="http://schemas.microsoft.com/office/drawing/2010/main" val="0"/>
+              </a:ext>
+            </a:extLst>
+          </a:blip>
+          <a:srcRect/>
+          <a:stretch>
+            <a:fillRect/>
+          </a:stretch>
+        </p:blipFill>
+        <p:spPr bwMode="auto">
+          <a:xfrm>
+            <a:off x="-24342" y="764704"/>
+            <a:ext cx="9168342" cy="5157192"/>
+          </a:xfrm>
+          <a:prstGeom prst="rect">
+            <a:avLst/>
+          </a:prstGeom>
+          <a:noFill/>
+          <a:ln>
+            <a:noFill/>
+          </a:ln>
+          <a:effectLst/>
+          <a:extLst>
+            <a:ext uri="{909E8E84-426E-40DD-AFC4-6F175D3DCCD1}">
+              <a14:hiddenFill xmlns:a14="http://schemas.microsoft.com/office/drawing/2010/main">
+                <a:solidFill>
+                  <a:schemeClr val="accent1"/>
+                </a:solidFill>
+              </a14:hiddenFill>
+            </a:ext>
+            <a:ext uri="{91240B29-F687-4F45-9708-019B960494DF}">
+              <a14:hiddenLine xmlns:a14="http://schemas.microsoft.com/office/drawing/2010/main" w="9525">
+                <a:solidFill>
+                  <a:schemeClr val="tx1"/>
+                </a:solidFill>
+                <a:miter lim="800000"/>
+                <a:headEnd/>
+                <a:tailEnd/>
+              </a14:hiddenLine>
+            </a:ext>
+            <a:ext uri="{AF507438-7753-43E0-B8FC-AC1667EBCBE1}">
+              <a14:hiddenEffects xmlns:a14="http://schemas.microsoft.com/office/drawing/2010/main">
+                <a:effectLst>
+                  <a:outerShdw dist="35921" dir="2700000" algn="ctr" rotWithShape="0">
+                    <a:schemeClr val="bg2"/>
+                  </a:outerShdw>
+                </a:effectLst>
+              </a14:hiddenEffects>
+            </a:ext>
+          </a:extLst>
+        </p:spPr>
+      </p:pic>
+    </p:spTree>
+    <p:extLst>
+      <p:ext uri="{BB962C8B-B14F-4D97-AF65-F5344CB8AC3E}">
+        <p14:creationId xmlns:p14="http://schemas.microsoft.com/office/powerpoint/2010/main" val="2516482172"/>
+      </p:ext>
+    </p:extLst>
+  </p:cSld>
+  <p:clrMapOvr>
+    <a:masterClrMapping/>
+  </p:clrMapOvr>
+  <p:timing>
+    <p:tnLst>
+      <p:par>
+        <p:cTn id="1" dur="indefinite" restart="never" nodeType="tmRoot"/>
+      </p:par>
+    </p:tnLst>
+  </p:timing>
+</p:sld>
+</file>
+
+<file path=ppt/slides/slide30.xml><?xml version="1.0" encoding="utf-8"?>
+<p:sld xmlns:a="http://schemas.openxmlformats.org/drawingml/2006/main" xmlns:r="http://schemas.openxmlformats.org/officeDocument/2006/relationships" xmlns:p="http://schemas.openxmlformats.org/presentationml/2006/main">
+  <p:cSld>
+    <p:spTree>
+      <p:nvGrpSpPr>
+        <p:cNvPr id="1" name=""/>
+        <p:cNvGrpSpPr/>
+        <p:nvPr/>
+      </p:nvGrpSpPr>
+      <p:grpSpPr>
+        <a:xfrm>
+          <a:off x="0" y="0"/>
+          <a:ext cx="0" cy="0"/>
+          <a:chOff x="0" y="0"/>
+          <a:chExt cx="0" cy="0"/>
+        </a:xfrm>
+      </p:grpSpPr>
+      <p:sp>
+        <p:nvSpPr>
+          <p:cNvPr id="4" name="矩形 3"/>
+          <p:cNvSpPr/>
+          <p:nvPr/>
+        </p:nvSpPr>
+        <p:spPr>
+          <a:xfrm>
+            <a:off x="611560" y="364523"/>
+            <a:ext cx="1726755" cy="369332"/>
+          </a:xfrm>
+          <a:prstGeom prst="rect">
+            <a:avLst/>
+          </a:prstGeom>
+        </p:spPr>
+        <p:txBody>
+          <a:bodyPr wrap="none">
+            <a:spAutoFit/>
+          </a:bodyPr>
+          <a:lstStyle/>
+          <a:p>
+            <a:pPr marL="285750" indent="-285750">
+              <a:buFont typeface="Wingdings" pitchFamily="2" charset="2"/>
+              <a:buChar char="Ø"/>
+            </a:pPr>
+            <a:r>
+              <a:rPr lang="en-US" altLang="zh-CN" b="1" dirty="0">
+                <a:solidFill>
+                  <a:schemeClr val="accent1">
+                    <a:lumMod val="75000"/>
+                  </a:schemeClr>
+                </a:solidFill>
+              </a:rPr>
+              <a:t>NNAPI </a:t>
+            </a:r>
+            <a:r>
+              <a:rPr lang="en-US" altLang="zh-CN" b="1" dirty="0" smtClean="0">
+                <a:solidFill>
+                  <a:schemeClr val="accent1">
+                    <a:lumMod val="75000"/>
+                  </a:schemeClr>
+                </a:solidFill>
+              </a:rPr>
+              <a:t>Demo</a:t>
+            </a:r>
+            <a:endParaRPr lang="zh-CN" altLang="en-US" b="1" dirty="0">
+              <a:solidFill>
+                <a:schemeClr val="accent1">
+                  <a:lumMod val="75000"/>
+                </a:schemeClr>
+              </a:solidFill>
+            </a:endParaRPr>
+          </a:p>
+        </p:txBody>
+      </p:sp>
+    </p:spTree>
+    <p:extLst>
+      <p:ext uri="{BB962C8B-B14F-4D97-AF65-F5344CB8AC3E}">
+        <p14:creationId xmlns:p14="http://schemas.microsoft.com/office/powerpoint/2010/main" val="3127653960"/>
+      </p:ext>
+    </p:extLst>
+  </p:cSld>
+  <p:clrMapOvr>
+    <a:masterClrMapping/>
+  </p:clrMapOvr>
+  <p:timing>
+    <p:tnLst>
+      <p:par>
+        <p:cTn id="1" dur="indefinite" restart="never" nodeType="tmRoot"/>
+      </p:par>
+    </p:tnLst>
+  </p:timing>
+</p:sld>
+</file>
+
+<file path=ppt/slides/slide31.xml><?xml version="1.0" encoding="utf-8"?>
+<p:sld xmlns:a="http://schemas.openxmlformats.org/drawingml/2006/main" xmlns:r="http://schemas.openxmlformats.org/officeDocument/2006/relationships" xmlns:p="http://schemas.openxmlformats.org/presentationml/2006/main">
+  <p:cSld>
+    <p:spTree>
+      <p:nvGrpSpPr>
+        <p:cNvPr id="1" name=""/>
+        <p:cNvGrpSpPr/>
+        <p:nvPr/>
+      </p:nvGrpSpPr>
+      <p:grpSpPr>
+        <a:xfrm>
+          <a:off x="0" y="0"/>
+          <a:ext cx="0" cy="0"/>
+          <a:chOff x="0" y="0"/>
+          <a:chExt cx="0" cy="0"/>
+        </a:xfrm>
+      </p:grpSpPr>
+      <p:sp>
+        <p:nvSpPr>
+          <p:cNvPr id="4" name="TextBox 3"/>
+          <p:cNvSpPr txBox="1"/>
+          <p:nvPr/>
+        </p:nvSpPr>
+        <p:spPr>
+          <a:xfrm>
+            <a:off x="611560" y="613176"/>
+            <a:ext cx="7776864" cy="1200329"/>
+          </a:xfrm>
+          <a:prstGeom prst="rect">
+            <a:avLst/>
+          </a:prstGeom>
+          <a:noFill/>
+        </p:spPr>
+        <p:txBody>
+          <a:bodyPr wrap="square" rtlCol="0">
+            <a:spAutoFit/>
+          </a:bodyPr>
+          <a:lstStyle/>
+          <a:p>
+            <a:pPr marL="342900" indent="-342900">
+              <a:buAutoNum type="arabicPeriod"/>
+            </a:pPr>
+            <a:r>
+              <a:rPr lang="zh-CN" altLang="en-US" dirty="0" smtClean="0"/>
+              <a:t>什么是</a:t>
+            </a:r>
+            <a:r>
+              <a:rPr lang="en-US" altLang="zh-CN" dirty="0" smtClean="0"/>
+              <a:t>NNAPI</a:t>
+            </a:r>
+            <a:r>
+              <a:rPr lang="zh-CN" altLang="en-US" dirty="0" smtClean="0"/>
+              <a:t>，优缺点，</a:t>
+            </a:r>
+            <a:r>
+              <a:rPr lang="en-US" altLang="zh-CN" dirty="0" err="1" smtClean="0"/>
+              <a:t>api</a:t>
+            </a:r>
+            <a:r>
+              <a:rPr lang="zh-CN" altLang="en-US" dirty="0" smtClean="0"/>
+              <a:t>，构建流程</a:t>
+            </a:r>
+            <a:endParaRPr lang="en-US" altLang="zh-CN" dirty="0" smtClean="0"/>
+          </a:p>
+          <a:p>
+            <a:pPr marL="342900" indent="-342900">
+              <a:buAutoNum type="arabicPeriod"/>
+            </a:pPr>
+            <a:r>
+              <a:rPr lang="zh-CN" altLang="en-US" dirty="0" smtClean="0"/>
+              <a:t>机器学习的基本模型</a:t>
+            </a:r>
+            <a:endParaRPr lang="en-US" altLang="zh-CN" dirty="0" smtClean="0"/>
+          </a:p>
+          <a:p>
+            <a:pPr marL="342900" indent="-342900">
+              <a:buFontTx/>
+              <a:buAutoNum type="arabicPeriod"/>
+            </a:pPr>
+            <a:r>
+              <a:rPr lang="zh-CN" altLang="en-US" dirty="0" smtClean="0"/>
+              <a:t>什么是</a:t>
+            </a:r>
+            <a:r>
+              <a:rPr lang="en-US" altLang="zh-CN" dirty="0" err="1" smtClean="0"/>
+              <a:t>tensorflow</a:t>
+            </a:r>
+            <a:r>
+              <a:rPr lang="en-US" altLang="zh-CN" dirty="0" smtClean="0"/>
+              <a:t> / </a:t>
+            </a:r>
+            <a:r>
+              <a:rPr lang="en-US" altLang="zh-CN" dirty="0" err="1" smtClean="0"/>
+              <a:t>tensorflow</a:t>
+            </a:r>
+            <a:r>
+              <a:rPr lang="en-US" altLang="zh-CN" dirty="0" smtClean="0"/>
+              <a:t> lite</a:t>
+            </a:r>
+          </a:p>
+          <a:p>
+            <a:pPr marL="342900" indent="-342900">
+              <a:buFontTx/>
+              <a:buAutoNum type="arabicPeriod"/>
+            </a:pPr>
+            <a:r>
+              <a:rPr lang="en-US" altLang="zh-CN" dirty="0" err="1" smtClean="0"/>
+              <a:t>TensorFlow</a:t>
+            </a:r>
+            <a:r>
+              <a:rPr lang="en-US" altLang="zh-CN" dirty="0" smtClean="0"/>
+              <a:t> </a:t>
+            </a:r>
+            <a:r>
+              <a:rPr lang="zh-CN" altLang="en-US" dirty="0" smtClean="0"/>
+              <a:t>与</a:t>
+            </a:r>
+            <a:r>
+              <a:rPr lang="en-US" altLang="zh-CN" dirty="0" smtClean="0"/>
+              <a:t>Android</a:t>
+            </a:r>
+            <a:r>
+              <a:rPr lang="zh-CN" altLang="en-US" dirty="0" smtClean="0"/>
+              <a:t>的如何结合</a:t>
+            </a:r>
+            <a:endParaRPr lang="en-US" altLang="zh-CN" dirty="0" smtClean="0"/>
+          </a:p>
+        </p:txBody>
+      </p:sp>
+    </p:spTree>
+    <p:extLst>
+      <p:ext uri="{BB962C8B-B14F-4D97-AF65-F5344CB8AC3E}">
+        <p14:creationId xmlns:p14="http://schemas.microsoft.com/office/powerpoint/2010/main" val="2116489087"/>
+      </p:ext>
+    </p:extLst>
+  </p:cSld>
+  <p:clrMapOvr>
+    <a:masterClrMapping/>
+  </p:clrMapOvr>
+  <p:timing>
+    <p:tnLst>
+      <p:par>
+        <p:cTn id="1" dur="indefinite" restart="never" nodeType="tmRoot"/>
+      </p:par>
+    </p:tnLst>
+  </p:timing>
+</p:sld>
+</file>
+
+<file path=ppt/slides/slide4.xml><?xml version="1.0" encoding="utf-8"?>
+<p:sld xmlns:a="http://schemas.openxmlformats.org/drawingml/2006/main" xmlns:r="http://schemas.openxmlformats.org/officeDocument/2006/relationships" xmlns:p="http://schemas.openxmlformats.org/presentationml/2006/main">
+  <p:cSld>
+    <p:spTree>
+      <p:nvGrpSpPr>
+        <p:cNvPr id="1" name=""/>
+        <p:cNvGrpSpPr/>
+        <p:nvPr/>
+      </p:nvGrpSpPr>
+      <p:grpSpPr>
+        <a:xfrm>
+          <a:off x="0" y="0"/>
+          <a:ext cx="0" cy="0"/>
+          <a:chOff x="0" y="0"/>
+          <a:chExt cx="0" cy="0"/>
+        </a:xfrm>
+      </p:grpSpPr>
+      <p:sp>
+        <p:nvSpPr>
+          <p:cNvPr id="9" name="矩形 8"/>
+          <p:cNvSpPr/>
+          <p:nvPr/>
+        </p:nvSpPr>
+        <p:spPr>
+          <a:xfrm>
+            <a:off x="0" y="0"/>
+            <a:ext cx="3419872" cy="6858000"/>
+          </a:xfrm>
+          <a:prstGeom prst="rect">
+            <a:avLst/>
+          </a:prstGeom>
+        </p:spPr>
+        <p:style>
+          <a:lnRef idx="2">
+            <a:schemeClr val="accent1">
+              <a:shade val="50000"/>
+            </a:schemeClr>
+          </a:lnRef>
+          <a:fillRef idx="1">
+            <a:schemeClr val="accent1"/>
+          </a:fillRef>
+          <a:effectRef idx="0">
+            <a:schemeClr val="accent1"/>
+          </a:effectRef>
+          <a:fontRef idx="minor">
+            <a:schemeClr val="lt1"/>
+          </a:fontRef>
+        </p:style>
+        <p:txBody>
+          <a:bodyPr rtlCol="0" anchor="ctr"/>
+          <a:lstStyle/>
+          <a:p>
+            <a:pPr algn="ctr"/>
+            <a:endParaRPr lang="zh-CN" altLang="en-US"/>
+          </a:p>
+        </p:txBody>
+      </p:sp>
+      <p:sp>
+        <p:nvSpPr>
+          <p:cNvPr id="14" name="TextBox 13"/>
+          <p:cNvSpPr txBox="1"/>
+          <p:nvPr/>
+        </p:nvSpPr>
+        <p:spPr>
+          <a:xfrm>
+            <a:off x="1063261" y="2833447"/>
+            <a:ext cx="1440160" cy="461665"/>
+          </a:xfrm>
+          <a:prstGeom prst="rect">
+            <a:avLst/>
+          </a:prstGeom>
+          <a:noFill/>
+        </p:spPr>
+        <p:txBody>
+          <a:bodyPr wrap="square" rtlCol="0">
+            <a:spAutoFit/>
+          </a:bodyPr>
+          <a:lstStyle/>
+          <a:p>
+            <a:r>
+              <a:rPr lang="en-US" altLang="zh-CN" sz="2400" b="1" dirty="0" smtClean="0">
+                <a:solidFill>
+                  <a:schemeClr val="bg1"/>
+                </a:solidFill>
+              </a:rPr>
+              <a:t>NNAPI</a:t>
+            </a:r>
+            <a:endParaRPr lang="zh-CN" altLang="en-US" sz="2400" b="1" dirty="0">
+              <a:solidFill>
+                <a:schemeClr val="bg1"/>
+              </a:solidFill>
+            </a:endParaRPr>
+          </a:p>
+        </p:txBody>
+      </p:sp>
+      <p:sp>
+        <p:nvSpPr>
+          <p:cNvPr id="15" name="TextBox 14"/>
+          <p:cNvSpPr txBox="1"/>
+          <p:nvPr/>
+        </p:nvSpPr>
+        <p:spPr>
+          <a:xfrm>
+            <a:off x="3851920" y="2132855"/>
+            <a:ext cx="4032448" cy="461665"/>
+          </a:xfrm>
+          <a:prstGeom prst="rect">
+            <a:avLst/>
+          </a:prstGeom>
+          <a:noFill/>
+        </p:spPr>
+        <p:txBody>
+          <a:bodyPr wrap="square" rtlCol="0">
+            <a:spAutoFit/>
+          </a:bodyPr>
+          <a:lstStyle/>
+          <a:p>
+            <a:pPr marL="285750" indent="-285750">
+              <a:buFont typeface="Wingdings" pitchFamily="2" charset="2"/>
+              <a:buChar char="l"/>
+            </a:pPr>
+            <a:r>
+              <a:rPr lang="en-US" altLang="zh-CN" sz="2400" b="1" dirty="0" smtClean="0">
+                <a:solidFill>
+                  <a:schemeClr val="accent1">
+                    <a:lumMod val="75000"/>
+                  </a:schemeClr>
+                </a:solidFill>
+              </a:rPr>
+              <a:t>NNAPI </a:t>
+            </a:r>
+            <a:r>
+              <a:rPr lang="zh-CN" altLang="en-US" sz="2400" b="1" dirty="0" smtClean="0">
+                <a:solidFill>
+                  <a:schemeClr val="accent1">
+                    <a:lumMod val="75000"/>
+                  </a:schemeClr>
+                </a:solidFill>
+              </a:rPr>
+              <a:t>简介</a:t>
+            </a:r>
+            <a:endParaRPr lang="zh-CN" altLang="en-US" sz="2400" b="1" dirty="0">
+              <a:solidFill>
+                <a:schemeClr val="accent1">
+                  <a:lumMod val="75000"/>
+                </a:schemeClr>
+              </a:solidFill>
+            </a:endParaRPr>
+          </a:p>
+        </p:txBody>
+      </p:sp>
+      <p:sp>
+        <p:nvSpPr>
+          <p:cNvPr id="5" name="TextBox 4"/>
+          <p:cNvSpPr txBox="1"/>
+          <p:nvPr/>
+        </p:nvSpPr>
+        <p:spPr>
+          <a:xfrm>
+            <a:off x="3864133" y="2833447"/>
+            <a:ext cx="4032448" cy="461665"/>
+          </a:xfrm>
+          <a:prstGeom prst="rect">
+            <a:avLst/>
+          </a:prstGeom>
+          <a:noFill/>
+        </p:spPr>
+        <p:txBody>
+          <a:bodyPr wrap="square" rtlCol="0">
+            <a:spAutoFit/>
+          </a:bodyPr>
+          <a:lstStyle/>
+          <a:p>
+            <a:pPr marL="285750" indent="-285750">
+              <a:buFont typeface="Wingdings" pitchFamily="2" charset="2"/>
+              <a:buChar char="l"/>
+            </a:pPr>
+            <a:r>
+              <a:rPr lang="en-US" altLang="zh-CN" sz="2400" b="1" dirty="0" smtClean="0">
+                <a:solidFill>
+                  <a:schemeClr val="accent1">
+                    <a:lumMod val="75000"/>
+                  </a:schemeClr>
+                </a:solidFill>
+              </a:rPr>
+              <a:t>NNAPI </a:t>
+            </a:r>
+            <a:r>
+              <a:rPr lang="zh-CN" altLang="en-US" sz="2400" b="1" dirty="0" smtClean="0">
+                <a:solidFill>
+                  <a:schemeClr val="accent1">
+                    <a:lumMod val="75000"/>
+                  </a:schemeClr>
+                </a:solidFill>
+              </a:rPr>
+              <a:t>使用</a:t>
+            </a:r>
+            <a:endParaRPr lang="zh-CN" altLang="en-US" sz="2400" b="1" dirty="0">
+              <a:solidFill>
+                <a:schemeClr val="accent1">
+                  <a:lumMod val="75000"/>
+                </a:schemeClr>
+              </a:solidFill>
+            </a:endParaRPr>
+          </a:p>
+        </p:txBody>
+      </p:sp>
+      <p:sp>
+        <p:nvSpPr>
+          <p:cNvPr id="7" name="TextBox 6"/>
+          <p:cNvSpPr txBox="1"/>
+          <p:nvPr/>
+        </p:nvSpPr>
+        <p:spPr>
+          <a:xfrm>
+            <a:off x="3864133" y="3481519"/>
+            <a:ext cx="4032448" cy="461665"/>
+          </a:xfrm>
+          <a:prstGeom prst="rect">
+            <a:avLst/>
+          </a:prstGeom>
+          <a:noFill/>
+        </p:spPr>
+        <p:txBody>
+          <a:bodyPr wrap="square" rtlCol="0">
+            <a:spAutoFit/>
+          </a:bodyPr>
+          <a:lstStyle/>
+          <a:p>
+            <a:pPr marL="285750" indent="-285750">
+              <a:buFont typeface="Wingdings" pitchFamily="2" charset="2"/>
+              <a:buChar char="l"/>
+            </a:pPr>
+            <a:r>
+              <a:rPr lang="en-US" altLang="zh-CN" sz="2400" b="1" dirty="0" smtClean="0">
+                <a:solidFill>
+                  <a:schemeClr val="accent1">
+                    <a:lumMod val="75000"/>
+                  </a:schemeClr>
+                </a:solidFill>
+              </a:rPr>
+              <a:t>Demo </a:t>
+            </a:r>
+            <a:r>
+              <a:rPr lang="zh-CN" altLang="en-US" sz="2400" b="1" dirty="0" smtClean="0">
+                <a:solidFill>
+                  <a:schemeClr val="accent1">
+                    <a:lumMod val="75000"/>
+                  </a:schemeClr>
+                </a:solidFill>
+              </a:rPr>
+              <a:t>介绍</a:t>
+            </a:r>
+            <a:endParaRPr lang="zh-CN" altLang="en-US" sz="2400" b="1" dirty="0">
+              <a:solidFill>
+                <a:schemeClr val="accent1">
+                  <a:lumMod val="75000"/>
+                </a:schemeClr>
+              </a:solidFill>
+            </a:endParaRPr>
+          </a:p>
+        </p:txBody>
+      </p:sp>
+    </p:spTree>
+    <p:extLst>
+      <p:ext uri="{BB962C8B-B14F-4D97-AF65-F5344CB8AC3E}">
+        <p14:creationId xmlns:p14="http://schemas.microsoft.com/office/powerpoint/2010/main" val="2098028776"/>
+      </p:ext>
+    </p:extLst>
+  </p:cSld>
+  <p:clrMapOvr>
+    <a:masterClrMapping/>
+  </p:clrMapOvr>
+  <p:timing>
+    <p:tnLst>
+      <p:par>
+        <p:cTn id="1" dur="indefinite" restart="never" nodeType="tmRoot"/>
+      </p:par>
+    </p:tnLst>
+  </p:timing>
+</p:sld>
+</file>
+
+<file path=ppt/slides/slide5.xml><?xml version="1.0" encoding="utf-8"?>
+<p:sld xmlns:a="http://schemas.openxmlformats.org/drawingml/2006/main" xmlns:r="http://schemas.openxmlformats.org/officeDocument/2006/relationships" xmlns:p="http://schemas.openxmlformats.org/presentationml/2006/main">
+  <p:cSld>
+    <p:spTree>
+      <p:nvGrpSpPr>
+        <p:cNvPr id="1" name=""/>
+        <p:cNvGrpSpPr/>
+        <p:nvPr/>
+      </p:nvGrpSpPr>
+      <p:grpSpPr>
+        <a:xfrm>
+          <a:off x="0" y="0"/>
+          <a:ext cx="0" cy="0"/>
+          <a:chOff x="0" y="0"/>
+          <a:chExt cx="0" cy="0"/>
+        </a:xfrm>
+      </p:grpSpPr>
+      <p:sp>
+        <p:nvSpPr>
+          <p:cNvPr id="4" name="矩形 3"/>
+          <p:cNvSpPr/>
+          <p:nvPr/>
+        </p:nvSpPr>
+        <p:spPr>
+          <a:xfrm>
+            <a:off x="611560" y="364523"/>
+            <a:ext cx="1619354" cy="369332"/>
+          </a:xfrm>
+          <a:prstGeom prst="rect">
+            <a:avLst/>
+          </a:prstGeom>
+        </p:spPr>
+        <p:txBody>
+          <a:bodyPr wrap="none">
+            <a:spAutoFit/>
+          </a:bodyPr>
+          <a:lstStyle/>
+          <a:p>
+            <a:pPr marL="285750" indent="-285750">
+              <a:buFont typeface="Wingdings" pitchFamily="2" charset="2"/>
+              <a:buChar char="Ø"/>
+            </a:pPr>
+            <a:r>
+              <a:rPr lang="en-US" altLang="zh-CN" b="1" dirty="0">
+                <a:solidFill>
+                  <a:schemeClr val="accent1">
+                    <a:lumMod val="75000"/>
+                  </a:schemeClr>
+                </a:solidFill>
+              </a:rPr>
+              <a:t>NNAPI </a:t>
+            </a:r>
+            <a:r>
+              <a:rPr lang="zh-CN" altLang="en-US" b="1" dirty="0" smtClean="0">
+                <a:solidFill>
+                  <a:schemeClr val="accent1">
+                    <a:lumMod val="75000"/>
+                  </a:schemeClr>
+                </a:solidFill>
+              </a:rPr>
+              <a:t>简介</a:t>
+            </a:r>
+            <a:endParaRPr lang="zh-CN" altLang="en-US" b="1" dirty="0">
+              <a:solidFill>
+                <a:schemeClr val="accent1">
+                  <a:lumMod val="75000"/>
+                </a:schemeClr>
+              </a:solidFill>
+            </a:endParaRPr>
+          </a:p>
+        </p:txBody>
+      </p:sp>
+      <p:sp>
+        <p:nvSpPr>
+          <p:cNvPr id="5" name="TextBox 4"/>
+          <p:cNvSpPr txBox="1"/>
+          <p:nvPr/>
+        </p:nvSpPr>
+        <p:spPr>
+          <a:xfrm>
+            <a:off x="613375" y="867089"/>
+            <a:ext cx="7878888" cy="461665"/>
+          </a:xfrm>
+          <a:prstGeom prst="rect">
+            <a:avLst/>
+          </a:prstGeom>
+          <a:noFill/>
+        </p:spPr>
+        <p:txBody>
+          <a:bodyPr wrap="square" rtlCol="0">
+            <a:spAutoFit/>
+          </a:bodyPr>
+          <a:lstStyle/>
+          <a:p>
+            <a:r>
+              <a:rPr lang="en-US" altLang="zh-CN" sz="2400" dirty="0" smtClean="0"/>
+              <a:t>Android Neural Networks API (NNAPI) </a:t>
+            </a:r>
+            <a:r>
+              <a:rPr lang="zh-CN" altLang="en-US" sz="2400" dirty="0" smtClean="0"/>
+              <a:t>是一个 </a:t>
+            </a:r>
+            <a:r>
+              <a:rPr lang="en-US" altLang="zh-CN" sz="2400" dirty="0" smtClean="0"/>
+              <a:t>Android C API</a:t>
+            </a:r>
+            <a:r>
+              <a:rPr lang="zh-CN" altLang="en-US" sz="2400" dirty="0" smtClean="0"/>
+              <a:t>。</a:t>
+            </a:r>
+            <a:endParaRPr lang="zh-CN" altLang="en-US" dirty="0"/>
+          </a:p>
+        </p:txBody>
+      </p:sp>
+      <p:pic>
+        <p:nvPicPr>
+          <p:cNvPr id="6" name="Picture 2"/>
+          <p:cNvPicPr>
+            <a:picLocks noChangeAspect="1" noChangeArrowheads="1"/>
+          </p:cNvPicPr>
+          <p:nvPr/>
+        </p:nvPicPr>
+        <p:blipFill>
+          <a:blip r:embed="rId2">
+            <a:extLst>
+              <a:ext uri="{28A0092B-C50C-407E-A947-70E740481C1C}">
+                <a14:useLocalDpi xmlns:a14="http://schemas.microsoft.com/office/drawing/2010/main" val="0"/>
+              </a:ext>
+            </a:extLst>
+          </a:blip>
+          <a:srcRect/>
+          <a:stretch>
+            <a:fillRect/>
+          </a:stretch>
+        </p:blipFill>
+        <p:spPr bwMode="auto">
+          <a:xfrm>
+            <a:off x="1429821" y="1484784"/>
+            <a:ext cx="5829300" cy="4933950"/>
+          </a:xfrm>
+          <a:prstGeom prst="rect">
+            <a:avLst/>
+          </a:prstGeom>
+          <a:noFill/>
+          <a:ln>
+            <a:noFill/>
+          </a:ln>
+          <a:effectLst/>
+          <a:extLst>
+            <a:ext uri="{909E8E84-426E-40DD-AFC4-6F175D3DCCD1}">
+              <a14:hiddenFill xmlns:a14="http://schemas.microsoft.com/office/drawing/2010/main">
+                <a:solidFill>
+                  <a:schemeClr val="accent1"/>
+                </a:solidFill>
+              </a14:hiddenFill>
+            </a:ext>
+            <a:ext uri="{91240B29-F687-4F45-9708-019B960494DF}">
+              <a14:hiddenLine xmlns:a14="http://schemas.microsoft.com/office/drawing/2010/main" w="9525">
+                <a:solidFill>
+                  <a:schemeClr val="tx1"/>
+                </a:solidFill>
+                <a:miter lim="800000"/>
+                <a:headEnd/>
+                <a:tailEnd/>
+              </a14:hiddenLine>
+            </a:ext>
+            <a:ext uri="{AF507438-7753-43E0-B8FC-AC1667EBCBE1}">
+              <a14:hiddenEffects xmlns:a14="http://schemas.microsoft.com/office/drawing/2010/main">
+                <a:effectLst>
+                  <a:outerShdw dist="35921" dir="2700000" algn="ctr" rotWithShape="0">
+                    <a:schemeClr val="bg2"/>
+                  </a:outerShdw>
+                </a:effectLst>
+              </a14:hiddenEffects>
+            </a:ext>
+          </a:extLst>
+        </p:spPr>
+      </p:pic>
+    </p:spTree>
+    <p:extLst>
+      <p:ext uri="{BB962C8B-B14F-4D97-AF65-F5344CB8AC3E}">
+        <p14:creationId xmlns:p14="http://schemas.microsoft.com/office/powerpoint/2010/main" val="1735393349"/>
+      </p:ext>
+    </p:extLst>
+  </p:cSld>
+  <p:clrMapOvr>
+    <a:masterClrMapping/>
+  </p:clrMapOvr>
+  <p:timing>
+    <p:tnLst>
+      <p:par>
+        <p:cTn id="1" dur="indefinite" restart="never" nodeType="tmRoot"/>
+      </p:par>
+    </p:tnLst>
+  </p:timing>
+</p:sld>
+</file>
+
+<file path=ppt/slides/slide6.xml><?xml version="1.0" encoding="utf-8"?>
+<p:sld xmlns:a="http://schemas.openxmlformats.org/drawingml/2006/main" xmlns:r="http://schemas.openxmlformats.org/officeDocument/2006/relationships" xmlns:p="http://schemas.openxmlformats.org/presentationml/2006/main">
+  <p:cSld>
+    <p:spTree>
+      <p:nvGrpSpPr>
+        <p:cNvPr id="1" name=""/>
+        <p:cNvGrpSpPr/>
+        <p:nvPr/>
+      </p:nvGrpSpPr>
+      <p:grpSpPr>
+        <a:xfrm>
+          <a:off x="0" y="0"/>
+          <a:ext cx="0" cy="0"/>
+          <a:chOff x="0" y="0"/>
+          <a:chExt cx="0" cy="0"/>
+        </a:xfrm>
+      </p:grpSpPr>
+      <p:sp>
+        <p:nvSpPr>
+          <p:cNvPr id="4" name="矩形 3"/>
+          <p:cNvSpPr/>
+          <p:nvPr/>
+        </p:nvSpPr>
+        <p:spPr>
+          <a:xfrm>
+            <a:off x="611560" y="364523"/>
+            <a:ext cx="1619354" cy="369332"/>
+          </a:xfrm>
+          <a:prstGeom prst="rect">
+            <a:avLst/>
+          </a:prstGeom>
+        </p:spPr>
+        <p:txBody>
+          <a:bodyPr wrap="none">
+            <a:spAutoFit/>
+          </a:bodyPr>
+          <a:lstStyle/>
+          <a:p>
+            <a:pPr marL="285750" indent="-285750">
+              <a:buFont typeface="Wingdings" pitchFamily="2" charset="2"/>
+              <a:buChar char="Ø"/>
+            </a:pPr>
+            <a:r>
+              <a:rPr lang="en-US" altLang="zh-CN" b="1" dirty="0">
+                <a:solidFill>
+                  <a:schemeClr val="accent1">
+                    <a:lumMod val="75000"/>
+                  </a:schemeClr>
+                </a:solidFill>
+              </a:rPr>
+              <a:t>NNAPI </a:t>
+            </a:r>
+            <a:r>
+              <a:rPr lang="zh-CN" altLang="en-US" b="1" dirty="0" smtClean="0">
+                <a:solidFill>
+                  <a:schemeClr val="accent1">
+                    <a:lumMod val="75000"/>
+                  </a:schemeClr>
+                </a:solidFill>
+              </a:rPr>
+              <a:t>使用</a:t>
+            </a:r>
+            <a:endParaRPr lang="zh-CN" altLang="en-US" b="1" dirty="0">
+              <a:solidFill>
+                <a:schemeClr val="accent1">
+                  <a:lumMod val="75000"/>
+                </a:schemeClr>
+              </a:solidFill>
+            </a:endParaRPr>
+          </a:p>
+        </p:txBody>
+      </p:sp>
+      <p:sp>
+        <p:nvSpPr>
+          <p:cNvPr id="2" name="圆角矩形 1"/>
+          <p:cNvSpPr/>
+          <p:nvPr/>
+        </p:nvSpPr>
+        <p:spPr>
+          <a:xfrm>
+            <a:off x="971600" y="2276872"/>
+            <a:ext cx="1440160" cy="936104"/>
+          </a:xfrm>
+          <a:prstGeom prst="roundRect">
+            <a:avLst/>
+          </a:prstGeom>
+          <a:solidFill>
+            <a:schemeClr val="tx2">
+              <a:lumMod val="20000"/>
+              <a:lumOff val="80000"/>
+            </a:schemeClr>
+          </a:solidFill>
+        </p:spPr>
+        <p:style>
+          <a:lnRef idx="2">
+            <a:schemeClr val="accent1">
+              <a:shade val="50000"/>
+            </a:schemeClr>
+          </a:lnRef>
+          <a:fillRef idx="1">
+            <a:schemeClr val="accent1"/>
+          </a:fillRef>
+          <a:effectRef idx="0">
+            <a:schemeClr val="accent1"/>
+          </a:effectRef>
+          <a:fontRef idx="minor">
+            <a:schemeClr val="lt1"/>
+          </a:fontRef>
+        </p:style>
+        <p:txBody>
+          <a:bodyPr rtlCol="0" anchor="ctr"/>
+          <a:lstStyle/>
+          <a:p>
+            <a:pPr algn="ctr"/>
+            <a:r>
+              <a:rPr lang="zh-CN" altLang="en-US" sz="2000" b="1" dirty="0" smtClean="0">
+                <a:solidFill>
+                  <a:schemeClr val="tx1"/>
+                </a:solidFill>
+              </a:rPr>
+              <a:t>建模</a:t>
+            </a:r>
+            <a:endParaRPr lang="zh-CN" altLang="en-US" sz="2000" b="1" dirty="0">
+              <a:solidFill>
+                <a:schemeClr val="tx1"/>
+              </a:solidFill>
+            </a:endParaRPr>
+          </a:p>
+        </p:txBody>
+      </p:sp>
+      <p:sp>
+        <p:nvSpPr>
+          <p:cNvPr id="8" name="圆角矩形 7"/>
+          <p:cNvSpPr/>
+          <p:nvPr/>
+        </p:nvSpPr>
+        <p:spPr>
+          <a:xfrm>
+            <a:off x="2771800" y="2276872"/>
+            <a:ext cx="1440160" cy="936104"/>
+          </a:xfrm>
+          <a:prstGeom prst="roundRect">
+            <a:avLst/>
+          </a:prstGeom>
+          <a:solidFill>
+            <a:schemeClr val="tx2">
+              <a:lumMod val="20000"/>
+              <a:lumOff val="80000"/>
+            </a:schemeClr>
+          </a:solidFill>
+        </p:spPr>
+        <p:style>
+          <a:lnRef idx="2">
+            <a:schemeClr val="accent1">
+              <a:shade val="50000"/>
+            </a:schemeClr>
+          </a:lnRef>
+          <a:fillRef idx="1">
+            <a:schemeClr val="accent1"/>
+          </a:fillRef>
+          <a:effectRef idx="0">
+            <a:schemeClr val="accent1"/>
+          </a:effectRef>
+          <a:fontRef idx="minor">
+            <a:schemeClr val="lt1"/>
+          </a:fontRef>
+        </p:style>
+        <p:txBody>
+          <a:bodyPr rtlCol="0" anchor="ctr"/>
+          <a:lstStyle/>
+          <a:p>
+            <a:pPr algn="ctr"/>
+            <a:r>
+              <a:rPr lang="zh-CN" altLang="en-US" sz="2000" b="1" dirty="0" smtClean="0">
+                <a:solidFill>
+                  <a:schemeClr val="tx1"/>
+                </a:solidFill>
+              </a:rPr>
+              <a:t>编译</a:t>
+            </a:r>
+            <a:endParaRPr lang="zh-CN" altLang="en-US" sz="2000" b="1" dirty="0">
+              <a:solidFill>
+                <a:schemeClr val="tx1"/>
+              </a:solidFill>
+            </a:endParaRPr>
+          </a:p>
+        </p:txBody>
+      </p:sp>
+      <p:sp>
+        <p:nvSpPr>
+          <p:cNvPr id="9" name="圆角矩形 8"/>
+          <p:cNvSpPr/>
+          <p:nvPr/>
+        </p:nvSpPr>
+        <p:spPr>
+          <a:xfrm>
+            <a:off x="4572000" y="2276872"/>
+            <a:ext cx="1440160" cy="936104"/>
+          </a:xfrm>
+          <a:prstGeom prst="roundRect">
+            <a:avLst/>
+          </a:prstGeom>
+          <a:solidFill>
+            <a:schemeClr val="tx2">
+              <a:lumMod val="20000"/>
+              <a:lumOff val="80000"/>
+            </a:schemeClr>
+          </a:solidFill>
+        </p:spPr>
+        <p:style>
+          <a:lnRef idx="2">
+            <a:schemeClr val="accent1">
+              <a:shade val="50000"/>
+            </a:schemeClr>
+          </a:lnRef>
+          <a:fillRef idx="1">
+            <a:schemeClr val="accent1"/>
+          </a:fillRef>
+          <a:effectRef idx="0">
+            <a:schemeClr val="accent1"/>
+          </a:effectRef>
+          <a:fontRef idx="minor">
+            <a:schemeClr val="lt1"/>
+          </a:fontRef>
+        </p:style>
+        <p:txBody>
+          <a:bodyPr rtlCol="0" anchor="ctr"/>
+          <a:lstStyle/>
+          <a:p>
+            <a:pPr algn="ctr"/>
+            <a:r>
+              <a:rPr lang="zh-CN" altLang="en-US" sz="2000" b="1" dirty="0" smtClean="0">
+                <a:solidFill>
+                  <a:schemeClr val="tx1"/>
+                </a:solidFill>
+              </a:rPr>
+              <a:t>执行</a:t>
+            </a:r>
+            <a:endParaRPr lang="zh-CN" altLang="en-US" sz="2000" b="1" dirty="0">
+              <a:solidFill>
+                <a:schemeClr val="tx1"/>
+              </a:solidFill>
+            </a:endParaRPr>
+          </a:p>
+        </p:txBody>
+      </p:sp>
+      <p:sp>
+        <p:nvSpPr>
+          <p:cNvPr id="10" name="圆角矩形 9"/>
+          <p:cNvSpPr/>
+          <p:nvPr/>
+        </p:nvSpPr>
+        <p:spPr>
+          <a:xfrm>
+            <a:off x="6372200" y="2291444"/>
+            <a:ext cx="1440160" cy="936104"/>
+          </a:xfrm>
+          <a:prstGeom prst="roundRect">
+            <a:avLst/>
+          </a:prstGeom>
+          <a:solidFill>
+            <a:schemeClr val="tx2">
+              <a:lumMod val="20000"/>
+              <a:lumOff val="80000"/>
+            </a:schemeClr>
+          </a:solidFill>
+        </p:spPr>
+        <p:style>
+          <a:lnRef idx="2">
+            <a:schemeClr val="accent1">
+              <a:shade val="50000"/>
+            </a:schemeClr>
+          </a:lnRef>
+          <a:fillRef idx="1">
+            <a:schemeClr val="accent1"/>
+          </a:fillRef>
+          <a:effectRef idx="0">
+            <a:schemeClr val="accent1"/>
+          </a:effectRef>
+          <a:fontRef idx="minor">
+            <a:schemeClr val="lt1"/>
+          </a:fontRef>
+        </p:style>
+        <p:txBody>
+          <a:bodyPr rtlCol="0" anchor="ctr"/>
+          <a:lstStyle/>
+          <a:p>
+            <a:pPr algn="ctr"/>
+            <a:r>
+              <a:rPr lang="zh-CN" altLang="en-US" sz="2000" b="1" dirty="0" smtClean="0">
+                <a:solidFill>
+                  <a:schemeClr val="tx1"/>
+                </a:solidFill>
+              </a:rPr>
+              <a:t>清理</a:t>
+            </a:r>
+            <a:endParaRPr lang="zh-CN" altLang="en-US" sz="2000" b="1" dirty="0">
+              <a:solidFill>
+                <a:schemeClr val="tx1"/>
+              </a:solidFill>
+            </a:endParaRPr>
+          </a:p>
+        </p:txBody>
+      </p:sp>
+      <p:cxnSp>
+        <p:nvCxnSpPr>
+          <p:cNvPr id="11" name="直接箭头连接符 10"/>
+          <p:cNvCxnSpPr>
+            <a:stCxn id="2" idx="3"/>
+            <a:endCxn id="8" idx="1"/>
+          </p:cNvCxnSpPr>
+          <p:nvPr/>
+        </p:nvCxnSpPr>
+        <p:spPr>
+          <a:xfrm>
+            <a:off x="2411760" y="2744924"/>
+            <a:ext cx="360040" cy="0"/>
+          </a:xfrm>
+          <a:prstGeom prst="straightConnector1">
+            <a:avLst/>
+          </a:prstGeom>
+          <a:ln w="38100">
+            <a:tailEnd type="arrow"/>
+          </a:ln>
+        </p:spPr>
+        <p:style>
+          <a:lnRef idx="1">
+            <a:schemeClr val="accent1"/>
+          </a:lnRef>
+          <a:fillRef idx="0">
+            <a:schemeClr val="accent1"/>
+          </a:fillRef>
+          <a:effectRef idx="0">
+            <a:schemeClr val="accent1"/>
+          </a:effectRef>
+          <a:fontRef idx="minor">
+            <a:schemeClr val="tx1"/>
+          </a:fontRef>
+        </p:style>
+      </p:cxnSp>
+      <p:cxnSp>
+        <p:nvCxnSpPr>
+          <p:cNvPr id="12" name="直接箭头连接符 11"/>
+          <p:cNvCxnSpPr/>
+          <p:nvPr/>
+        </p:nvCxnSpPr>
+        <p:spPr>
+          <a:xfrm>
+            <a:off x="4211960" y="2744924"/>
+            <a:ext cx="360040" cy="0"/>
+          </a:xfrm>
+          <a:prstGeom prst="straightConnector1">
+            <a:avLst/>
+          </a:prstGeom>
+          <a:ln w="38100">
+            <a:tailEnd type="arrow"/>
+          </a:ln>
+        </p:spPr>
+        <p:style>
+          <a:lnRef idx="1">
+            <a:schemeClr val="accent1"/>
+          </a:lnRef>
+          <a:fillRef idx="0">
+            <a:schemeClr val="accent1"/>
+          </a:fillRef>
+          <a:effectRef idx="0">
+            <a:schemeClr val="accent1"/>
+          </a:effectRef>
+          <a:fontRef idx="minor">
+            <a:schemeClr val="tx1"/>
+          </a:fontRef>
+        </p:style>
+      </p:cxnSp>
+      <p:cxnSp>
+        <p:nvCxnSpPr>
+          <p:cNvPr id="13" name="直接箭头连接符 12"/>
+          <p:cNvCxnSpPr/>
+          <p:nvPr/>
+        </p:nvCxnSpPr>
+        <p:spPr>
+          <a:xfrm>
+            <a:off x="6012160" y="2744924"/>
+            <a:ext cx="360040" cy="0"/>
+          </a:xfrm>
+          <a:prstGeom prst="straightConnector1">
+            <a:avLst/>
+          </a:prstGeom>
+          <a:ln w="38100">
+            <a:tailEnd type="arrow"/>
+          </a:ln>
+        </p:spPr>
+        <p:style>
+          <a:lnRef idx="1">
+            <a:schemeClr val="accent1"/>
+          </a:lnRef>
+          <a:fillRef idx="0">
+            <a:schemeClr val="accent1"/>
+          </a:fillRef>
+          <a:effectRef idx="0">
+            <a:schemeClr val="accent1"/>
+          </a:effectRef>
+          <a:fontRef idx="minor">
+            <a:schemeClr val="tx1"/>
+          </a:fontRef>
+        </p:style>
+      </p:cxnSp>
+    </p:spTree>
+    <p:extLst>
+      <p:ext uri="{BB962C8B-B14F-4D97-AF65-F5344CB8AC3E}">
+        <p14:creationId xmlns:p14="http://schemas.microsoft.com/office/powerpoint/2010/main" val="1711491064"/>
+      </p:ext>
+    </p:extLst>
+  </p:cSld>
+  <p:clrMapOvr>
+    <a:masterClrMapping/>
+  </p:clrMapOvr>
+  <p:timing>
+    <p:tnLst>
+      <p:par>
+        <p:cTn id="1" dur="indefinite" restart="never" nodeType="tmRoot"/>
+      </p:par>
+    </p:tnLst>
+  </p:timing>
+</p:sld>
+</file>
+
+<file path=ppt/slides/slide7.xml><?xml version="1.0" encoding="utf-8"?>
+<p:sld xmlns:a="http://schemas.openxmlformats.org/drawingml/2006/main" xmlns:r="http://schemas.openxmlformats.org/officeDocument/2006/relationships" xmlns:p="http://schemas.openxmlformats.org/presentationml/2006/main">
+  <p:cSld>
+    <p:spTree>
+      <p:nvGrpSpPr>
+        <p:cNvPr id="1" name=""/>
+        <p:cNvGrpSpPr/>
+        <p:nvPr/>
+      </p:nvGrpSpPr>
+      <p:grpSpPr>
+        <a:xfrm>
+          <a:off x="0" y="0"/>
+          <a:ext cx="0" cy="0"/>
+          <a:chOff x="0" y="0"/>
+          <a:chExt cx="0" cy="0"/>
+        </a:xfrm>
+      </p:grpSpPr>
+      <p:sp>
+        <p:nvSpPr>
+          <p:cNvPr id="4" name="矩形 3"/>
+          <p:cNvSpPr/>
+          <p:nvPr/>
+        </p:nvSpPr>
+        <p:spPr>
+          <a:xfrm>
+            <a:off x="611560" y="364523"/>
+            <a:ext cx="1619354" cy="369332"/>
+          </a:xfrm>
+          <a:prstGeom prst="rect">
+            <a:avLst/>
+          </a:prstGeom>
+        </p:spPr>
+        <p:txBody>
+          <a:bodyPr wrap="none">
+            <a:spAutoFit/>
+          </a:bodyPr>
+          <a:lstStyle/>
+          <a:p>
+            <a:pPr marL="285750" indent="-285750">
+              <a:buFont typeface="Wingdings" pitchFamily="2" charset="2"/>
+              <a:buChar char="Ø"/>
+            </a:pPr>
+            <a:r>
+              <a:rPr lang="en-US" altLang="zh-CN" b="1" dirty="0">
+                <a:solidFill>
+                  <a:schemeClr val="accent1">
+                    <a:lumMod val="75000"/>
+                  </a:schemeClr>
+                </a:solidFill>
+              </a:rPr>
+              <a:t>NNAPI </a:t>
+            </a:r>
+            <a:r>
+              <a:rPr lang="zh-CN" altLang="en-US" b="1" dirty="0" smtClean="0">
+                <a:solidFill>
+                  <a:schemeClr val="accent1">
+                    <a:lumMod val="75000"/>
+                  </a:schemeClr>
+                </a:solidFill>
+              </a:rPr>
+              <a:t>使用</a:t>
+            </a:r>
+            <a:endParaRPr lang="zh-CN" altLang="en-US" b="1" dirty="0">
+              <a:solidFill>
+                <a:schemeClr val="accent1">
+                  <a:lumMod val="75000"/>
+                </a:schemeClr>
+              </a:solidFill>
+            </a:endParaRPr>
+          </a:p>
+        </p:txBody>
+      </p:sp>
+      <p:pic>
+        <p:nvPicPr>
+          <p:cNvPr id="6148" name="Picture 4"/>
+          <p:cNvPicPr>
+            <a:picLocks noChangeAspect="1" noChangeArrowheads="1"/>
+          </p:cNvPicPr>
+          <p:nvPr/>
+        </p:nvPicPr>
+        <p:blipFill>
+          <a:blip r:embed="rId2">
+            <a:extLst>
+              <a:ext uri="{28A0092B-C50C-407E-A947-70E740481C1C}">
+                <a14:useLocalDpi xmlns:a14="http://schemas.microsoft.com/office/drawing/2010/main" val="0"/>
+              </a:ext>
+            </a:extLst>
+          </a:blip>
+          <a:srcRect/>
+          <a:stretch>
+            <a:fillRect/>
+          </a:stretch>
+        </p:blipFill>
+        <p:spPr bwMode="auto">
+          <a:xfrm>
+            <a:off x="1034299" y="899773"/>
+            <a:ext cx="5543550" cy="1676400"/>
+          </a:xfrm>
+          <a:prstGeom prst="rect">
+            <a:avLst/>
+          </a:prstGeom>
+          <a:noFill/>
+          <a:ln>
+            <a:noFill/>
+          </a:ln>
+          <a:effectLst/>
+          <a:extLst>
+            <a:ext uri="{909E8E84-426E-40DD-AFC4-6F175D3DCCD1}">
+              <a14:hiddenFill xmlns:a14="http://schemas.microsoft.com/office/drawing/2010/main">
+                <a:solidFill>
+                  <a:schemeClr val="accent1"/>
+                </a:solidFill>
+              </a14:hiddenFill>
+            </a:ext>
+            <a:ext uri="{91240B29-F687-4F45-9708-019B960494DF}">
+              <a14:hiddenLine xmlns:a14="http://schemas.microsoft.com/office/drawing/2010/main" w="9525">
+                <a:solidFill>
+                  <a:schemeClr val="tx1"/>
+                </a:solidFill>
+                <a:miter lim="800000"/>
+                <a:headEnd/>
+                <a:tailEnd/>
+              </a14:hiddenLine>
+            </a:ext>
+            <a:ext uri="{AF507438-7753-43E0-B8FC-AC1667EBCBE1}">
+              <a14:hiddenEffects xmlns:a14="http://schemas.microsoft.com/office/drawing/2010/main">
+                <a:effectLst>
+                  <a:outerShdw dist="35921" dir="2700000" algn="ctr" rotWithShape="0">
+                    <a:schemeClr val="bg2"/>
+                  </a:outerShdw>
+                </a:effectLst>
+              </a14:hiddenEffects>
+            </a:ext>
+          </a:extLst>
+        </p:spPr>
+      </p:pic>
+      <p:sp>
+        <p:nvSpPr>
+          <p:cNvPr id="2" name="矩形 1"/>
+          <p:cNvSpPr/>
+          <p:nvPr/>
+        </p:nvSpPr>
+        <p:spPr>
+          <a:xfrm>
+            <a:off x="1043608" y="3284984"/>
+            <a:ext cx="4572000" cy="2308324"/>
+          </a:xfrm>
+          <a:prstGeom prst="rect">
+            <a:avLst/>
+          </a:prstGeom>
+        </p:spPr>
+        <p:txBody>
+          <a:bodyPr>
+            <a:spAutoFit/>
+          </a:bodyPr>
+          <a:lstStyle/>
+          <a:p>
+            <a:r>
+              <a:rPr lang="en-US" altLang="zh-CN" dirty="0"/>
+              <a:t>NNAPI </a:t>
+            </a:r>
+            <a:r>
+              <a:rPr lang="zh-CN" altLang="en-US" dirty="0"/>
+              <a:t>支持的运算</a:t>
+            </a:r>
+            <a:r>
+              <a:rPr lang="en-US" altLang="zh-CN" dirty="0"/>
+              <a:t>:</a:t>
+            </a:r>
+          </a:p>
+          <a:p>
+            <a:r>
+              <a:rPr lang="en-US" altLang="zh-CN" dirty="0"/>
+              <a:t>ANEURALNETWORKS_ADD</a:t>
+            </a:r>
+          </a:p>
+          <a:p>
+            <a:r>
+              <a:rPr lang="en-US" altLang="zh-CN" dirty="0"/>
+              <a:t>ANEURALNETWORKS_MUL</a:t>
+            </a:r>
+          </a:p>
+          <a:p>
+            <a:r>
+              <a:rPr lang="en-US" altLang="zh-CN" dirty="0"/>
+              <a:t>ANEURALNETWORKS_DIV</a:t>
+            </a:r>
+          </a:p>
+          <a:p>
+            <a:r>
+              <a:rPr lang="en-US" altLang="zh-CN" dirty="0"/>
+              <a:t>ANEURALNETWORKS_RELU</a:t>
+            </a:r>
+          </a:p>
+          <a:p>
+            <a:r>
+              <a:rPr lang="en-US" altLang="zh-CN" dirty="0"/>
+              <a:t>ANEURALNETWORKS_AVERAGE_POOL_2D</a:t>
+            </a:r>
+          </a:p>
+          <a:p>
+            <a:r>
+              <a:rPr lang="en-US" altLang="zh-CN" dirty="0" smtClean="0"/>
+              <a:t>ANEURALNETWORKS_LOGISTIC</a:t>
+            </a:r>
+            <a:br>
+              <a:rPr lang="en-US" altLang="zh-CN" dirty="0" smtClean="0"/>
+            </a:br>
+            <a:r>
+              <a:rPr lang="en-US" altLang="zh-CN" dirty="0" smtClean="0"/>
+              <a:t>……</a:t>
+            </a:r>
+            <a:endParaRPr lang="zh-CN" altLang="en-US" dirty="0"/>
+          </a:p>
+        </p:txBody>
+      </p:sp>
+    </p:spTree>
+    <p:extLst>
+      <p:ext uri="{BB962C8B-B14F-4D97-AF65-F5344CB8AC3E}">
+        <p14:creationId xmlns:p14="http://schemas.microsoft.com/office/powerpoint/2010/main" val="1614772891"/>
+      </p:ext>
+    </p:extLst>
+  </p:cSld>
+  <p:clrMapOvr>
+    <a:masterClrMapping/>
+  </p:clrMapOvr>
+  <p:timing>
+    <p:tnLst>
+      <p:par>
+        <p:cTn id="1" dur="indefinite" restart="never" nodeType="tmRoot"/>
+      </p:par>
+    </p:tnLst>
+  </p:timing>
+</p:sld>
+</file>
+
+<file path=ppt/slides/slide8.xml><?xml version="1.0" encoding="utf-8"?>
+<p:sld xmlns:a="http://schemas.openxmlformats.org/drawingml/2006/main" xmlns:r="http://schemas.openxmlformats.org/officeDocument/2006/relationships" xmlns:p="http://schemas.openxmlformats.org/presentationml/2006/main">
+  <p:cSld>
+    <p:spTree>
+      <p:nvGrpSpPr>
+        <p:cNvPr id="1" name=""/>
+        <p:cNvGrpSpPr/>
+        <p:nvPr/>
+      </p:nvGrpSpPr>
+      <p:grpSpPr>
+        <a:xfrm>
+          <a:off x="0" y="0"/>
+          <a:ext cx="0" cy="0"/>
+          <a:chOff x="0" y="0"/>
+          <a:chExt cx="0" cy="0"/>
+        </a:xfrm>
+      </p:grpSpPr>
+      <p:sp>
+        <p:nvSpPr>
+          <p:cNvPr id="4" name="矩形 3"/>
+          <p:cNvSpPr/>
+          <p:nvPr/>
+        </p:nvSpPr>
+        <p:spPr>
+          <a:xfrm>
+            <a:off x="611560" y="364523"/>
+            <a:ext cx="1619354" cy="369332"/>
+          </a:xfrm>
+          <a:prstGeom prst="rect">
+            <a:avLst/>
+          </a:prstGeom>
+        </p:spPr>
+        <p:txBody>
+          <a:bodyPr wrap="none">
+            <a:spAutoFit/>
+          </a:bodyPr>
+          <a:lstStyle/>
+          <a:p>
+            <a:pPr marL="285750" indent="-285750">
+              <a:buFont typeface="Wingdings" pitchFamily="2" charset="2"/>
+              <a:buChar char="Ø"/>
+            </a:pPr>
+            <a:r>
+              <a:rPr lang="en-US" altLang="zh-CN" b="1" dirty="0">
+                <a:solidFill>
+                  <a:schemeClr val="accent1">
+                    <a:lumMod val="75000"/>
+                  </a:schemeClr>
+                </a:solidFill>
+              </a:rPr>
+              <a:t>NNAPI </a:t>
+            </a:r>
+            <a:r>
+              <a:rPr lang="zh-CN" altLang="en-US" b="1" dirty="0" smtClean="0">
+                <a:solidFill>
+                  <a:schemeClr val="accent1">
+                    <a:lumMod val="75000"/>
+                  </a:schemeClr>
+                </a:solidFill>
+              </a:rPr>
+              <a:t>使用</a:t>
+            </a:r>
+            <a:endParaRPr lang="zh-CN" altLang="en-US" b="1" dirty="0">
+              <a:solidFill>
+                <a:schemeClr val="accent1">
+                  <a:lumMod val="75000"/>
+                </a:schemeClr>
+              </a:solidFill>
+            </a:endParaRPr>
+          </a:p>
+        </p:txBody>
+      </p:sp>
+      <p:sp>
+        <p:nvSpPr>
+          <p:cNvPr id="5" name="圆角矩形 4"/>
+          <p:cNvSpPr/>
+          <p:nvPr/>
+        </p:nvSpPr>
+        <p:spPr>
+          <a:xfrm>
+            <a:off x="251520" y="1124744"/>
+            <a:ext cx="1440160" cy="936104"/>
+          </a:xfrm>
+          <a:prstGeom prst="roundRect">
+            <a:avLst/>
+          </a:prstGeom>
+          <a:solidFill>
+            <a:schemeClr val="tx2">
+              <a:lumMod val="20000"/>
+              <a:lumOff val="80000"/>
+            </a:schemeClr>
+          </a:solidFill>
+        </p:spPr>
+        <p:style>
+          <a:lnRef idx="2">
+            <a:schemeClr val="accent1">
+              <a:shade val="50000"/>
+            </a:schemeClr>
+          </a:lnRef>
+          <a:fillRef idx="1">
+            <a:schemeClr val="accent1"/>
+          </a:fillRef>
+          <a:effectRef idx="0">
+            <a:schemeClr val="accent1"/>
+          </a:effectRef>
+          <a:fontRef idx="minor">
+            <a:schemeClr val="lt1"/>
+          </a:fontRef>
+        </p:style>
+        <p:txBody>
+          <a:bodyPr rtlCol="0" anchor="ctr"/>
+          <a:lstStyle/>
+          <a:p>
+            <a:pPr algn="ctr"/>
+            <a:r>
+              <a:rPr lang="zh-CN" altLang="en-US" sz="2000" b="1" dirty="0" smtClean="0">
+                <a:solidFill>
+                  <a:schemeClr val="tx1"/>
+                </a:solidFill>
+              </a:rPr>
+              <a:t>创建模型</a:t>
+            </a:r>
+            <a:endParaRPr lang="zh-CN" altLang="en-US" sz="2000" b="1" dirty="0">
+              <a:solidFill>
+                <a:schemeClr val="tx1"/>
+              </a:solidFill>
+            </a:endParaRPr>
+          </a:p>
+        </p:txBody>
+      </p:sp>
+      <p:sp>
+        <p:nvSpPr>
+          <p:cNvPr id="6" name="圆角矩形 5"/>
+          <p:cNvSpPr/>
+          <p:nvPr/>
+        </p:nvSpPr>
+        <p:spPr>
+          <a:xfrm>
+            <a:off x="2051720" y="1124744"/>
+            <a:ext cx="1440160" cy="936104"/>
+          </a:xfrm>
+          <a:prstGeom prst="roundRect">
+            <a:avLst/>
+          </a:prstGeom>
+          <a:solidFill>
+            <a:schemeClr val="tx2">
+              <a:lumMod val="20000"/>
+              <a:lumOff val="80000"/>
+            </a:schemeClr>
+          </a:solidFill>
+        </p:spPr>
+        <p:style>
+          <a:lnRef idx="2">
+            <a:schemeClr val="accent1">
+              <a:shade val="50000"/>
+            </a:schemeClr>
+          </a:lnRef>
+          <a:fillRef idx="1">
+            <a:schemeClr val="accent1"/>
+          </a:fillRef>
+          <a:effectRef idx="0">
+            <a:schemeClr val="accent1"/>
+          </a:effectRef>
+          <a:fontRef idx="minor">
+            <a:schemeClr val="lt1"/>
+          </a:fontRef>
+        </p:style>
+        <p:txBody>
+          <a:bodyPr rtlCol="0" anchor="ctr"/>
+          <a:lstStyle/>
+          <a:p>
+            <a:pPr algn="ctr"/>
+            <a:r>
+              <a:rPr lang="zh-CN" altLang="en-US" sz="2000" b="1" dirty="0" smtClean="0">
+                <a:solidFill>
+                  <a:schemeClr val="tx1"/>
+                </a:solidFill>
+              </a:rPr>
+              <a:t>添加操作数</a:t>
+            </a:r>
+            <a:endParaRPr lang="zh-CN" altLang="en-US" sz="2000" b="1" dirty="0">
+              <a:solidFill>
+                <a:schemeClr val="tx1"/>
+              </a:solidFill>
+            </a:endParaRPr>
+          </a:p>
+        </p:txBody>
+      </p:sp>
+      <p:sp>
+        <p:nvSpPr>
+          <p:cNvPr id="7" name="圆角矩形 6"/>
+          <p:cNvSpPr/>
+          <p:nvPr/>
+        </p:nvSpPr>
+        <p:spPr>
+          <a:xfrm>
+            <a:off x="3851920" y="1124744"/>
+            <a:ext cx="1440160" cy="936104"/>
+          </a:xfrm>
+          <a:prstGeom prst="roundRect">
+            <a:avLst/>
+          </a:prstGeom>
+          <a:solidFill>
+            <a:schemeClr val="tx2">
+              <a:lumMod val="20000"/>
+              <a:lumOff val="80000"/>
+            </a:schemeClr>
+          </a:solidFill>
+        </p:spPr>
+        <p:style>
+          <a:lnRef idx="2">
+            <a:schemeClr val="accent1">
+              <a:shade val="50000"/>
+            </a:schemeClr>
+          </a:lnRef>
+          <a:fillRef idx="1">
+            <a:schemeClr val="accent1"/>
+          </a:fillRef>
+          <a:effectRef idx="0">
+            <a:schemeClr val="accent1"/>
+          </a:effectRef>
+          <a:fontRef idx="minor">
+            <a:schemeClr val="lt1"/>
+          </a:fontRef>
+        </p:style>
+        <p:txBody>
+          <a:bodyPr rtlCol="0" anchor="ctr"/>
+          <a:lstStyle/>
+          <a:p>
+            <a:pPr algn="ctr"/>
+            <a:r>
+              <a:rPr lang="zh-CN" altLang="en-US" sz="2000" b="1" dirty="0" smtClean="0">
+                <a:solidFill>
+                  <a:schemeClr val="tx1"/>
+                </a:solidFill>
+              </a:rPr>
+              <a:t>添加运算</a:t>
+            </a:r>
+            <a:endParaRPr lang="zh-CN" altLang="en-US" sz="2000" b="1" dirty="0">
+              <a:solidFill>
+                <a:schemeClr val="tx1"/>
+              </a:solidFill>
+            </a:endParaRPr>
+          </a:p>
+        </p:txBody>
+      </p:sp>
+      <p:sp>
+        <p:nvSpPr>
+          <p:cNvPr id="8" name="圆角矩形 7"/>
+          <p:cNvSpPr/>
+          <p:nvPr/>
+        </p:nvSpPr>
+        <p:spPr>
+          <a:xfrm>
+            <a:off x="5652120" y="1139316"/>
+            <a:ext cx="1440160" cy="936104"/>
+          </a:xfrm>
+          <a:prstGeom prst="roundRect">
+            <a:avLst/>
+          </a:prstGeom>
+          <a:solidFill>
+            <a:schemeClr val="tx2">
+              <a:lumMod val="20000"/>
+              <a:lumOff val="80000"/>
+            </a:schemeClr>
+          </a:solidFill>
+        </p:spPr>
+        <p:style>
+          <a:lnRef idx="2">
+            <a:schemeClr val="accent1">
+              <a:shade val="50000"/>
+            </a:schemeClr>
+          </a:lnRef>
+          <a:fillRef idx="1">
+            <a:schemeClr val="accent1"/>
+          </a:fillRef>
+          <a:effectRef idx="0">
+            <a:schemeClr val="accent1"/>
+          </a:effectRef>
+          <a:fontRef idx="minor">
+            <a:schemeClr val="lt1"/>
+          </a:fontRef>
+        </p:style>
+        <p:txBody>
+          <a:bodyPr rtlCol="0" anchor="ctr"/>
+          <a:lstStyle/>
+          <a:p>
+            <a:pPr algn="ctr"/>
+            <a:r>
+              <a:rPr lang="zh-CN" altLang="en-US" sz="2000" b="1" dirty="0" smtClean="0">
+                <a:solidFill>
+                  <a:schemeClr val="tx1"/>
+                </a:solidFill>
+              </a:rPr>
+              <a:t>设置输入</a:t>
+            </a:r>
+            <a:r>
+              <a:rPr lang="en-US" altLang="zh-CN" sz="2000" b="1" dirty="0" smtClean="0">
+                <a:solidFill>
+                  <a:schemeClr val="tx1"/>
+                </a:solidFill>
+              </a:rPr>
+              <a:t>/</a:t>
+            </a:r>
+            <a:r>
+              <a:rPr lang="zh-CN" altLang="en-US" sz="2000" b="1" dirty="0" smtClean="0">
+                <a:solidFill>
+                  <a:schemeClr val="tx1"/>
+                </a:solidFill>
+              </a:rPr>
+              <a:t>输出</a:t>
+            </a:r>
+            <a:endParaRPr lang="zh-CN" altLang="en-US" sz="2000" b="1" dirty="0">
+              <a:solidFill>
+                <a:schemeClr val="tx1"/>
+              </a:solidFill>
+            </a:endParaRPr>
+          </a:p>
+        </p:txBody>
+      </p:sp>
+      <p:cxnSp>
+        <p:nvCxnSpPr>
+          <p:cNvPr id="9" name="直接箭头连接符 8"/>
+          <p:cNvCxnSpPr>
+            <a:stCxn id="5" idx="3"/>
+            <a:endCxn id="6" idx="1"/>
+          </p:cNvCxnSpPr>
+          <p:nvPr/>
+        </p:nvCxnSpPr>
+        <p:spPr>
+          <a:xfrm>
+            <a:off x="1691680" y="1592796"/>
+            <a:ext cx="360040" cy="0"/>
+          </a:xfrm>
+          <a:prstGeom prst="straightConnector1">
+            <a:avLst/>
+          </a:prstGeom>
+          <a:ln w="38100">
+            <a:tailEnd type="arrow"/>
+          </a:ln>
+        </p:spPr>
+        <p:style>
+          <a:lnRef idx="1">
+            <a:schemeClr val="accent1"/>
+          </a:lnRef>
+          <a:fillRef idx="0">
+            <a:schemeClr val="accent1"/>
+          </a:fillRef>
+          <a:effectRef idx="0">
+            <a:schemeClr val="accent1"/>
+          </a:effectRef>
+          <a:fontRef idx="minor">
+            <a:schemeClr val="tx1"/>
+          </a:fontRef>
+        </p:style>
+      </p:cxnSp>
+      <p:cxnSp>
+        <p:nvCxnSpPr>
+          <p:cNvPr id="10" name="直接箭头连接符 9"/>
+          <p:cNvCxnSpPr/>
+          <p:nvPr/>
+        </p:nvCxnSpPr>
+        <p:spPr>
+          <a:xfrm>
+            <a:off x="3491880" y="1592796"/>
+            <a:ext cx="360040" cy="0"/>
+          </a:xfrm>
+          <a:prstGeom prst="straightConnector1">
+            <a:avLst/>
+          </a:prstGeom>
+          <a:ln w="38100">
+            <a:tailEnd type="arrow"/>
+          </a:ln>
+        </p:spPr>
+        <p:style>
+          <a:lnRef idx="1">
+            <a:schemeClr val="accent1"/>
+          </a:lnRef>
+          <a:fillRef idx="0">
+            <a:schemeClr val="accent1"/>
+          </a:fillRef>
+          <a:effectRef idx="0">
+            <a:schemeClr val="accent1"/>
+          </a:effectRef>
+          <a:fontRef idx="minor">
+            <a:schemeClr val="tx1"/>
+          </a:fontRef>
+        </p:style>
+      </p:cxnSp>
+      <p:cxnSp>
+        <p:nvCxnSpPr>
+          <p:cNvPr id="11" name="直接箭头连接符 10"/>
+          <p:cNvCxnSpPr/>
+          <p:nvPr/>
+        </p:nvCxnSpPr>
+        <p:spPr>
+          <a:xfrm>
+            <a:off x="7092280" y="1607368"/>
+            <a:ext cx="360040" cy="0"/>
+          </a:xfrm>
+          <a:prstGeom prst="straightConnector1">
+            <a:avLst/>
+          </a:prstGeom>
+          <a:ln w="38100">
+            <a:tailEnd type="arrow"/>
+          </a:ln>
+        </p:spPr>
+        <p:style>
+          <a:lnRef idx="1">
+            <a:schemeClr val="accent1"/>
+          </a:lnRef>
+          <a:fillRef idx="0">
+            <a:schemeClr val="accent1"/>
+          </a:fillRef>
+          <a:effectRef idx="0">
+            <a:schemeClr val="accent1"/>
+          </a:effectRef>
+          <a:fontRef idx="minor">
+            <a:schemeClr val="tx1"/>
+          </a:fontRef>
+        </p:style>
+      </p:cxnSp>
+      <p:sp>
+        <p:nvSpPr>
+          <p:cNvPr id="12" name="圆角矩形 11"/>
+          <p:cNvSpPr/>
+          <p:nvPr/>
+        </p:nvSpPr>
+        <p:spPr>
+          <a:xfrm>
+            <a:off x="7452320" y="1139316"/>
+            <a:ext cx="1440160" cy="936104"/>
+          </a:xfrm>
+          <a:prstGeom prst="roundRect">
+            <a:avLst/>
+          </a:prstGeom>
+          <a:solidFill>
+            <a:schemeClr val="tx2">
+              <a:lumMod val="20000"/>
+              <a:lumOff val="80000"/>
+            </a:schemeClr>
+          </a:solidFill>
+        </p:spPr>
+        <p:style>
+          <a:lnRef idx="2">
+            <a:schemeClr val="accent1">
+              <a:shade val="50000"/>
+            </a:schemeClr>
+          </a:lnRef>
+          <a:fillRef idx="1">
+            <a:schemeClr val="accent1"/>
+          </a:fillRef>
+          <a:effectRef idx="0">
+            <a:schemeClr val="accent1"/>
+          </a:effectRef>
+          <a:fontRef idx="minor">
+            <a:schemeClr val="lt1"/>
+          </a:fontRef>
+        </p:style>
+        <p:txBody>
+          <a:bodyPr rtlCol="0" anchor="ctr"/>
+          <a:lstStyle/>
+          <a:p>
+            <a:pPr algn="ctr"/>
+            <a:r>
+              <a:rPr lang="zh-CN" altLang="en-US" sz="2000" b="1" dirty="0" smtClean="0">
+                <a:solidFill>
+                  <a:schemeClr val="tx1"/>
+                </a:solidFill>
+              </a:rPr>
+              <a:t>确定模型</a:t>
+            </a:r>
+            <a:endParaRPr lang="zh-CN" altLang="en-US" sz="2000" b="1" dirty="0">
+              <a:solidFill>
+                <a:schemeClr val="tx1"/>
+              </a:solidFill>
+            </a:endParaRPr>
+          </a:p>
+        </p:txBody>
+      </p:sp>
+      <p:cxnSp>
+        <p:nvCxnSpPr>
+          <p:cNvPr id="13" name="直接箭头连接符 12"/>
+          <p:cNvCxnSpPr/>
+          <p:nvPr/>
+        </p:nvCxnSpPr>
+        <p:spPr>
+          <a:xfrm>
+            <a:off x="5292080" y="1607368"/>
+            <a:ext cx="360040" cy="0"/>
+          </a:xfrm>
+          <a:prstGeom prst="straightConnector1">
+            <a:avLst/>
+          </a:prstGeom>
+          <a:ln w="38100">
+            <a:tailEnd type="arrow"/>
+          </a:ln>
+        </p:spPr>
+        <p:style>
+          <a:lnRef idx="1">
+            <a:schemeClr val="accent1"/>
+          </a:lnRef>
+          <a:fillRef idx="0">
+            <a:schemeClr val="accent1"/>
+          </a:fillRef>
+          <a:effectRef idx="0">
+            <a:schemeClr val="accent1"/>
+          </a:effectRef>
+          <a:fontRef idx="minor">
+            <a:schemeClr val="tx1"/>
+          </a:fontRef>
+        </p:style>
+      </p:cxnSp>
+      <p:sp>
+        <p:nvSpPr>
+          <p:cNvPr id="3" name="TextBox 2"/>
+          <p:cNvSpPr txBox="1"/>
+          <p:nvPr/>
+        </p:nvSpPr>
+        <p:spPr>
+          <a:xfrm>
+            <a:off x="376917" y="2492895"/>
+            <a:ext cx="8280920" cy="2308324"/>
+          </a:xfrm>
+          <a:prstGeom prst="rect">
+            <a:avLst/>
+          </a:prstGeom>
+          <a:noFill/>
+        </p:spPr>
+        <p:txBody>
+          <a:bodyPr wrap="square" rtlCol="0">
+            <a:spAutoFit/>
+          </a:bodyPr>
+          <a:lstStyle/>
+          <a:p>
+            <a:pPr marL="285750" indent="-285750">
+              <a:buFont typeface="Wingdings" pitchFamily="2" charset="2"/>
+              <a:buChar char="l"/>
+            </a:pPr>
+            <a:r>
+              <a:rPr lang="en-US" altLang="zh-CN" dirty="0" err="1" smtClean="0"/>
+              <a:t>ANeuralNetworksModel_create</a:t>
+            </a:r>
+            <a:endParaRPr lang="en-US" altLang="zh-CN" dirty="0" smtClean="0"/>
+          </a:p>
+          <a:p>
+            <a:pPr marL="285750" indent="-285750">
+              <a:buFont typeface="Wingdings" pitchFamily="2" charset="2"/>
+              <a:buChar char="l"/>
+            </a:pPr>
+            <a:r>
+              <a:rPr lang="en-US" altLang="zh-CN" dirty="0" err="1" smtClean="0"/>
+              <a:t>ANeuralNetworksModel_addOperand</a:t>
+            </a:r>
+            <a:r>
+              <a:rPr lang="en-US" altLang="zh-CN" dirty="0"/>
+              <a:t/>
+            </a:r>
+            <a:br>
+              <a:rPr lang="en-US" altLang="zh-CN" dirty="0"/>
+            </a:br>
+            <a:r>
+              <a:rPr lang="en-US" altLang="zh-CN" dirty="0" err="1" smtClean="0"/>
+              <a:t>ANeuralNetworksModel_setOperandValue</a:t>
+            </a:r>
+            <a:r>
+              <a:rPr lang="en-US" altLang="zh-CN" dirty="0"/>
+              <a:t/>
+            </a:r>
+            <a:br>
+              <a:rPr lang="en-US" altLang="zh-CN" dirty="0"/>
+            </a:br>
+            <a:r>
+              <a:rPr lang="en-US" altLang="zh-CN" dirty="0" err="1" smtClean="0"/>
+              <a:t>ANeuralNetworksModel_setOperandValueFromMemory</a:t>
+            </a:r>
+            <a:r>
+              <a:rPr lang="en-US" altLang="zh-CN" dirty="0"/>
+              <a:t/>
+            </a:r>
+            <a:br>
+              <a:rPr lang="en-US" altLang="zh-CN" dirty="0"/>
+            </a:br>
+            <a:r>
+              <a:rPr lang="en-US" altLang="zh-CN" dirty="0" err="1" smtClean="0"/>
+              <a:t>ANeuralNetworksOperandType</a:t>
+            </a:r>
+            <a:endParaRPr lang="en-US" altLang="zh-CN" dirty="0" smtClean="0"/>
+          </a:p>
+          <a:p>
+            <a:pPr marL="285750" indent="-285750">
+              <a:buFont typeface="Wingdings" pitchFamily="2" charset="2"/>
+              <a:buChar char="l"/>
+            </a:pPr>
+            <a:r>
+              <a:rPr lang="en-US" altLang="zh-CN" dirty="0" err="1" smtClean="0"/>
+              <a:t>ANeuralNetworksModel_addOperation</a:t>
+            </a:r>
+            <a:endParaRPr lang="en-US" altLang="zh-CN" dirty="0" smtClean="0"/>
+          </a:p>
+          <a:p>
+            <a:pPr marL="285750" indent="-285750">
+              <a:buFont typeface="Wingdings" pitchFamily="2" charset="2"/>
+              <a:buChar char="l"/>
+            </a:pPr>
+            <a:r>
+              <a:rPr lang="en-US" altLang="zh-CN" dirty="0" err="1" smtClean="0"/>
+              <a:t>ANeuralNetworksModel_identifyInputsAndOutputs</a:t>
+            </a:r>
+            <a:endParaRPr lang="en-US" altLang="zh-CN" dirty="0" smtClean="0"/>
+          </a:p>
+          <a:p>
+            <a:pPr marL="285750" indent="-285750">
+              <a:buFont typeface="Wingdings" pitchFamily="2" charset="2"/>
+              <a:buChar char="l"/>
+            </a:pPr>
+            <a:r>
+              <a:rPr lang="en-US" altLang="zh-CN" dirty="0" err="1" smtClean="0"/>
+              <a:t>ANeuralNetworksModel_finish</a:t>
+            </a:r>
+            <a:endParaRPr lang="zh-CN" altLang="en-US" dirty="0"/>
+          </a:p>
+        </p:txBody>
+      </p:sp>
+    </p:spTree>
+    <p:extLst>
+      <p:ext uri="{BB962C8B-B14F-4D97-AF65-F5344CB8AC3E}">
+        <p14:creationId xmlns:p14="http://schemas.microsoft.com/office/powerpoint/2010/main" val="80043568"/>
+      </p:ext>
+    </p:extLst>
+  </p:cSld>
+  <p:clrMapOvr>
+    <a:masterClrMapping/>
+  </p:clrMapOvr>
+  <p:timing>
+    <p:tnLst>
+      <p:par>
+        <p:cTn id="1" dur="indefinite" restart="never" nodeType="tmRoot"/>
+      </p:par>
+    </p:tnLst>
+  </p:timing>
+</p:sld>
+</file>
+
+<file path=ppt/slides/slide9.xml><?xml version="1.0" encoding="utf-8"?>
+<p:sld xmlns:a="http://schemas.openxmlformats.org/drawingml/2006/main" xmlns:r="http://schemas.openxmlformats.org/officeDocument/2006/relationships" xmlns:p="http://schemas.openxmlformats.org/presentationml/2006/main">
+  <p:cSld>
+    <p:spTree>
+      <p:nvGrpSpPr>
+        <p:cNvPr id="1" name=""/>
+        <p:cNvGrpSpPr/>
+        <p:nvPr/>
+      </p:nvGrpSpPr>
+      <p:grpSpPr>
+        <a:xfrm>
+          <a:off x="0" y="0"/>
+          <a:ext cx="0" cy="0"/>
+          <a:chOff x="0" y="0"/>
+          <a:chExt cx="0" cy="0"/>
+        </a:xfrm>
+      </p:grpSpPr>
+      <p:sp>
+        <p:nvSpPr>
+          <p:cNvPr id="4" name="矩形 3"/>
+          <p:cNvSpPr/>
+          <p:nvPr/>
+        </p:nvSpPr>
+        <p:spPr>
+          <a:xfrm>
+            <a:off x="611560" y="364523"/>
+            <a:ext cx="1619354" cy="369332"/>
+          </a:xfrm>
+          <a:prstGeom prst="rect">
+            <a:avLst/>
+          </a:prstGeom>
+        </p:spPr>
+        <p:txBody>
+          <a:bodyPr wrap="none">
+            <a:spAutoFit/>
+          </a:bodyPr>
+          <a:lstStyle/>
+          <a:p>
+            <a:pPr marL="285750" indent="-285750">
+              <a:buFont typeface="Wingdings" pitchFamily="2" charset="2"/>
+              <a:buChar char="Ø"/>
+            </a:pPr>
+            <a:r>
+              <a:rPr lang="en-US" altLang="zh-CN" b="1" dirty="0">
+                <a:solidFill>
+                  <a:schemeClr val="accent1">
+                    <a:lumMod val="75000"/>
+                  </a:schemeClr>
+                </a:solidFill>
+              </a:rPr>
+              <a:t>NNAPI </a:t>
+            </a:r>
+            <a:r>
+              <a:rPr lang="zh-CN" altLang="en-US" b="1" dirty="0" smtClean="0">
+                <a:solidFill>
+                  <a:schemeClr val="accent1">
+                    <a:lumMod val="75000"/>
+                  </a:schemeClr>
+                </a:solidFill>
+              </a:rPr>
+              <a:t>使用</a:t>
+            </a:r>
+            <a:endParaRPr lang="zh-CN" altLang="en-US" b="1" dirty="0">
+              <a:solidFill>
+                <a:schemeClr val="accent1">
+                  <a:lumMod val="75000"/>
+                </a:schemeClr>
+              </a:solidFill>
+            </a:endParaRPr>
+          </a:p>
+        </p:txBody>
+      </p:sp>
+      <p:sp>
+        <p:nvSpPr>
+          <p:cNvPr id="5" name="圆角矩形 4"/>
+          <p:cNvSpPr/>
+          <p:nvPr/>
+        </p:nvSpPr>
+        <p:spPr>
+          <a:xfrm>
+            <a:off x="1547664" y="1202741"/>
+            <a:ext cx="1440160" cy="936104"/>
+          </a:xfrm>
+          <a:prstGeom prst="roundRect">
+            <a:avLst/>
+          </a:prstGeom>
+          <a:solidFill>
+            <a:schemeClr val="tx2">
+              <a:lumMod val="20000"/>
+              <a:lumOff val="80000"/>
+            </a:schemeClr>
+          </a:solidFill>
+        </p:spPr>
+        <p:style>
+          <a:lnRef idx="2">
+            <a:schemeClr val="accent1">
+              <a:shade val="50000"/>
+            </a:schemeClr>
+          </a:lnRef>
+          <a:fillRef idx="1">
+            <a:schemeClr val="accent1"/>
+          </a:fillRef>
+          <a:effectRef idx="0">
+            <a:schemeClr val="accent1"/>
+          </a:effectRef>
+          <a:fontRef idx="minor">
+            <a:schemeClr val="lt1"/>
+          </a:fontRef>
+        </p:style>
+        <p:txBody>
+          <a:bodyPr rtlCol="0" anchor="ctr"/>
+          <a:lstStyle/>
+          <a:p>
+            <a:pPr algn="ctr"/>
+            <a:r>
+              <a:rPr lang="zh-CN" altLang="en-US" sz="2000" b="1" dirty="0" smtClean="0">
+                <a:solidFill>
+                  <a:schemeClr val="tx1"/>
+                </a:solidFill>
+              </a:rPr>
+              <a:t>创建编译实例</a:t>
+            </a:r>
+            <a:endParaRPr lang="zh-CN" altLang="en-US" sz="2000" b="1" dirty="0">
+              <a:solidFill>
+                <a:schemeClr val="tx1"/>
+              </a:solidFill>
+            </a:endParaRPr>
+          </a:p>
+        </p:txBody>
+      </p:sp>
+      <p:sp>
+        <p:nvSpPr>
+          <p:cNvPr id="6" name="圆角矩形 5"/>
+          <p:cNvSpPr/>
+          <p:nvPr/>
+        </p:nvSpPr>
+        <p:spPr>
+          <a:xfrm>
+            <a:off x="3347864" y="1202741"/>
+            <a:ext cx="2016224" cy="936104"/>
+          </a:xfrm>
+          <a:prstGeom prst="roundRect">
+            <a:avLst/>
+          </a:prstGeom>
+          <a:solidFill>
+            <a:schemeClr val="tx2">
+              <a:lumMod val="20000"/>
+              <a:lumOff val="80000"/>
+            </a:schemeClr>
+          </a:solidFill>
+        </p:spPr>
+        <p:style>
+          <a:lnRef idx="2">
+            <a:schemeClr val="accent1">
+              <a:shade val="50000"/>
+            </a:schemeClr>
+          </a:lnRef>
+          <a:fillRef idx="1">
+            <a:schemeClr val="accent1"/>
+          </a:fillRef>
+          <a:effectRef idx="0">
+            <a:schemeClr val="accent1"/>
+          </a:effectRef>
+          <a:fontRef idx="minor">
+            <a:schemeClr val="lt1"/>
+          </a:fontRef>
+        </p:style>
+        <p:txBody>
+          <a:bodyPr rtlCol="0" anchor="ctr"/>
+          <a:lstStyle/>
+          <a:p>
+            <a:pPr algn="ctr"/>
+            <a:r>
+              <a:rPr lang="zh-CN" altLang="en-US" sz="2000" b="1" dirty="0" smtClean="0">
+                <a:solidFill>
+                  <a:schemeClr val="tx1"/>
+                </a:solidFill>
+              </a:rPr>
+              <a:t>设置性能</a:t>
+            </a:r>
+            <a:r>
+              <a:rPr lang="en-US" altLang="zh-CN" sz="2000" b="1" dirty="0" smtClean="0">
+                <a:solidFill>
+                  <a:schemeClr val="tx1"/>
+                </a:solidFill>
+              </a:rPr>
+              <a:t>&amp;</a:t>
+            </a:r>
+            <a:r>
+              <a:rPr lang="zh-CN" altLang="en-US" sz="2000" b="1" dirty="0" smtClean="0">
+                <a:solidFill>
+                  <a:schemeClr val="tx1"/>
+                </a:solidFill>
+              </a:rPr>
+              <a:t>功耗的平衡参数</a:t>
+            </a:r>
+            <a:endParaRPr lang="zh-CN" altLang="en-US" sz="2000" b="1" dirty="0">
+              <a:solidFill>
+                <a:schemeClr val="tx1"/>
+              </a:solidFill>
+            </a:endParaRPr>
+          </a:p>
+        </p:txBody>
+      </p:sp>
+      <p:sp>
+        <p:nvSpPr>
+          <p:cNvPr id="7" name="圆角矩形 6"/>
+          <p:cNvSpPr/>
+          <p:nvPr/>
+        </p:nvSpPr>
+        <p:spPr>
+          <a:xfrm>
+            <a:off x="5755140" y="1202741"/>
+            <a:ext cx="1913203" cy="936104"/>
+          </a:xfrm>
+          <a:prstGeom prst="roundRect">
+            <a:avLst/>
+          </a:prstGeom>
+          <a:solidFill>
+            <a:schemeClr val="tx2">
+              <a:lumMod val="20000"/>
+              <a:lumOff val="80000"/>
+            </a:schemeClr>
+          </a:solidFill>
+        </p:spPr>
+        <p:style>
+          <a:lnRef idx="2">
+            <a:schemeClr val="accent1">
+              <a:shade val="50000"/>
+            </a:schemeClr>
+          </a:lnRef>
+          <a:fillRef idx="1">
+            <a:schemeClr val="accent1"/>
+          </a:fillRef>
+          <a:effectRef idx="0">
+            <a:schemeClr val="accent1"/>
+          </a:effectRef>
+          <a:fontRef idx="minor">
+            <a:schemeClr val="lt1"/>
+          </a:fontRef>
+        </p:style>
+        <p:txBody>
+          <a:bodyPr rtlCol="0" anchor="ctr"/>
+          <a:lstStyle/>
+          <a:p>
+            <a:pPr algn="ctr"/>
+            <a:r>
+              <a:rPr lang="zh-CN" altLang="en-US" sz="2000" b="1" dirty="0" smtClean="0">
+                <a:solidFill>
+                  <a:schemeClr val="tx1"/>
+                </a:solidFill>
+              </a:rPr>
+              <a:t>确定编译实例设置完毕</a:t>
+            </a:r>
+            <a:endParaRPr lang="zh-CN" altLang="en-US" sz="2000" b="1" dirty="0">
+              <a:solidFill>
+                <a:schemeClr val="tx1"/>
+              </a:solidFill>
+            </a:endParaRPr>
+          </a:p>
+        </p:txBody>
+      </p:sp>
+      <p:cxnSp>
+        <p:nvCxnSpPr>
+          <p:cNvPr id="9" name="直接箭头连接符 8"/>
+          <p:cNvCxnSpPr>
+            <a:stCxn id="5" idx="3"/>
+            <a:endCxn id="6" idx="1"/>
+          </p:cNvCxnSpPr>
+          <p:nvPr/>
+        </p:nvCxnSpPr>
+        <p:spPr>
+          <a:xfrm>
+            <a:off x="2987824" y="1670793"/>
+            <a:ext cx="360040" cy="0"/>
+          </a:xfrm>
+          <a:prstGeom prst="straightConnector1">
+            <a:avLst/>
+          </a:prstGeom>
+          <a:ln w="38100">
+            <a:tailEnd type="arrow"/>
+          </a:ln>
+        </p:spPr>
+        <p:style>
+          <a:lnRef idx="1">
+            <a:schemeClr val="accent1"/>
+          </a:lnRef>
+          <a:fillRef idx="0">
+            <a:schemeClr val="accent1"/>
+          </a:fillRef>
+          <a:effectRef idx="0">
+            <a:schemeClr val="accent1"/>
+          </a:effectRef>
+          <a:fontRef idx="minor">
+            <a:schemeClr val="tx1"/>
+          </a:fontRef>
+        </p:style>
+      </p:cxnSp>
+      <p:cxnSp>
+        <p:nvCxnSpPr>
+          <p:cNvPr id="10" name="直接箭头连接符 9"/>
+          <p:cNvCxnSpPr/>
+          <p:nvPr/>
+        </p:nvCxnSpPr>
+        <p:spPr>
+          <a:xfrm>
+            <a:off x="5364088" y="1670793"/>
+            <a:ext cx="360040" cy="0"/>
+          </a:xfrm>
+          <a:prstGeom prst="straightConnector1">
+            <a:avLst/>
+          </a:prstGeom>
+          <a:ln w="38100">
+            <a:tailEnd type="arrow"/>
+          </a:ln>
+        </p:spPr>
+        <p:style>
+          <a:lnRef idx="1">
+            <a:schemeClr val="accent1"/>
+          </a:lnRef>
+          <a:fillRef idx="0">
+            <a:schemeClr val="accent1"/>
+          </a:fillRef>
+          <a:effectRef idx="0">
+            <a:schemeClr val="accent1"/>
+          </a:effectRef>
+          <a:fontRef idx="minor">
+            <a:schemeClr val="tx1"/>
+          </a:fontRef>
+        </p:style>
+      </p:cxnSp>
+      <p:sp>
+        <p:nvSpPr>
+          <p:cNvPr id="3" name="TextBox 2"/>
+          <p:cNvSpPr txBox="1"/>
+          <p:nvPr/>
+        </p:nvSpPr>
+        <p:spPr>
+          <a:xfrm>
+            <a:off x="611560" y="2519316"/>
+            <a:ext cx="7560840" cy="1754326"/>
+          </a:xfrm>
+          <a:prstGeom prst="rect">
+            <a:avLst/>
+          </a:prstGeom>
+          <a:noFill/>
+        </p:spPr>
+        <p:txBody>
+          <a:bodyPr wrap="square" rtlCol="0">
+            <a:spAutoFit/>
+          </a:bodyPr>
+          <a:lstStyle/>
+          <a:p>
+            <a:pPr marL="285750" indent="-285750">
+              <a:buFont typeface="Wingdings" pitchFamily="2" charset="2"/>
+              <a:buChar char="l"/>
+            </a:pPr>
+            <a:r>
+              <a:rPr lang="en-US" altLang="zh-CN" dirty="0" err="1" smtClean="0"/>
+              <a:t>ANeuralNetworksCompilation_create</a:t>
+            </a:r>
+            <a:endParaRPr lang="en-US" altLang="zh-CN" dirty="0" smtClean="0"/>
+          </a:p>
+          <a:p>
+            <a:pPr marL="285750" indent="-285750">
+              <a:buFont typeface="Wingdings" pitchFamily="2" charset="2"/>
+              <a:buChar char="l"/>
+            </a:pPr>
+            <a:r>
+              <a:rPr lang="en-US" altLang="zh-CN" dirty="0" err="1" smtClean="0"/>
+              <a:t>ANeuralNetworksCompilation_setPreference</a:t>
+            </a:r>
+            <a:r>
+              <a:rPr lang="en-US" altLang="zh-CN" dirty="0"/>
+              <a:t/>
+            </a:r>
+            <a:br>
+              <a:rPr lang="en-US" altLang="zh-CN" dirty="0"/>
+            </a:br>
+            <a:r>
+              <a:rPr lang="en-US" altLang="zh-CN" dirty="0"/>
+              <a:t>ANEURALNETWORKS_PREFER_LOW_POWER</a:t>
+            </a:r>
+            <a:br>
+              <a:rPr lang="en-US" altLang="zh-CN" dirty="0"/>
+            </a:br>
+            <a:r>
+              <a:rPr lang="en-US" altLang="zh-CN" dirty="0"/>
+              <a:t>ANEURALNETWORKS_PREFER_FAST_SINGLE_ANSWER</a:t>
+            </a:r>
+            <a:br>
+              <a:rPr lang="en-US" altLang="zh-CN" dirty="0"/>
+            </a:br>
+            <a:r>
+              <a:rPr lang="en-US" altLang="zh-CN" dirty="0"/>
+              <a:t>ANEURALNETWORKS_PREFER_SUSTAINED_SPEED</a:t>
+            </a:r>
+            <a:endParaRPr lang="en-US" altLang="zh-CN" dirty="0" smtClean="0"/>
+          </a:p>
+          <a:p>
+            <a:pPr marL="285750" indent="-285750">
+              <a:buFont typeface="Wingdings" pitchFamily="2" charset="2"/>
+              <a:buChar char="l"/>
+            </a:pPr>
+            <a:r>
+              <a:rPr lang="en-US" altLang="zh-CN" dirty="0" err="1" smtClean="0"/>
+              <a:t>ANeuralNetworksCompilation_finish</a:t>
+            </a:r>
+            <a:endParaRPr lang="zh-CN" altLang="en-US" dirty="0"/>
+          </a:p>
+        </p:txBody>
+      </p:sp>
+    </p:spTree>
+    <p:extLst>
+      <p:ext uri="{BB962C8B-B14F-4D97-AF65-F5344CB8AC3E}">
+        <p14:creationId xmlns:p14="http://schemas.microsoft.com/office/powerpoint/2010/main" val="675275271"/>
+      </p:ext>
+    </p:extLst>
+  </p:cSld>
+  <p:clrMapOvr>
+    <a:masterClrMapping/>
+  </p:clrMapOvr>
+  <p:timing>
+    <p:tnLst>
+      <p:par>
+        <p:cTn id="1" dur="indefinite" restart="never" nodeType="tmRoot"/>
+      </p:par>
+    </p:tnLst>
+  </p:timing>
 </p:sld>
 </file>
 

--- a/temp/NNAPI.pptx
+++ b/temp/NNAPI.pptx
@@ -35,8 +35,8 @@
     <p:sldId id="262" r:id="rId26"/>
     <p:sldId id="257" r:id="rId27"/>
     <p:sldId id="259" r:id="rId28"/>
-    <p:sldId id="282" r:id="rId29"/>
-    <p:sldId id="283" r:id="rId30"/>
+    <p:sldId id="283" r:id="rId29"/>
+    <p:sldId id="282" r:id="rId30"/>
     <p:sldId id="284" r:id="rId31"/>
     <p:sldId id="285" r:id="rId32"/>
   </p:sldIdLst>
@@ -222,7 +222,7 @@
           <a:p>
             <a:fld id="{EABBA1B7-47AE-46BC-83AA-538C52BEC2BA}" type="datetimeFigureOut">
               <a:rPr lang="zh-CN" altLang="en-US" smtClean="0"/>
-              <a:t>2019/2/22</a:t>
+              <a:t>2019/3/16</a:t>
             </a:fld>
             <a:endParaRPr lang="zh-CN" altLang="en-US"/>
           </a:p>
@@ -750,6 +750,116 @@
 </p:notes>
 </file>
 
+<file path=ppt/notesSlides/notesSlide4.xml><?xml version="1.0" encoding="utf-8"?>
+<p:notes xmlns:a="http://schemas.openxmlformats.org/drawingml/2006/main" xmlns:r="http://schemas.openxmlformats.org/officeDocument/2006/relationships" xmlns:p="http://schemas.openxmlformats.org/presentationml/2006/main">
+  <p:cSld>
+    <p:spTree>
+      <p:nvGrpSpPr>
+        <p:cNvPr id="1" name=""/>
+        <p:cNvGrpSpPr/>
+        <p:nvPr/>
+      </p:nvGrpSpPr>
+      <p:grpSpPr>
+        <a:xfrm>
+          <a:off x="0" y="0"/>
+          <a:ext cx="0" cy="0"/>
+          <a:chOff x="0" y="0"/>
+          <a:chExt cx="0" cy="0"/>
+        </a:xfrm>
+      </p:grpSpPr>
+      <p:sp>
+        <p:nvSpPr>
+          <p:cNvPr id="2" name="幻灯片图像占位符 1"/>
+          <p:cNvSpPr>
+            <a:spLocks noGrp="1" noRot="1" noChangeAspect="1"/>
+          </p:cNvSpPr>
+          <p:nvPr>
+            <p:ph type="sldImg"/>
+          </p:nvPr>
+        </p:nvSpPr>
+        <p:spPr/>
+      </p:sp>
+      <p:sp>
+        <p:nvSpPr>
+          <p:cNvPr id="3" name="备注占位符 2"/>
+          <p:cNvSpPr>
+            <a:spLocks noGrp="1"/>
+          </p:cNvSpPr>
+          <p:nvPr>
+            <p:ph type="body" idx="1"/>
+          </p:nvPr>
+        </p:nvSpPr>
+        <p:spPr/>
+        <p:txBody>
+          <a:bodyPr/>
+          <a:lstStyle/>
+          <a:p>
+            <a:pPr marL="0" marR="0" indent="0" algn="l" defTabSz="914400" rtl="0" eaLnBrk="1" fontAlgn="auto" latinLnBrk="0" hangingPunct="1">
+              <a:lnSpc>
+                <a:spcPct val="100000"/>
+              </a:lnSpc>
+              <a:spcBef>
+                <a:spcPts val="0"/>
+              </a:spcBef>
+              <a:spcAft>
+                <a:spcPts val="0"/>
+              </a:spcAft>
+              <a:buClrTx/>
+              <a:buSzTx/>
+              <a:buFontTx/>
+              <a:buNone/>
+              <a:tabLst/>
+              <a:defRPr/>
+            </a:pPr>
+            <a:r>
+              <a:rPr lang="en-US" altLang="zh-CN" dirty="0" smtClean="0">
+                <a:hlinkClick r:id="rId3"/>
+              </a:rPr>
+              <a:t>https://codelabs.developers.google.com/codelabs/tensorflow-for-poets-2/#0</a:t>
+            </a:r>
+            <a:endParaRPr lang="en-US" altLang="zh-CN" dirty="0" smtClean="0"/>
+          </a:p>
+          <a:p>
+            <a:endParaRPr lang="zh-CN" altLang="en-US" dirty="0"/>
+          </a:p>
+        </p:txBody>
+      </p:sp>
+      <p:sp>
+        <p:nvSpPr>
+          <p:cNvPr id="4" name="灯片编号占位符 3"/>
+          <p:cNvSpPr>
+            <a:spLocks noGrp="1"/>
+          </p:cNvSpPr>
+          <p:nvPr>
+            <p:ph type="sldNum" sz="quarter" idx="10"/>
+          </p:nvPr>
+        </p:nvSpPr>
+        <p:spPr/>
+        <p:txBody>
+          <a:bodyPr/>
+          <a:lstStyle/>
+          <a:p>
+            <a:fld id="{ABD29AB3-2A59-42CD-8E3D-DEFCD979F626}" type="slidenum">
+              <a:rPr lang="zh-CN" altLang="en-US" smtClean="0"/>
+              <a:t>29</a:t>
+            </a:fld>
+            <a:endParaRPr lang="zh-CN" altLang="en-US"/>
+          </a:p>
+        </p:txBody>
+      </p:sp>
+    </p:spTree>
+    <p:extLst>
+      <p:ext uri="{BB962C8B-B14F-4D97-AF65-F5344CB8AC3E}">
+        <p14:creationId xmlns:p14="http://schemas.microsoft.com/office/powerpoint/2010/main" val="2103118260"/>
+      </p:ext>
+    </p:extLst>
+  </p:cSld>
+  <p:clrMapOvr>
+    <a:masterClrMapping/>
+  </p:clrMapOvr>
+</p:notes>
+</file>
+
 <file path=ppt/slideLayouts/slideLayout1.xml><?xml version="1.0" encoding="utf-8"?>
 <p:sldLayout xmlns:a="http://schemas.openxmlformats.org/drawingml/2006/main" xmlns:r="http://schemas.openxmlformats.org/officeDocument/2006/relationships" xmlns:p="http://schemas.openxmlformats.org/presentationml/2006/main" type="title" preserve="1">
   <p:cSld name="标题幻灯片">
@@ -931,7 +1041,7 @@
           <a:p>
             <a:fld id="{23D91640-A206-46E2-B6BE-621BAD24775D}" type="datetimeFigureOut">
               <a:rPr lang="zh-CN" altLang="en-US" smtClean="0"/>
-              <a:t>2019/2/22</a:t>
+              <a:t>2019/3/16</a:t>
             </a:fld>
             <a:endParaRPr lang="zh-CN" altLang="en-US"/>
           </a:p>
@@ -1101,7 +1211,7 @@
           <a:p>
             <a:fld id="{23D91640-A206-46E2-B6BE-621BAD24775D}" type="datetimeFigureOut">
               <a:rPr lang="zh-CN" altLang="en-US" smtClean="0"/>
-              <a:t>2019/2/22</a:t>
+              <a:t>2019/3/16</a:t>
             </a:fld>
             <a:endParaRPr lang="zh-CN" altLang="en-US"/>
           </a:p>
@@ -1281,7 +1391,7 @@
           <a:p>
             <a:fld id="{23D91640-A206-46E2-B6BE-621BAD24775D}" type="datetimeFigureOut">
               <a:rPr lang="zh-CN" altLang="en-US" smtClean="0"/>
-              <a:t>2019/2/22</a:t>
+              <a:t>2019/3/16</a:t>
             </a:fld>
             <a:endParaRPr lang="zh-CN" altLang="en-US"/>
           </a:p>
@@ -1451,7 +1561,7 @@
           <a:p>
             <a:fld id="{23D91640-A206-46E2-B6BE-621BAD24775D}" type="datetimeFigureOut">
               <a:rPr lang="zh-CN" altLang="en-US" smtClean="0"/>
-              <a:t>2019/2/22</a:t>
+              <a:t>2019/3/16</a:t>
             </a:fld>
             <a:endParaRPr lang="zh-CN" altLang="en-US"/>
           </a:p>
@@ -1697,7 +1807,7 @@
           <a:p>
             <a:fld id="{23D91640-A206-46E2-B6BE-621BAD24775D}" type="datetimeFigureOut">
               <a:rPr lang="zh-CN" altLang="en-US" smtClean="0"/>
-              <a:t>2019/2/22</a:t>
+              <a:t>2019/3/16</a:t>
             </a:fld>
             <a:endParaRPr lang="zh-CN" altLang="en-US"/>
           </a:p>
@@ -1985,7 +2095,7 @@
           <a:p>
             <a:fld id="{23D91640-A206-46E2-B6BE-621BAD24775D}" type="datetimeFigureOut">
               <a:rPr lang="zh-CN" altLang="en-US" smtClean="0"/>
-              <a:t>2019/2/22</a:t>
+              <a:t>2019/3/16</a:t>
             </a:fld>
             <a:endParaRPr lang="zh-CN" altLang="en-US"/>
           </a:p>
@@ -2407,7 +2517,7 @@
           <a:p>
             <a:fld id="{23D91640-A206-46E2-B6BE-621BAD24775D}" type="datetimeFigureOut">
               <a:rPr lang="zh-CN" altLang="en-US" smtClean="0"/>
-              <a:t>2019/2/22</a:t>
+              <a:t>2019/3/16</a:t>
             </a:fld>
             <a:endParaRPr lang="zh-CN" altLang="en-US"/>
           </a:p>
@@ -2525,7 +2635,7 @@
           <a:p>
             <a:fld id="{23D91640-A206-46E2-B6BE-621BAD24775D}" type="datetimeFigureOut">
               <a:rPr lang="zh-CN" altLang="en-US" smtClean="0"/>
-              <a:t>2019/2/22</a:t>
+              <a:t>2019/3/16</a:t>
             </a:fld>
             <a:endParaRPr lang="zh-CN" altLang="en-US"/>
           </a:p>
@@ -2620,7 +2730,7 @@
           <a:p>
             <a:fld id="{23D91640-A206-46E2-B6BE-621BAD24775D}" type="datetimeFigureOut">
               <a:rPr lang="zh-CN" altLang="en-US" smtClean="0"/>
-              <a:t>2019/2/22</a:t>
+              <a:t>2019/3/16</a:t>
             </a:fld>
             <a:endParaRPr lang="zh-CN" altLang="en-US"/>
           </a:p>
@@ -2897,7 +3007,7 @@
           <a:p>
             <a:fld id="{23D91640-A206-46E2-B6BE-621BAD24775D}" type="datetimeFigureOut">
               <a:rPr lang="zh-CN" altLang="en-US" smtClean="0"/>
-              <a:t>2019/2/22</a:t>
+              <a:t>2019/3/16</a:t>
             </a:fld>
             <a:endParaRPr lang="zh-CN" altLang="en-US"/>
           </a:p>
@@ -3150,7 +3260,7 @@
           <a:p>
             <a:fld id="{23D91640-A206-46E2-B6BE-621BAD24775D}" type="datetimeFigureOut">
               <a:rPr lang="zh-CN" altLang="en-US" smtClean="0"/>
-              <a:t>2019/2/22</a:t>
+              <a:t>2019/3/16</a:t>
             </a:fld>
             <a:endParaRPr lang="zh-CN" altLang="en-US"/>
           </a:p>
@@ -3363,7 +3473,7 @@
           <a:p>
             <a:fld id="{23D91640-A206-46E2-B6BE-621BAD24775D}" type="datetimeFigureOut">
               <a:rPr lang="zh-CN" altLang="en-US" smtClean="0"/>
-              <a:t>2019/2/22</a:t>
+              <a:t>2019/3/16</a:t>
             </a:fld>
             <a:endParaRPr lang="zh-CN" altLang="en-US"/>
           </a:p>
@@ -6722,7 +6832,7 @@
                   </a:schemeClr>
                 </a:solidFill>
               </a:rPr>
-              <a:t>简介</a:t>
+              <a:t>使用</a:t>
             </a:r>
             <a:endParaRPr lang="zh-CN" altLang="en-US" b="1" dirty="0">
               <a:solidFill>
@@ -6734,10 +6844,74 @@
           </a:p>
         </p:txBody>
       </p:sp>
+      <p:pic>
+        <p:nvPicPr>
+          <p:cNvPr id="1026" name="Picture 2"/>
+          <p:cNvPicPr>
+            <a:picLocks noChangeAspect="1" noChangeArrowheads="1"/>
+          </p:cNvPicPr>
+          <p:nvPr/>
+        </p:nvPicPr>
+        <p:blipFill>
+          <a:blip r:embed="rId2">
+            <a:extLst>
+              <a:ext uri="{28A0092B-C50C-407E-A947-70E740481C1C}">
+                <a14:useLocalDpi xmlns:a14="http://schemas.microsoft.com/office/drawing/2010/main" val="0"/>
+              </a:ext>
+            </a:extLst>
+          </a:blip>
+          <a:srcRect/>
+          <a:stretch>
+            <a:fillRect/>
+          </a:stretch>
+        </p:blipFill>
+        <p:spPr bwMode="auto">
+          <a:xfrm>
+            <a:off x="1513334" y="758511"/>
+            <a:ext cx="6210648" cy="5726829"/>
+          </a:xfrm>
+          <a:prstGeom prst="rect">
+            <a:avLst/>
+          </a:prstGeom>
+          <a:noFill/>
+          <a:ln>
+            <a:noFill/>
+          </a:ln>
+          <a:effectLst/>
+          <a:extLst>
+            <a:ext uri="{909E8E84-426E-40DD-AFC4-6F175D3DCCD1}">
+              <a14:hiddenFill xmlns:a14="http://schemas.microsoft.com/office/drawing/2010/main">
+                <a:solidFill>
+                  <a:schemeClr val="accent1"/>
+                </a:solidFill>
+              </a14:hiddenFill>
+            </a:ext>
+            <a:ext uri="{91240B29-F687-4F45-9708-019B960494DF}">
+              <a14:hiddenLine xmlns:a14="http://schemas.microsoft.com/office/drawing/2010/main" w="9525">
+                <a:solidFill>
+                  <a:schemeClr val="tx1"/>
+                </a:solidFill>
+                <a:miter lim="800000"/>
+                <a:headEnd/>
+                <a:tailEnd/>
+              </a14:hiddenLine>
+            </a:ext>
+            <a:ext uri="{AF507438-7753-43E0-B8FC-AC1667EBCBE1}">
+              <a14:hiddenEffects xmlns:a14="http://schemas.microsoft.com/office/drawing/2010/main">
+                <a:effectLst>
+                  <a:outerShdw dist="35921" dir="2700000" algn="ctr" rotWithShape="0">
+                    <a:schemeClr val="bg2"/>
+                  </a:outerShdw>
+                </a:effectLst>
+              </a14:hiddenEffects>
+            </a:ext>
+          </a:extLst>
+        </p:spPr>
+      </p:pic>
     </p:spTree>
     <p:extLst>
       <p:ext uri="{BB962C8B-B14F-4D97-AF65-F5344CB8AC3E}">
-        <p14:creationId xmlns:p14="http://schemas.microsoft.com/office/powerpoint/2010/main" val="1941855724"/>
+        <p14:creationId xmlns:p14="http://schemas.microsoft.com/office/powerpoint/2010/main" val="2187756441"/>
       </p:ext>
     </p:extLst>
   </p:cSld>
@@ -6780,7 +6954,7 @@
         <p:spPr>
           <a:xfrm>
             <a:off x="611560" y="364523"/>
-            <a:ext cx="1619354" cy="369332"/>
+            <a:ext cx="2541914" cy="369332"/>
           </a:xfrm>
           <a:prstGeom prst="rect">
             <a:avLst/>
@@ -6797,24 +6971,24 @@
               <a:buChar char="Ø"/>
             </a:pPr>
             <a:r>
-              <a:rPr lang="en-US" altLang="zh-CN" b="1" dirty="0">
+              <a:rPr lang="en-US" altLang="zh-CN" b="1" dirty="0" err="1" smtClean="0">
                 <a:solidFill>
                   <a:schemeClr val="accent1">
                     <a:lumMod val="75000"/>
                   </a:schemeClr>
                 </a:solidFill>
               </a:rPr>
-              <a:t>NNAPI </a:t>
-            </a:r>
-            <a:r>
-              <a:rPr lang="zh-CN" altLang="en-US" b="1" dirty="0" smtClean="0">
+              <a:t>TensorFlow</a:t>
+            </a:r>
+            <a:r>
+              <a:rPr lang="en-US" altLang="zh-CN" b="1" dirty="0" smtClean="0">
                 <a:solidFill>
                   <a:schemeClr val="accent1">
                     <a:lumMod val="75000"/>
                   </a:schemeClr>
                 </a:solidFill>
               </a:rPr>
-              <a:t>使用</a:t>
+              <a:t> lite Demo</a:t>
             </a:r>
             <a:endParaRPr lang="zh-CN" altLang="en-US" b="1" dirty="0">
               <a:solidFill>
@@ -6826,10 +7000,162 @@
           </a:p>
         </p:txBody>
       </p:sp>
+      <p:sp>
+        <p:nvSpPr>
+          <p:cNvPr id="2" name="矩形 1"/>
+          <p:cNvSpPr/>
+          <p:nvPr/>
+        </p:nvSpPr>
+        <p:spPr>
+          <a:xfrm>
+            <a:off x="971600" y="2524980"/>
+            <a:ext cx="2833533" cy="646331"/>
+          </a:xfrm>
+          <a:prstGeom prst="rect">
+            <a:avLst/>
+          </a:prstGeom>
+        </p:spPr>
+        <p:txBody>
+          <a:bodyPr wrap="none">
+            <a:spAutoFit/>
+          </a:bodyPr>
+          <a:lstStyle/>
+          <a:p>
+            <a:r>
+              <a:rPr lang="en-US" altLang="zh-CN" dirty="0" smtClean="0"/>
+              <a:t>Model</a:t>
+            </a:r>
+            <a:r>
+              <a:rPr lang="zh-CN" altLang="en-US" dirty="0" smtClean="0"/>
+              <a:t>：</a:t>
+            </a:r>
+            <a:r>
+              <a:rPr lang="en-US" altLang="zh-CN" dirty="0" err="1" smtClean="0"/>
+              <a:t>retrained_graph.pb</a:t>
+            </a:r>
+            <a:endParaRPr lang="en-US" altLang="zh-CN" dirty="0" smtClean="0"/>
+          </a:p>
+          <a:p>
+            <a:r>
+              <a:rPr lang="en-US" altLang="zh-CN" dirty="0" smtClean="0"/>
+              <a:t>Label</a:t>
+            </a:r>
+            <a:r>
+              <a:rPr lang="zh-CN" altLang="en-US" dirty="0" smtClean="0"/>
+              <a:t>：</a:t>
+            </a:r>
+            <a:r>
+              <a:rPr lang="en-US" altLang="zh-CN" dirty="0" smtClean="0"/>
+              <a:t>retrained_labels.txt</a:t>
+            </a:r>
+            <a:endParaRPr lang="zh-CN" altLang="en-US" dirty="0"/>
+          </a:p>
+        </p:txBody>
+      </p:sp>
+      <p:sp>
+        <p:nvSpPr>
+          <p:cNvPr id="3" name="矩形 2"/>
+          <p:cNvSpPr/>
+          <p:nvPr/>
+        </p:nvSpPr>
+        <p:spPr>
+          <a:xfrm>
+            <a:off x="1007630" y="3267166"/>
+            <a:ext cx="2145844" cy="923330"/>
+          </a:xfrm>
+          <a:prstGeom prst="rect">
+            <a:avLst/>
+          </a:prstGeom>
+        </p:spPr>
+        <p:txBody>
+          <a:bodyPr wrap="none">
+            <a:spAutoFit/>
+          </a:bodyPr>
+          <a:lstStyle/>
+          <a:p>
+            <a:r>
+              <a:rPr lang="zh-CN" altLang="en-US" dirty="0" smtClean="0"/>
+              <a:t>转换：</a:t>
+            </a:r>
+            <a:r>
+              <a:rPr lang="en-US" altLang="zh-CN" dirty="0" err="1" smtClean="0"/>
+              <a:t>tflite_convert</a:t>
+            </a:r>
+            <a:endParaRPr lang="en-US" altLang="zh-CN" dirty="0" smtClean="0"/>
+          </a:p>
+          <a:p>
+            <a:r>
+              <a:rPr lang="en-US" altLang="zh-CN" dirty="0" err="1" smtClean="0"/>
+              <a:t>retrained_graph.pb</a:t>
+            </a:r>
+            <a:endParaRPr lang="en-US" altLang="zh-CN" dirty="0" smtClean="0"/>
+          </a:p>
+          <a:p>
+            <a:r>
+              <a:rPr lang="en-US" altLang="zh-CN" dirty="0" err="1"/>
+              <a:t>optimized_graph.lite</a:t>
+            </a:r>
+            <a:endParaRPr lang="zh-CN" altLang="en-US" dirty="0"/>
+          </a:p>
+        </p:txBody>
+      </p:sp>
+      <p:sp>
+        <p:nvSpPr>
+          <p:cNvPr id="5" name="矩形 4"/>
+          <p:cNvSpPr/>
+          <p:nvPr/>
+        </p:nvSpPr>
+        <p:spPr>
+          <a:xfrm>
+            <a:off x="1017154" y="4329970"/>
+            <a:ext cx="4572000" cy="646331"/>
+          </a:xfrm>
+          <a:prstGeom prst="rect">
+            <a:avLst/>
+          </a:prstGeom>
+        </p:spPr>
+        <p:txBody>
+          <a:bodyPr>
+            <a:spAutoFit/>
+          </a:bodyPr>
+          <a:lstStyle/>
+          <a:p>
+            <a:r>
+              <a:rPr lang="en-US" altLang="zh-CN" dirty="0"/>
+              <a:t> </a:t>
+            </a:r>
+            <a:r>
+              <a:rPr lang="en-US" altLang="zh-CN" dirty="0" err="1"/>
+              <a:t>TensorFlow</a:t>
+            </a:r>
+            <a:r>
+              <a:rPr lang="en-US" altLang="zh-CN" dirty="0"/>
+              <a:t> uses Protocol Buffers, while </a:t>
+            </a:r>
+            <a:r>
+              <a:rPr lang="en-US" altLang="zh-CN" dirty="0" err="1"/>
+              <a:t>TFLite</a:t>
+            </a:r>
+            <a:r>
+              <a:rPr lang="en-US" altLang="zh-CN" dirty="0"/>
+              <a:t> uses </a:t>
+            </a:r>
+            <a:r>
+              <a:rPr lang="en-US" altLang="zh-CN" dirty="0" err="1"/>
+              <a:t>FlatBuffers</a:t>
+            </a:r>
+            <a:r>
+              <a:rPr lang="en-US" altLang="zh-CN" dirty="0"/>
+              <a:t>. </a:t>
+            </a:r>
+            <a:endParaRPr lang="zh-CN" altLang="en-US" dirty="0"/>
+          </a:p>
+        </p:txBody>
+      </p:sp>
     </p:spTree>
     <p:extLst>
       <p:ext uri="{BB962C8B-B14F-4D97-AF65-F5344CB8AC3E}">
-        <p14:creationId xmlns:p14="http://schemas.microsoft.com/office/powerpoint/2010/main" val="2187756441"/>
+        <p14:creationId xmlns:p14="http://schemas.microsoft.com/office/powerpoint/2010/main" val="1941855724"/>
       </p:ext>
     </p:extLst>
   </p:cSld>
@@ -7016,6 +7342,108 @@
                 </a:schemeClr>
               </a:solidFill>
             </a:endParaRPr>
+          </a:p>
+        </p:txBody>
+      </p:sp>
+      <p:sp>
+        <p:nvSpPr>
+          <p:cNvPr id="3" name="矩形 2"/>
+          <p:cNvSpPr/>
+          <p:nvPr/>
+        </p:nvSpPr>
+        <p:spPr>
+          <a:xfrm>
+            <a:off x="899592" y="836712"/>
+            <a:ext cx="7704856" cy="2031325"/>
+          </a:xfrm>
+          <a:prstGeom prst="rect">
+            <a:avLst/>
+          </a:prstGeom>
+        </p:spPr>
+        <p:txBody>
+          <a:bodyPr wrap="square">
+            <a:spAutoFit/>
+          </a:bodyPr>
+          <a:lstStyle/>
+          <a:p>
+            <a:r>
+              <a:rPr lang="en-US" altLang="zh-CN" dirty="0" smtClean="0"/>
+              <a:t>Demo</a:t>
+            </a:r>
+            <a:r>
+              <a:rPr lang="zh-CN" altLang="en-US" dirty="0" smtClean="0"/>
+              <a:t>：</a:t>
+            </a:r>
+            <a:endParaRPr lang="en-US" altLang="zh-CN" dirty="0" smtClean="0"/>
+          </a:p>
+          <a:p>
+            <a:r>
+              <a:rPr lang="en-US" altLang="zh-CN" dirty="0" smtClean="0">
+                <a:hlinkClick r:id="rId2"/>
+              </a:rPr>
+              <a:t>https</a:t>
+            </a:r>
+            <a:r>
+              <a:rPr lang="en-US" altLang="zh-CN" dirty="0">
+                <a:hlinkClick r:id="rId2"/>
+              </a:rPr>
+              <a:t>://</a:t>
+            </a:r>
+            <a:r>
+              <a:rPr lang="en-US" altLang="zh-CN" dirty="0" smtClean="0">
+                <a:hlinkClick r:id="rId2"/>
+              </a:rPr>
+              <a:t>github.com/googlesamples/android-ndk/tree/master/nn_sample</a:t>
+            </a:r>
+            <a:endParaRPr lang="en-US" altLang="zh-CN" dirty="0" smtClean="0"/>
+          </a:p>
+          <a:p>
+            <a:r>
+              <a:rPr lang="en-US" altLang="zh-CN" dirty="0">
+                <a:hlinkClick r:id="rId3"/>
+              </a:rPr>
+              <a:t>https://</a:t>
+            </a:r>
+            <a:r>
+              <a:rPr lang="en-US" altLang="zh-CN" dirty="0" smtClean="0">
+                <a:hlinkClick r:id="rId3"/>
+              </a:rPr>
+              <a:t>github.com/daquexian/dnnlibrary-example</a:t>
+            </a:r>
+            <a:endParaRPr lang="en-US" altLang="zh-CN" dirty="0" smtClean="0"/>
+          </a:p>
+          <a:p>
+            <a:r>
+              <a:rPr lang="en-US" altLang="zh-CN" dirty="0">
+                <a:hlinkClick r:id="rId4"/>
+              </a:rPr>
+              <a:t>https://codelabs.developers.google.com/codelabs/tensorflow-for-poets-2/#</a:t>
+            </a:r>
+            <a:r>
+              <a:rPr lang="en-US" altLang="zh-CN" dirty="0" smtClean="0">
+                <a:hlinkClick r:id="rId4"/>
+              </a:rPr>
+              <a:t>0</a:t>
+            </a:r>
+            <a:endParaRPr lang="en-US" altLang="zh-CN" dirty="0" smtClean="0"/>
+          </a:p>
+          <a:p>
+            <a:r>
+              <a:rPr lang="en-US" altLang="zh-CN" dirty="0">
+                <a:hlinkClick r:id="rId5"/>
+              </a:rPr>
+              <a:t>https://codelabs.developers.google.com/codelabs/tensorflow-for-poets-2-tflite/#</a:t>
+            </a:r>
+            <a:r>
+              <a:rPr lang="en-US" altLang="zh-CN" dirty="0" smtClean="0">
+                <a:hlinkClick r:id="rId5"/>
+              </a:rPr>
+              <a:t>1</a:t>
+            </a:r>
+            <a:endParaRPr lang="en-US" altLang="zh-CN" dirty="0" smtClean="0"/>
+          </a:p>
+          <a:p>
+            <a:endParaRPr lang="en-US" altLang="zh-CN" dirty="0" smtClean="0"/>
           </a:p>
         </p:txBody>
       </p:sp>
